--- a/misc/22 апреля.pptx
+++ b/misc/22 апреля.pptx
@@ -1,46 +1,46 @@
 
 <file path=ppt/presentation.xml><?xml version="1.0" encoding="utf-8"?>
-<p:presentation xmlns:a="http://schemas.openxmlformats.org/drawingml/2006/main" xmlns:r="http://schemas.openxmlformats.org/officeDocument/2006/relationships" xmlns:mc="http://schemas.openxmlformats.org/markup-compatibility/2006" xmlns:mv="urn:schemas-microsoft-com:mac:vml" xmlns:p="http://schemas.openxmlformats.org/presentationml/2006/main" xmlns:c="http://schemas.openxmlformats.org/drawingml/2006/chart" xmlns:dgm="http://schemas.openxmlformats.org/drawingml/2006/diagram" xmlns:o="urn:schemas-microsoft-com:office:office" xmlns:v="urn:schemas-microsoft-com:vml" xmlns:pvml="urn:schemas-microsoft-com:office:powerpoint" xmlns:com="http://schemas.openxmlformats.org/drawingml/2006/compatibility" xmlns:p14="http://schemas.microsoft.com/office/powerpoint/2010/main" xmlns:p15="http://schemas.microsoft.com/office/powerpoint/2012/main" autoCompressPictures="0" embedTrueTypeFonts="1" strictFirstAndLastChars="0" saveSubsetFonts="1">
+<p:presentation xmlns:a="http://schemas.openxmlformats.org/drawingml/2006/main" xmlns:r="http://schemas.openxmlformats.org/officeDocument/2006/relationships" xmlns:p="http://schemas.openxmlformats.org/presentationml/2006/main" strictFirstAndLastChars="0" embedTrueTypeFonts="1" saveSubsetFonts="1" autoCompressPictures="0">
   <p:sldMasterIdLst>
-    <p:sldMasterId id="2147483659" r:id="rId4"/>
+    <p:sldMasterId id="2147483659" r:id="rId1"/>
   </p:sldMasterIdLst>
   <p:notesMasterIdLst>
-    <p:notesMasterId r:id="rId5"/>
+    <p:notesMasterId r:id="rId7"/>
   </p:notesMasterIdLst>
   <p:sldIdLst>
-    <p:sldId id="256" r:id="rId6"/>
-    <p:sldId id="257" r:id="rId7"/>
-    <p:sldId id="258" r:id="rId8"/>
-    <p:sldId id="259" r:id="rId9"/>
-    <p:sldId id="260" r:id="rId10"/>
+    <p:sldId id="256" r:id="rId2"/>
+    <p:sldId id="257" r:id="rId3"/>
+    <p:sldId id="258" r:id="rId4"/>
+    <p:sldId id="259" r:id="rId5"/>
+    <p:sldId id="260" r:id="rId6"/>
   </p:sldIdLst>
-  <p:sldSz cy="5143500" cx="9144000"/>
+  <p:sldSz cx="9144000" cy="5143500" type="screen16x9"/>
   <p:notesSz cx="6858000" cy="9144000"/>
   <p:embeddedFontLst>
     <p:embeddedFont>
-      <p:font typeface="Roboto"/>
-      <p:regular r:id="rId11"/>
-      <p:bold r:id="rId12"/>
-      <p:italic r:id="rId13"/>
-      <p:boldItalic r:id="rId14"/>
+      <p:font typeface="Roboto" panose="020B0604020202020204" charset="0"/>
+      <p:regular r:id="rId8"/>
+      <p:bold r:id="rId9"/>
+      <p:italic r:id="rId10"/>
+      <p:boldItalic r:id="rId11"/>
     </p:embeddedFont>
     <p:embeddedFont>
-      <p:font typeface="Montserrat"/>
-      <p:regular r:id="rId15"/>
-      <p:bold r:id="rId16"/>
-      <p:italic r:id="rId17"/>
-      <p:boldItalic r:id="rId18"/>
+      <p:font typeface="Montserrat" panose="020B0604020202020204" charset="-52"/>
+      <p:regular r:id="rId12"/>
+      <p:bold r:id="rId13"/>
+      <p:italic r:id="rId14"/>
+      <p:boldItalic r:id="rId15"/>
     </p:embeddedFont>
     <p:embeddedFont>
-      <p:font typeface="Lato"/>
-      <p:regular r:id="rId19"/>
-      <p:bold r:id="rId20"/>
-      <p:italic r:id="rId21"/>
-      <p:boldItalic r:id="rId22"/>
+      <p:font typeface="Lato" panose="020B0604020202020204" charset="0"/>
+      <p:regular r:id="rId16"/>
+      <p:bold r:id="rId17"/>
+      <p:italic r:id="rId18"/>
+      <p:boldItalic r:id="rId19"/>
     </p:embeddedFont>
   </p:embeddedFontLst>
   <p:defaultTextStyle>
-    <a:defPPr lvl="0" marR="0" rtl="0" algn="l">
+    <a:defPPr marR="0" lvl="0" algn="l" rtl="0">
       <a:lnSpc>
         <a:spcPct val="100000"/>
       </a:lnSpc>
@@ -51,7 +51,7 @@
         <a:spcPts val="0"/>
       </a:spcAft>
     </a:defPPr>
-    <a:lvl1pPr lvl="0" marR="0" rtl="0" algn="l">
+    <a:lvl1pPr marR="0" lvl="0" algn="l" rtl="0">
       <a:lnSpc>
         <a:spcPct val="100000"/>
       </a:lnSpc>
@@ -65,7 +65,7 @@
         <a:srgbClr val="000000"/>
       </a:buClr>
       <a:buFont typeface="Arial"/>
-      <a:defRPr b="0" i="0" sz="1400" u="none" cap="none" strike="noStrike">
+      <a:defRPr sz="1400" b="0" i="0" u="none" strike="noStrike" cap="none">
         <a:solidFill>
           <a:srgbClr val="000000"/>
         </a:solidFill>
@@ -75,7 +75,7 @@
         <a:sym typeface="Arial"/>
       </a:defRPr>
     </a:lvl1pPr>
-    <a:lvl2pPr lvl="1" marR="0" rtl="0" algn="l">
+    <a:lvl2pPr marR="0" lvl="1" algn="l" rtl="0">
       <a:lnSpc>
         <a:spcPct val="100000"/>
       </a:lnSpc>
@@ -89,7 +89,7 @@
         <a:srgbClr val="000000"/>
       </a:buClr>
       <a:buFont typeface="Arial"/>
-      <a:defRPr b="0" i="0" sz="1400" u="none" cap="none" strike="noStrike">
+      <a:defRPr sz="1400" b="0" i="0" u="none" strike="noStrike" cap="none">
         <a:solidFill>
           <a:srgbClr val="000000"/>
         </a:solidFill>
@@ -99,7 +99,7 @@
         <a:sym typeface="Arial"/>
       </a:defRPr>
     </a:lvl2pPr>
-    <a:lvl3pPr lvl="2" marR="0" rtl="0" algn="l">
+    <a:lvl3pPr marR="0" lvl="2" algn="l" rtl="0">
       <a:lnSpc>
         <a:spcPct val="100000"/>
       </a:lnSpc>
@@ -113,7 +113,7 @@
         <a:srgbClr val="000000"/>
       </a:buClr>
       <a:buFont typeface="Arial"/>
-      <a:defRPr b="0" i="0" sz="1400" u="none" cap="none" strike="noStrike">
+      <a:defRPr sz="1400" b="0" i="0" u="none" strike="noStrike" cap="none">
         <a:solidFill>
           <a:srgbClr val="000000"/>
         </a:solidFill>
@@ -123,7 +123,7 @@
         <a:sym typeface="Arial"/>
       </a:defRPr>
     </a:lvl3pPr>
-    <a:lvl4pPr lvl="3" marR="0" rtl="0" algn="l">
+    <a:lvl4pPr marR="0" lvl="3" algn="l" rtl="0">
       <a:lnSpc>
         <a:spcPct val="100000"/>
       </a:lnSpc>
@@ -137,7 +137,7 @@
         <a:srgbClr val="000000"/>
       </a:buClr>
       <a:buFont typeface="Arial"/>
-      <a:defRPr b="0" i="0" sz="1400" u="none" cap="none" strike="noStrike">
+      <a:defRPr sz="1400" b="0" i="0" u="none" strike="noStrike" cap="none">
         <a:solidFill>
           <a:srgbClr val="000000"/>
         </a:solidFill>
@@ -147,7 +147,7 @@
         <a:sym typeface="Arial"/>
       </a:defRPr>
     </a:lvl4pPr>
-    <a:lvl5pPr lvl="4" marR="0" rtl="0" algn="l">
+    <a:lvl5pPr marR="0" lvl="4" algn="l" rtl="0">
       <a:lnSpc>
         <a:spcPct val="100000"/>
       </a:lnSpc>
@@ -161,7 +161,7 @@
         <a:srgbClr val="000000"/>
       </a:buClr>
       <a:buFont typeface="Arial"/>
-      <a:defRPr b="0" i="0" sz="1400" u="none" cap="none" strike="noStrike">
+      <a:defRPr sz="1400" b="0" i="0" u="none" strike="noStrike" cap="none">
         <a:solidFill>
           <a:srgbClr val="000000"/>
         </a:solidFill>
@@ -171,7 +171,7 @@
         <a:sym typeface="Arial"/>
       </a:defRPr>
     </a:lvl5pPr>
-    <a:lvl6pPr lvl="5" marR="0" rtl="0" algn="l">
+    <a:lvl6pPr marR="0" lvl="5" algn="l" rtl="0">
       <a:lnSpc>
         <a:spcPct val="100000"/>
       </a:lnSpc>
@@ -185,7 +185,7 @@
         <a:srgbClr val="000000"/>
       </a:buClr>
       <a:buFont typeface="Arial"/>
-      <a:defRPr b="0" i="0" sz="1400" u="none" cap="none" strike="noStrike">
+      <a:defRPr sz="1400" b="0" i="0" u="none" strike="noStrike" cap="none">
         <a:solidFill>
           <a:srgbClr val="000000"/>
         </a:solidFill>
@@ -195,7 +195,7 @@
         <a:sym typeface="Arial"/>
       </a:defRPr>
     </a:lvl6pPr>
-    <a:lvl7pPr lvl="6" marR="0" rtl="0" algn="l">
+    <a:lvl7pPr marR="0" lvl="6" algn="l" rtl="0">
       <a:lnSpc>
         <a:spcPct val="100000"/>
       </a:lnSpc>
@@ -209,7 +209,7 @@
         <a:srgbClr val="000000"/>
       </a:buClr>
       <a:buFont typeface="Arial"/>
-      <a:defRPr b="0" i="0" sz="1400" u="none" cap="none" strike="noStrike">
+      <a:defRPr sz="1400" b="0" i="0" u="none" strike="noStrike" cap="none">
         <a:solidFill>
           <a:srgbClr val="000000"/>
         </a:solidFill>
@@ -219,7 +219,7 @@
         <a:sym typeface="Arial"/>
       </a:defRPr>
     </a:lvl7pPr>
-    <a:lvl8pPr lvl="7" marR="0" rtl="0" algn="l">
+    <a:lvl8pPr marR="0" lvl="7" algn="l" rtl="0">
       <a:lnSpc>
         <a:spcPct val="100000"/>
       </a:lnSpc>
@@ -233,7 +233,7 @@
         <a:srgbClr val="000000"/>
       </a:buClr>
       <a:buFont typeface="Arial"/>
-      <a:defRPr b="0" i="0" sz="1400" u="none" cap="none" strike="noStrike">
+      <a:defRPr sz="1400" b="0" i="0" u="none" strike="noStrike" cap="none">
         <a:solidFill>
           <a:srgbClr val="000000"/>
         </a:solidFill>
@@ -243,7 +243,7 @@
         <a:sym typeface="Arial"/>
       </a:defRPr>
     </a:lvl8pPr>
-    <a:lvl9pPr lvl="8" marR="0" rtl="0" algn="l">
+    <a:lvl9pPr marR="0" lvl="8" algn="l" rtl="0">
       <a:lnSpc>
         <a:spcPct val="100000"/>
       </a:lnSpc>
@@ -257,7 +257,7 @@
         <a:srgbClr val="000000"/>
       </a:buClr>
       <a:buFont typeface="Arial"/>
-      <a:defRPr b="0" i="0" sz="1400" u="none" cap="none" strike="noStrike">
+      <a:defRPr sz="1400" b="0" i="0" u="none" strike="noStrike" cap="none">
         <a:solidFill>
           <a:srgbClr val="000000"/>
         </a:solidFill>
@@ -270,7 +270,7 @@
   </p:defaultTextStyle>
   <p:extLst>
     <p:ext uri="{EFAFB233-063F-42B5-8137-9DF3F51BA10A}">
-      <p15:sldGuideLst>
+      <p15:sldGuideLst xmlns:p15="http://schemas.microsoft.com/office/powerpoint/2012/main">
         <p15:guide id="1" orient="horz" pos="1620">
           <p15:clr>
             <a:srgbClr val="A4A3A4"/>
@@ -288,11 +288,16 @@
 </file>
 
 <file path=ppt/notesMasters/notesMaster1.xml><?xml version="1.0" encoding="utf-8"?>
-<p:notesMaster xmlns:a="http://schemas.openxmlformats.org/drawingml/2006/main" xmlns:r="http://schemas.openxmlformats.org/officeDocument/2006/relationships" xmlns:mc="http://schemas.openxmlformats.org/markup-compatibility/2006" xmlns:mv="urn:schemas-microsoft-com:mac:vml" xmlns:p="http://schemas.openxmlformats.org/presentationml/2006/main" xmlns:c="http://schemas.openxmlformats.org/drawingml/2006/chart" xmlns:dgm="http://schemas.openxmlformats.org/drawingml/2006/diagram" xmlns:o="urn:schemas-microsoft-com:office:office" xmlns:v="urn:schemas-microsoft-com:vml" xmlns:pvml="urn:schemas-microsoft-com:office:powerpoint" xmlns:com="http://schemas.openxmlformats.org/drawingml/2006/compatibility" xmlns:p14="http://schemas.microsoft.com/office/powerpoint/2010/main" xmlns:p15="http://schemas.microsoft.com/office/powerpoint/2012/main">
+<p:notesMaster xmlns:a="http://schemas.openxmlformats.org/drawingml/2006/main" xmlns:r="http://schemas.openxmlformats.org/officeDocument/2006/relationships" xmlns:p="http://schemas.openxmlformats.org/presentationml/2006/main">
   <p:cSld>
+    <p:bg>
+      <p:bgRef idx="1001">
+        <a:schemeClr val="bg1"/>
+      </p:bgRef>
+    </p:bg>
     <p:spTree>
       <p:nvGrpSpPr>
-        <p:cNvPr id="2" name="Shape 2"/>
+        <p:cNvPr id="1" name="Shape 2"/>
         <p:cNvGrpSpPr/>
         <p:nvPr/>
       </p:nvGrpSpPr>
@@ -307,9 +312,11 @@
       <p:sp>
         <p:nvSpPr>
           <p:cNvPr id="3" name="Google Shape;3;n"/>
-          <p:cNvSpPr/>
+          <p:cNvSpPr>
+            <a:spLocks noGrp="1" noRot="1" noChangeAspect="1"/>
+          </p:cNvSpPr>
           <p:nvPr>
-            <p:ph idx="2" type="sldImg"/>
+            <p:ph type="sldImg" idx="2"/>
           </p:nvPr>
         </p:nvSpPr>
         <p:spPr>
@@ -318,9 +325,13 @@
             <a:ext cx="6096075" cy="3429000"/>
           </a:xfrm>
           <a:custGeom>
-            <a:rect b="b" l="l" r="r" t="t"/>
+            <a:avLst/>
+            <a:gdLst/>
+            <a:ahLst/>
+            <a:cxnLst/>
+            <a:rect l="l" t="t" r="r" b="b"/>
             <a:pathLst>
-              <a:path extrusionOk="0" h="120000" w="120000">
+              <a:path w="120000" h="120000" extrusionOk="0">
                 <a:moveTo>
                   <a:pt x="0" y="0"/>
                 </a:moveTo>
@@ -338,23 +349,25 @@
             </a:pathLst>
           </a:custGeom>
           <a:noFill/>
-          <a:ln cap="flat" cmpd="sng" w="9525">
+          <a:ln w="9525" cap="flat" cmpd="sng">
             <a:solidFill>
               <a:srgbClr val="000000"/>
             </a:solidFill>
             <a:prstDash val="solid"/>
             <a:round/>
-            <a:headEnd len="sm" w="sm" type="none"/>
-            <a:tailEnd len="sm" w="sm" type="none"/>
+            <a:headEnd type="none" w="sm" len="sm"/>
+            <a:tailEnd type="none" w="sm" len="sm"/>
           </a:ln>
         </p:spPr>
       </p:sp>
       <p:sp>
         <p:nvSpPr>
           <p:cNvPr id="4" name="Google Shape;4;n"/>
-          <p:cNvSpPr txBox="1"/>
+          <p:cNvSpPr txBox="1">
+            <a:spLocks noGrp="1"/>
+          </p:cNvSpPr>
           <p:nvPr>
-            <p:ph idx="1" type="body"/>
+            <p:ph type="body" idx="1"/>
           </p:nvPr>
         </p:nvSpPr>
         <p:spPr>
@@ -371,9 +384,9 @@
           </a:ln>
         </p:spPr>
         <p:txBody>
-          <a:bodyPr anchorCtr="0" anchor="t" bIns="91425" lIns="91425" spcFirstLastPara="1" rIns="91425" wrap="square" tIns="91425"/>
+          <a:bodyPr spcFirstLastPara="1" wrap="square" lIns="91425" tIns="91425" rIns="91425" bIns="91425" anchor="t" anchorCtr="0"/>
           <a:lstStyle>
-            <a:lvl1pPr indent="-298450" lvl="0" marL="457200">
+            <a:lvl1pPr marL="457200" lvl="0" indent="-298450">
               <a:spcBef>
                 <a:spcPts val="0"/>
               </a:spcBef>
@@ -384,7 +397,7 @@
               <a:buChar char="●"/>
               <a:defRPr sz="1100"/>
             </a:lvl1pPr>
-            <a:lvl2pPr indent="-298450" lvl="1" marL="914400">
+            <a:lvl2pPr marL="914400" lvl="1" indent="-298450">
               <a:spcBef>
                 <a:spcPts val="0"/>
               </a:spcBef>
@@ -395,7 +408,7 @@
               <a:buChar char="○"/>
               <a:defRPr sz="1100"/>
             </a:lvl2pPr>
-            <a:lvl3pPr indent="-298450" lvl="2" marL="1371600">
+            <a:lvl3pPr marL="1371600" lvl="2" indent="-298450">
               <a:spcBef>
                 <a:spcPts val="0"/>
               </a:spcBef>
@@ -406,7 +419,7 @@
               <a:buChar char="■"/>
               <a:defRPr sz="1100"/>
             </a:lvl3pPr>
-            <a:lvl4pPr indent="-298450" lvl="3" marL="1828800">
+            <a:lvl4pPr marL="1828800" lvl="3" indent="-298450">
               <a:spcBef>
                 <a:spcPts val="0"/>
               </a:spcBef>
@@ -417,7 +430,7 @@
               <a:buChar char="●"/>
               <a:defRPr sz="1100"/>
             </a:lvl4pPr>
-            <a:lvl5pPr indent="-298450" lvl="4" marL="2286000">
+            <a:lvl5pPr marL="2286000" lvl="4" indent="-298450">
               <a:spcBef>
                 <a:spcPts val="0"/>
               </a:spcBef>
@@ -428,7 +441,7 @@
               <a:buChar char="○"/>
               <a:defRPr sz="1100"/>
             </a:lvl5pPr>
-            <a:lvl6pPr indent="-298450" lvl="5" marL="2743200">
+            <a:lvl6pPr marL="2743200" lvl="5" indent="-298450">
               <a:spcBef>
                 <a:spcPts val="0"/>
               </a:spcBef>
@@ -439,7 +452,7 @@
               <a:buChar char="■"/>
               <a:defRPr sz="1100"/>
             </a:lvl6pPr>
-            <a:lvl7pPr indent="-298450" lvl="6" marL="3200400">
+            <a:lvl7pPr marL="3200400" lvl="6" indent="-298450">
               <a:spcBef>
                 <a:spcPts val="0"/>
               </a:spcBef>
@@ -450,7 +463,7 @@
               <a:buChar char="●"/>
               <a:defRPr sz="1100"/>
             </a:lvl7pPr>
-            <a:lvl8pPr indent="-298450" lvl="7" marL="3657600">
+            <a:lvl8pPr marL="3657600" lvl="7" indent="-298450">
               <a:spcBef>
                 <a:spcPts val="0"/>
               </a:spcBef>
@@ -461,7 +474,7 @@
               <a:buChar char="○"/>
               <a:defRPr sz="1100"/>
             </a:lvl8pPr>
-            <a:lvl9pPr indent="-298450" lvl="8" marL="4114800">
+            <a:lvl9pPr marL="4114800" lvl="8" indent="-298450">
               <a:spcBef>
                 <a:spcPts val="0"/>
               </a:spcBef>
@@ -473,14 +486,16 @@
               <a:defRPr sz="1100"/>
             </a:lvl9pPr>
           </a:lstStyle>
-          <a:p/>
+          <a:p>
+            <a:endParaRPr/>
+          </a:p>
         </p:txBody>
       </p:sp>
     </p:spTree>
   </p:cSld>
-  <p:clrMap accent1="accent1" accent2="accent2" accent3="accent3" accent4="accent4" accent5="accent5" accent6="accent6" bg1="lt1" bg2="dk2" tx1="dk1" tx2="lt2" folHlink="folHlink" hlink="hlink"/>
+  <p:clrMap bg1="lt1" tx1="dk1" bg2="dk2" tx2="lt2" accent1="accent1" accent2="accent2" accent3="accent3" accent4="accent4" accent5="accent5" accent6="accent6" hlink="hlink" folHlink="folHlink"/>
   <p:notesStyle>
-    <a:defPPr lvl="0" marR="0" rtl="0" algn="l">
+    <a:defPPr marR="0" lvl="0" algn="l" rtl="0">
       <a:lnSpc>
         <a:spcPct val="100000"/>
       </a:lnSpc>
@@ -491,7 +506,7 @@
         <a:spcPts val="0"/>
       </a:spcAft>
     </a:defPPr>
-    <a:lvl1pPr lvl="0" marR="0" rtl="0" algn="l">
+    <a:lvl1pPr marR="0" lvl="0" algn="l" rtl="0">
       <a:lnSpc>
         <a:spcPct val="100000"/>
       </a:lnSpc>
@@ -505,7 +520,7 @@
         <a:srgbClr val="000000"/>
       </a:buClr>
       <a:buFont typeface="Arial"/>
-      <a:defRPr b="0" i="0" sz="1400" u="none" cap="none" strike="noStrike">
+      <a:defRPr sz="1400" b="0" i="0" u="none" strike="noStrike" cap="none">
         <a:solidFill>
           <a:srgbClr val="000000"/>
         </a:solidFill>
@@ -515,7 +530,7 @@
         <a:sym typeface="Arial"/>
       </a:defRPr>
     </a:lvl1pPr>
-    <a:lvl2pPr lvl="1" marR="0" rtl="0" algn="l">
+    <a:lvl2pPr marR="0" lvl="1" algn="l" rtl="0">
       <a:lnSpc>
         <a:spcPct val="100000"/>
       </a:lnSpc>
@@ -529,7 +544,7 @@
         <a:srgbClr val="000000"/>
       </a:buClr>
       <a:buFont typeface="Arial"/>
-      <a:defRPr b="0" i="0" sz="1400" u="none" cap="none" strike="noStrike">
+      <a:defRPr sz="1400" b="0" i="0" u="none" strike="noStrike" cap="none">
         <a:solidFill>
           <a:srgbClr val="000000"/>
         </a:solidFill>
@@ -539,7 +554,7 @@
         <a:sym typeface="Arial"/>
       </a:defRPr>
     </a:lvl2pPr>
-    <a:lvl3pPr lvl="2" marR="0" rtl="0" algn="l">
+    <a:lvl3pPr marR="0" lvl="2" algn="l" rtl="0">
       <a:lnSpc>
         <a:spcPct val="100000"/>
       </a:lnSpc>
@@ -553,7 +568,7 @@
         <a:srgbClr val="000000"/>
       </a:buClr>
       <a:buFont typeface="Arial"/>
-      <a:defRPr b="0" i="0" sz="1400" u="none" cap="none" strike="noStrike">
+      <a:defRPr sz="1400" b="0" i="0" u="none" strike="noStrike" cap="none">
         <a:solidFill>
           <a:srgbClr val="000000"/>
         </a:solidFill>
@@ -563,7 +578,7 @@
         <a:sym typeface="Arial"/>
       </a:defRPr>
     </a:lvl3pPr>
-    <a:lvl4pPr lvl="3" marR="0" rtl="0" algn="l">
+    <a:lvl4pPr marR="0" lvl="3" algn="l" rtl="0">
       <a:lnSpc>
         <a:spcPct val="100000"/>
       </a:lnSpc>
@@ -577,7 +592,7 @@
         <a:srgbClr val="000000"/>
       </a:buClr>
       <a:buFont typeface="Arial"/>
-      <a:defRPr b="0" i="0" sz="1400" u="none" cap="none" strike="noStrike">
+      <a:defRPr sz="1400" b="0" i="0" u="none" strike="noStrike" cap="none">
         <a:solidFill>
           <a:srgbClr val="000000"/>
         </a:solidFill>
@@ -587,7 +602,7 @@
         <a:sym typeface="Arial"/>
       </a:defRPr>
     </a:lvl4pPr>
-    <a:lvl5pPr lvl="4" marR="0" rtl="0" algn="l">
+    <a:lvl5pPr marR="0" lvl="4" algn="l" rtl="0">
       <a:lnSpc>
         <a:spcPct val="100000"/>
       </a:lnSpc>
@@ -601,7 +616,7 @@
         <a:srgbClr val="000000"/>
       </a:buClr>
       <a:buFont typeface="Arial"/>
-      <a:defRPr b="0" i="0" sz="1400" u="none" cap="none" strike="noStrike">
+      <a:defRPr sz="1400" b="0" i="0" u="none" strike="noStrike" cap="none">
         <a:solidFill>
           <a:srgbClr val="000000"/>
         </a:solidFill>
@@ -611,7 +626,7 @@
         <a:sym typeface="Arial"/>
       </a:defRPr>
     </a:lvl5pPr>
-    <a:lvl6pPr lvl="5" marR="0" rtl="0" algn="l">
+    <a:lvl6pPr marR="0" lvl="5" algn="l" rtl="0">
       <a:lnSpc>
         <a:spcPct val="100000"/>
       </a:lnSpc>
@@ -625,7 +640,7 @@
         <a:srgbClr val="000000"/>
       </a:buClr>
       <a:buFont typeface="Arial"/>
-      <a:defRPr b="0" i="0" sz="1400" u="none" cap="none" strike="noStrike">
+      <a:defRPr sz="1400" b="0" i="0" u="none" strike="noStrike" cap="none">
         <a:solidFill>
           <a:srgbClr val="000000"/>
         </a:solidFill>
@@ -635,7 +650,7 @@
         <a:sym typeface="Arial"/>
       </a:defRPr>
     </a:lvl6pPr>
-    <a:lvl7pPr lvl="6" marR="0" rtl="0" algn="l">
+    <a:lvl7pPr marR="0" lvl="6" algn="l" rtl="0">
       <a:lnSpc>
         <a:spcPct val="100000"/>
       </a:lnSpc>
@@ -649,7 +664,7 @@
         <a:srgbClr val="000000"/>
       </a:buClr>
       <a:buFont typeface="Arial"/>
-      <a:defRPr b="0" i="0" sz="1400" u="none" cap="none" strike="noStrike">
+      <a:defRPr sz="1400" b="0" i="0" u="none" strike="noStrike" cap="none">
         <a:solidFill>
           <a:srgbClr val="000000"/>
         </a:solidFill>
@@ -659,7 +674,7 @@
         <a:sym typeface="Arial"/>
       </a:defRPr>
     </a:lvl7pPr>
-    <a:lvl8pPr lvl="7" marR="0" rtl="0" algn="l">
+    <a:lvl8pPr marR="0" lvl="7" algn="l" rtl="0">
       <a:lnSpc>
         <a:spcPct val="100000"/>
       </a:lnSpc>
@@ -673,7 +688,7 @@
         <a:srgbClr val="000000"/>
       </a:buClr>
       <a:buFont typeface="Arial"/>
-      <a:defRPr b="0" i="0" sz="1400" u="none" cap="none" strike="noStrike">
+      <a:defRPr sz="1400" b="0" i="0" u="none" strike="noStrike" cap="none">
         <a:solidFill>
           <a:srgbClr val="000000"/>
         </a:solidFill>
@@ -683,7 +698,7 @@
         <a:sym typeface="Arial"/>
       </a:defRPr>
     </a:lvl8pPr>
-    <a:lvl9pPr lvl="8" marR="0" rtl="0" algn="l">
+    <a:lvl9pPr marR="0" lvl="8" algn="l" rtl="0">
       <a:lnSpc>
         <a:spcPct val="100000"/>
       </a:lnSpc>
@@ -697,7 +712,7 @@
         <a:srgbClr val="000000"/>
       </a:buClr>
       <a:buFont typeface="Arial"/>
-      <a:defRPr b="0" i="0" sz="1400" u="none" cap="none" strike="noStrike">
+      <a:defRPr sz="1400" b="0" i="0" u="none" strike="noStrike" cap="none">
         <a:solidFill>
           <a:srgbClr val="000000"/>
         </a:solidFill>
@@ -712,11 +727,11 @@
 </file>
 
 <file path=ppt/notesSlides/notesSlide1.xml><?xml version="1.0" encoding="utf-8"?>
-<p:notes xmlns:a="http://schemas.openxmlformats.org/drawingml/2006/main" xmlns:r="http://schemas.openxmlformats.org/officeDocument/2006/relationships" xmlns:mc="http://schemas.openxmlformats.org/markup-compatibility/2006" xmlns:mv="urn:schemas-microsoft-com:mac:vml" xmlns:p="http://schemas.openxmlformats.org/presentationml/2006/main" xmlns:c="http://schemas.openxmlformats.org/drawingml/2006/chart" xmlns:dgm="http://schemas.openxmlformats.org/drawingml/2006/diagram" xmlns:o="urn:schemas-microsoft-com:office:office" xmlns:v="urn:schemas-microsoft-com:vml" xmlns:pvml="urn:schemas-microsoft-com:office:powerpoint" xmlns:com="http://schemas.openxmlformats.org/drawingml/2006/compatibility" xmlns:p14="http://schemas.microsoft.com/office/powerpoint/2010/main" xmlns:p15="http://schemas.microsoft.com/office/powerpoint/2012/main" showMasterPhAnim="0" showMasterSp="0">
+<p:notes xmlns:a="http://schemas.openxmlformats.org/drawingml/2006/main" xmlns:r="http://schemas.openxmlformats.org/officeDocument/2006/relationships" xmlns:p="http://schemas.openxmlformats.org/presentationml/2006/main" showMasterSp="0" showMasterPhAnim="0">
   <p:cSld>
     <p:spTree>
       <p:nvGrpSpPr>
-        <p:cNvPr id="130" name="Shape 130"/>
+        <p:cNvPr id="1" name="Shape 130"/>
         <p:cNvGrpSpPr/>
         <p:nvPr/>
       </p:nvGrpSpPr>
@@ -731,20 +746,26 @@
       <p:sp>
         <p:nvSpPr>
           <p:cNvPr id="131" name="Google Shape;131;p:notes"/>
-          <p:cNvSpPr/>
+          <p:cNvSpPr>
+            <a:spLocks noGrp="1" noRot="1" noChangeAspect="1"/>
+          </p:cNvSpPr>
           <p:nvPr>
-            <p:ph idx="2" type="sldImg"/>
+            <p:ph type="sldImg" idx="2"/>
           </p:nvPr>
         </p:nvSpPr>
         <p:spPr>
           <a:xfrm>
-            <a:off x="381300" y="685800"/>
-            <a:ext cx="6096075" cy="3429000"/>
+            <a:off x="381000" y="685800"/>
+            <a:ext cx="6096000" cy="3429000"/>
           </a:xfrm>
           <a:custGeom>
-            <a:rect b="b" l="l" r="r" t="t"/>
+            <a:avLst/>
+            <a:gdLst/>
+            <a:ahLst/>
+            <a:cxnLst/>
+            <a:rect l="l" t="t" r="r" b="b"/>
             <a:pathLst>
-              <a:path extrusionOk="0" h="120000" w="120000">
+              <a:path w="120000" h="120000" extrusionOk="0">
                 <a:moveTo>
                   <a:pt x="0" y="0"/>
                 </a:moveTo>
@@ -766,9 +787,11 @@
       <p:sp>
         <p:nvSpPr>
           <p:cNvPr id="132" name="Google Shape;132;p:notes"/>
-          <p:cNvSpPr txBox="1"/>
+          <p:cNvSpPr txBox="1">
+            <a:spLocks noGrp="1"/>
+          </p:cNvSpPr>
           <p:nvPr>
-            <p:ph idx="1" type="body"/>
+            <p:ph type="body" idx="1"/>
           </p:nvPr>
         </p:nvSpPr>
         <p:spPr>
@@ -781,12 +804,12 @@
           </a:prstGeom>
         </p:spPr>
         <p:txBody>
-          <a:bodyPr anchorCtr="0" anchor="t" bIns="91425" lIns="91425" spcFirstLastPara="1" rIns="91425" wrap="square" tIns="91425">
+          <a:bodyPr spcFirstLastPara="1" wrap="square" lIns="91425" tIns="91425" rIns="91425" bIns="91425" anchor="t" anchorCtr="0">
             <a:noAutofit/>
           </a:bodyPr>
           <a:lstStyle/>
           <a:p>
-            <a:pPr indent="0" lvl="0" marL="0" rtl="0" algn="l">
+            <a:pPr marL="0" lvl="0" indent="0" algn="l" rtl="0">
               <a:spcBef>
                 <a:spcPts val="0"/>
               </a:spcBef>
@@ -795,9 +818,6 @@
               </a:spcAft>
               <a:buNone/>
             </a:pPr>
-            <a:r>
-              <a:t/>
-            </a:r>
             <a:endParaRPr/>
           </a:p>
         </p:txBody>
@@ -811,11 +831,11 @@
 </file>
 
 <file path=ppt/notesSlides/notesSlide2.xml><?xml version="1.0" encoding="utf-8"?>
-<p:notes xmlns:a="http://schemas.openxmlformats.org/drawingml/2006/main" xmlns:r="http://schemas.openxmlformats.org/officeDocument/2006/relationships" xmlns:mc="http://schemas.openxmlformats.org/markup-compatibility/2006" xmlns:mv="urn:schemas-microsoft-com:mac:vml" xmlns:p="http://schemas.openxmlformats.org/presentationml/2006/main" xmlns:c="http://schemas.openxmlformats.org/drawingml/2006/chart" xmlns:dgm="http://schemas.openxmlformats.org/drawingml/2006/diagram" xmlns:o="urn:schemas-microsoft-com:office:office" xmlns:v="urn:schemas-microsoft-com:vml" xmlns:pvml="urn:schemas-microsoft-com:office:powerpoint" xmlns:com="http://schemas.openxmlformats.org/drawingml/2006/compatibility" xmlns:p14="http://schemas.microsoft.com/office/powerpoint/2010/main" xmlns:p15="http://schemas.microsoft.com/office/powerpoint/2012/main" showMasterPhAnim="0" showMasterSp="0">
+<p:notes xmlns:a="http://schemas.openxmlformats.org/drawingml/2006/main" xmlns:r="http://schemas.openxmlformats.org/officeDocument/2006/relationships" xmlns:p="http://schemas.openxmlformats.org/presentationml/2006/main" showMasterSp="0" showMasterPhAnim="0">
   <p:cSld>
     <p:spTree>
       <p:nvGrpSpPr>
-        <p:cNvPr id="136" name="Shape 136"/>
+        <p:cNvPr id="1" name="Shape 136"/>
         <p:cNvGrpSpPr/>
         <p:nvPr/>
       </p:nvGrpSpPr>
@@ -830,20 +850,26 @@
       <p:sp>
         <p:nvSpPr>
           <p:cNvPr id="137" name="Google Shape;137;g582b85b79b_0_125:notes"/>
-          <p:cNvSpPr/>
+          <p:cNvSpPr>
+            <a:spLocks noGrp="1" noRot="1" noChangeAspect="1"/>
+          </p:cNvSpPr>
           <p:nvPr>
-            <p:ph idx="2" type="sldImg"/>
+            <p:ph type="sldImg" idx="2"/>
           </p:nvPr>
         </p:nvSpPr>
         <p:spPr>
           <a:xfrm>
-            <a:off x="381300" y="685800"/>
+            <a:off x="381000" y="685800"/>
             <a:ext cx="6096000" cy="3429000"/>
           </a:xfrm>
           <a:custGeom>
-            <a:rect b="b" l="l" r="r" t="t"/>
+            <a:avLst/>
+            <a:gdLst/>
+            <a:ahLst/>
+            <a:cxnLst/>
+            <a:rect l="l" t="t" r="r" b="b"/>
             <a:pathLst>
-              <a:path extrusionOk="0" h="120000" w="120000">
+              <a:path w="120000" h="120000" extrusionOk="0">
                 <a:moveTo>
                   <a:pt x="0" y="0"/>
                 </a:moveTo>
@@ -865,9 +891,11 @@
       <p:sp>
         <p:nvSpPr>
           <p:cNvPr id="138" name="Google Shape;138;g582b85b79b_0_125:notes"/>
-          <p:cNvSpPr txBox="1"/>
+          <p:cNvSpPr txBox="1">
+            <a:spLocks noGrp="1"/>
+          </p:cNvSpPr>
           <p:nvPr>
-            <p:ph idx="1" type="body"/>
+            <p:ph type="body" idx="1"/>
           </p:nvPr>
         </p:nvSpPr>
         <p:spPr>
@@ -880,12 +908,12 @@
           </a:prstGeom>
         </p:spPr>
         <p:txBody>
-          <a:bodyPr anchorCtr="0" anchor="t" bIns="91425" lIns="91425" spcFirstLastPara="1" rIns="91425" wrap="square" tIns="91425">
+          <a:bodyPr spcFirstLastPara="1" wrap="square" lIns="91425" tIns="91425" rIns="91425" bIns="91425" anchor="t" anchorCtr="0">
             <a:noAutofit/>
           </a:bodyPr>
           <a:lstStyle/>
           <a:p>
-            <a:pPr indent="0" lvl="0" marL="0" rtl="0" algn="l">
+            <a:pPr marL="0" lvl="0" indent="0" algn="l" rtl="0">
               <a:spcBef>
                 <a:spcPts val="0"/>
               </a:spcBef>
@@ -894,9 +922,6 @@
               </a:spcAft>
               <a:buNone/>
             </a:pPr>
-            <a:r>
-              <a:t/>
-            </a:r>
             <a:endParaRPr/>
           </a:p>
         </p:txBody>
@@ -910,11 +935,11 @@
 </file>
 
 <file path=ppt/notesSlides/notesSlide3.xml><?xml version="1.0" encoding="utf-8"?>
-<p:notes xmlns:a="http://schemas.openxmlformats.org/drawingml/2006/main" xmlns:r="http://schemas.openxmlformats.org/officeDocument/2006/relationships" xmlns:mc="http://schemas.openxmlformats.org/markup-compatibility/2006" xmlns:mv="urn:schemas-microsoft-com:mac:vml" xmlns:p="http://schemas.openxmlformats.org/presentationml/2006/main" xmlns:c="http://schemas.openxmlformats.org/drawingml/2006/chart" xmlns:dgm="http://schemas.openxmlformats.org/drawingml/2006/diagram" xmlns:o="urn:schemas-microsoft-com:office:office" xmlns:v="urn:schemas-microsoft-com:vml" xmlns:pvml="urn:schemas-microsoft-com:office:powerpoint" xmlns:com="http://schemas.openxmlformats.org/drawingml/2006/compatibility" xmlns:p14="http://schemas.microsoft.com/office/powerpoint/2010/main" xmlns:p15="http://schemas.microsoft.com/office/powerpoint/2012/main" showMasterPhAnim="0" showMasterSp="0">
+<p:notes xmlns:a="http://schemas.openxmlformats.org/drawingml/2006/main" xmlns:r="http://schemas.openxmlformats.org/officeDocument/2006/relationships" xmlns:p="http://schemas.openxmlformats.org/presentationml/2006/main" showMasterSp="0" showMasterPhAnim="0">
   <p:cSld>
     <p:spTree>
       <p:nvGrpSpPr>
-        <p:cNvPr id="145" name="Shape 145"/>
+        <p:cNvPr id="1" name="Shape 145"/>
         <p:cNvGrpSpPr/>
         <p:nvPr/>
       </p:nvGrpSpPr>
@@ -929,20 +954,26 @@
       <p:sp>
         <p:nvSpPr>
           <p:cNvPr id="146" name="Google Shape;146;g582b85b79b_0_130:notes"/>
-          <p:cNvSpPr/>
+          <p:cNvSpPr>
+            <a:spLocks noGrp="1" noRot="1" noChangeAspect="1"/>
+          </p:cNvSpPr>
           <p:nvPr>
-            <p:ph idx="2" type="sldImg"/>
+            <p:ph type="sldImg" idx="2"/>
           </p:nvPr>
         </p:nvSpPr>
         <p:spPr>
           <a:xfrm>
-            <a:off x="381300" y="685800"/>
+            <a:off x="381000" y="685800"/>
             <a:ext cx="6096000" cy="3429000"/>
           </a:xfrm>
           <a:custGeom>
-            <a:rect b="b" l="l" r="r" t="t"/>
+            <a:avLst/>
+            <a:gdLst/>
+            <a:ahLst/>
+            <a:cxnLst/>
+            <a:rect l="l" t="t" r="r" b="b"/>
             <a:pathLst>
-              <a:path extrusionOk="0" h="120000" w="120000">
+              <a:path w="120000" h="120000" extrusionOk="0">
                 <a:moveTo>
                   <a:pt x="0" y="0"/>
                 </a:moveTo>
@@ -964,9 +995,11 @@
       <p:sp>
         <p:nvSpPr>
           <p:cNvPr id="147" name="Google Shape;147;g582b85b79b_0_130:notes"/>
-          <p:cNvSpPr txBox="1"/>
+          <p:cNvSpPr txBox="1">
+            <a:spLocks noGrp="1"/>
+          </p:cNvSpPr>
           <p:nvPr>
-            <p:ph idx="1" type="body"/>
+            <p:ph type="body" idx="1"/>
           </p:nvPr>
         </p:nvSpPr>
         <p:spPr>
@@ -979,12 +1012,12 @@
           </a:prstGeom>
         </p:spPr>
         <p:txBody>
-          <a:bodyPr anchorCtr="0" anchor="t" bIns="91425" lIns="91425" spcFirstLastPara="1" rIns="91425" wrap="square" tIns="91425">
+          <a:bodyPr spcFirstLastPara="1" wrap="square" lIns="91425" tIns="91425" rIns="91425" bIns="91425" anchor="t" anchorCtr="0">
             <a:noAutofit/>
           </a:bodyPr>
           <a:lstStyle/>
           <a:p>
-            <a:pPr indent="0" lvl="0" marL="0" rtl="0" algn="l">
+            <a:pPr marL="0" lvl="0" indent="0" algn="l" rtl="0">
               <a:spcBef>
                 <a:spcPts val="0"/>
               </a:spcBef>
@@ -993,9 +1026,6 @@
               </a:spcAft>
               <a:buNone/>
             </a:pPr>
-            <a:r>
-              <a:t/>
-            </a:r>
             <a:endParaRPr/>
           </a:p>
         </p:txBody>
@@ -1009,11 +1039,11 @@
 </file>
 
 <file path=ppt/notesSlides/notesSlide4.xml><?xml version="1.0" encoding="utf-8"?>
-<p:notes xmlns:a="http://schemas.openxmlformats.org/drawingml/2006/main" xmlns:r="http://schemas.openxmlformats.org/officeDocument/2006/relationships" xmlns:mc="http://schemas.openxmlformats.org/markup-compatibility/2006" xmlns:mv="urn:schemas-microsoft-com:mac:vml" xmlns:p="http://schemas.openxmlformats.org/presentationml/2006/main" xmlns:c="http://schemas.openxmlformats.org/drawingml/2006/chart" xmlns:dgm="http://schemas.openxmlformats.org/drawingml/2006/diagram" xmlns:o="urn:schemas-microsoft-com:office:office" xmlns:v="urn:schemas-microsoft-com:vml" xmlns:pvml="urn:schemas-microsoft-com:office:powerpoint" xmlns:com="http://schemas.openxmlformats.org/drawingml/2006/compatibility" xmlns:p14="http://schemas.microsoft.com/office/powerpoint/2010/main" xmlns:p15="http://schemas.microsoft.com/office/powerpoint/2012/main" showMasterPhAnim="0" showMasterSp="0">
+<p:notes xmlns:a="http://schemas.openxmlformats.org/drawingml/2006/main" xmlns:r="http://schemas.openxmlformats.org/officeDocument/2006/relationships" xmlns:p="http://schemas.openxmlformats.org/presentationml/2006/main" showMasterSp="0" showMasterPhAnim="0">
   <p:cSld>
     <p:spTree>
       <p:nvGrpSpPr>
-        <p:cNvPr id="151" name="Shape 151"/>
+        <p:cNvPr id="1" name="Shape 151"/>
         <p:cNvGrpSpPr/>
         <p:nvPr/>
       </p:nvGrpSpPr>
@@ -1028,20 +1058,26 @@
       <p:sp>
         <p:nvSpPr>
           <p:cNvPr id="152" name="Google Shape;152;g582b85b79b_0_139:notes"/>
-          <p:cNvSpPr/>
+          <p:cNvSpPr>
+            <a:spLocks noGrp="1" noRot="1" noChangeAspect="1"/>
+          </p:cNvSpPr>
           <p:nvPr>
-            <p:ph idx="2" type="sldImg"/>
+            <p:ph type="sldImg" idx="2"/>
           </p:nvPr>
         </p:nvSpPr>
         <p:spPr>
           <a:xfrm>
-            <a:off x="381300" y="685800"/>
+            <a:off x="381000" y="685800"/>
             <a:ext cx="6096000" cy="3429000"/>
           </a:xfrm>
           <a:custGeom>
-            <a:rect b="b" l="l" r="r" t="t"/>
+            <a:avLst/>
+            <a:gdLst/>
+            <a:ahLst/>
+            <a:cxnLst/>
+            <a:rect l="l" t="t" r="r" b="b"/>
             <a:pathLst>
-              <a:path extrusionOk="0" h="120000" w="120000">
+              <a:path w="120000" h="120000" extrusionOk="0">
                 <a:moveTo>
                   <a:pt x="0" y="0"/>
                 </a:moveTo>
@@ -1063,9 +1099,11 @@
       <p:sp>
         <p:nvSpPr>
           <p:cNvPr id="153" name="Google Shape;153;g582b85b79b_0_139:notes"/>
-          <p:cNvSpPr txBox="1"/>
+          <p:cNvSpPr txBox="1">
+            <a:spLocks noGrp="1"/>
+          </p:cNvSpPr>
           <p:nvPr>
-            <p:ph idx="1" type="body"/>
+            <p:ph type="body" idx="1"/>
           </p:nvPr>
         </p:nvSpPr>
         <p:spPr>
@@ -1078,12 +1116,12 @@
           </a:prstGeom>
         </p:spPr>
         <p:txBody>
-          <a:bodyPr anchorCtr="0" anchor="t" bIns="91425" lIns="91425" spcFirstLastPara="1" rIns="91425" wrap="square" tIns="91425">
+          <a:bodyPr spcFirstLastPara="1" wrap="square" lIns="91425" tIns="91425" rIns="91425" bIns="91425" anchor="t" anchorCtr="0">
             <a:noAutofit/>
           </a:bodyPr>
           <a:lstStyle/>
           <a:p>
-            <a:pPr indent="0" lvl="0" marL="0" rtl="0" algn="l">
+            <a:pPr marL="0" lvl="0" indent="0" algn="l" rtl="0">
               <a:spcBef>
                 <a:spcPts val="0"/>
               </a:spcBef>
@@ -1092,9 +1130,6 @@
               </a:spcAft>
               <a:buNone/>
             </a:pPr>
-            <a:r>
-              <a:t/>
-            </a:r>
             <a:endParaRPr/>
           </a:p>
         </p:txBody>
@@ -1108,11 +1143,11 @@
 </file>
 
 <file path=ppt/notesSlides/notesSlide5.xml><?xml version="1.0" encoding="utf-8"?>
-<p:notes xmlns:a="http://schemas.openxmlformats.org/drawingml/2006/main" xmlns:r="http://schemas.openxmlformats.org/officeDocument/2006/relationships" xmlns:mc="http://schemas.openxmlformats.org/markup-compatibility/2006" xmlns:mv="urn:schemas-microsoft-com:mac:vml" xmlns:p="http://schemas.openxmlformats.org/presentationml/2006/main" xmlns:c="http://schemas.openxmlformats.org/drawingml/2006/chart" xmlns:dgm="http://schemas.openxmlformats.org/drawingml/2006/diagram" xmlns:o="urn:schemas-microsoft-com:office:office" xmlns:v="urn:schemas-microsoft-com:vml" xmlns:pvml="urn:schemas-microsoft-com:office:powerpoint" xmlns:com="http://schemas.openxmlformats.org/drawingml/2006/compatibility" xmlns:p14="http://schemas.microsoft.com/office/powerpoint/2010/main" xmlns:p15="http://schemas.microsoft.com/office/powerpoint/2012/main" showMasterPhAnim="0" showMasterSp="0">
+<p:notes xmlns:a="http://schemas.openxmlformats.org/drawingml/2006/main" xmlns:r="http://schemas.openxmlformats.org/officeDocument/2006/relationships" xmlns:p="http://schemas.openxmlformats.org/presentationml/2006/main" showMasterSp="0" showMasterPhAnim="0">
   <p:cSld>
     <p:spTree>
       <p:nvGrpSpPr>
-        <p:cNvPr id="156" name="Shape 156"/>
+        <p:cNvPr id="1" name="Shape 156"/>
         <p:cNvGrpSpPr/>
         <p:nvPr/>
       </p:nvGrpSpPr>
@@ -1127,20 +1162,26 @@
       <p:sp>
         <p:nvSpPr>
           <p:cNvPr id="157" name="Google Shape;157;g582b85b79b_0_148:notes"/>
-          <p:cNvSpPr/>
+          <p:cNvSpPr>
+            <a:spLocks noGrp="1" noRot="1" noChangeAspect="1"/>
+          </p:cNvSpPr>
           <p:nvPr>
-            <p:ph idx="2" type="sldImg"/>
+            <p:ph type="sldImg" idx="2"/>
           </p:nvPr>
         </p:nvSpPr>
         <p:spPr>
           <a:xfrm>
-            <a:off x="381300" y="685800"/>
+            <a:off x="381000" y="685800"/>
             <a:ext cx="6096000" cy="3429000"/>
           </a:xfrm>
           <a:custGeom>
-            <a:rect b="b" l="l" r="r" t="t"/>
+            <a:avLst/>
+            <a:gdLst/>
+            <a:ahLst/>
+            <a:cxnLst/>
+            <a:rect l="l" t="t" r="r" b="b"/>
             <a:pathLst>
-              <a:path extrusionOk="0" h="120000" w="120000">
+              <a:path w="120000" h="120000" extrusionOk="0">
                 <a:moveTo>
                   <a:pt x="0" y="0"/>
                 </a:moveTo>
@@ -1162,9 +1203,11 @@
       <p:sp>
         <p:nvSpPr>
           <p:cNvPr id="158" name="Google Shape;158;g582b85b79b_0_148:notes"/>
-          <p:cNvSpPr txBox="1"/>
+          <p:cNvSpPr txBox="1">
+            <a:spLocks noGrp="1"/>
+          </p:cNvSpPr>
           <p:nvPr>
-            <p:ph idx="1" type="body"/>
+            <p:ph type="body" idx="1"/>
           </p:nvPr>
         </p:nvSpPr>
         <p:spPr>
@@ -1177,12 +1220,12 @@
           </a:prstGeom>
         </p:spPr>
         <p:txBody>
-          <a:bodyPr anchorCtr="0" anchor="t" bIns="91425" lIns="91425" spcFirstLastPara="1" rIns="91425" wrap="square" tIns="91425">
+          <a:bodyPr spcFirstLastPara="1" wrap="square" lIns="91425" tIns="91425" rIns="91425" bIns="91425" anchor="t" anchorCtr="0">
             <a:noAutofit/>
           </a:bodyPr>
           <a:lstStyle/>
           <a:p>
-            <a:pPr indent="0" lvl="0" marL="0" rtl="0" algn="l">
+            <a:pPr marL="0" lvl="0" indent="0" algn="l" rtl="0">
               <a:spcBef>
                 <a:spcPts val="0"/>
               </a:spcBef>
@@ -1191,9 +1234,6 @@
               </a:spcAft>
               <a:buNone/>
             </a:pPr>
-            <a:r>
-              <a:t/>
-            </a:r>
             <a:endParaRPr/>
           </a:p>
         </p:txBody>
@@ -1207,11 +1247,11 @@
 </file>
 
 <file path=ppt/slideLayouts/slideLayout1.xml><?xml version="1.0" encoding="utf-8"?>
-<p:sldLayout xmlns:a="http://schemas.openxmlformats.org/drawingml/2006/main" xmlns:r="http://schemas.openxmlformats.org/officeDocument/2006/relationships" xmlns:mc="http://schemas.openxmlformats.org/markup-compatibility/2006" xmlns:mv="urn:schemas-microsoft-com:mac:vml" xmlns:p="http://schemas.openxmlformats.org/presentationml/2006/main" xmlns:c="http://schemas.openxmlformats.org/drawingml/2006/chart" xmlns:dgm="http://schemas.openxmlformats.org/drawingml/2006/diagram" xmlns:o="urn:schemas-microsoft-com:office:office" xmlns:v="urn:schemas-microsoft-com:vml" xmlns:pvml="urn:schemas-microsoft-com:office:powerpoint" xmlns:com="http://schemas.openxmlformats.org/drawingml/2006/compatibility" xmlns:p14="http://schemas.microsoft.com/office/powerpoint/2010/main" xmlns:p15="http://schemas.microsoft.com/office/powerpoint/2012/main" matchingName="Title slide" type="title">
+<p:sldLayout xmlns:a="http://schemas.openxmlformats.org/drawingml/2006/main" xmlns:r="http://schemas.openxmlformats.org/officeDocument/2006/relationships" xmlns:p="http://schemas.openxmlformats.org/presentationml/2006/main" matchingName="Title slide" type="title">
   <p:cSld name="TITLE">
     <p:spTree>
       <p:nvGrpSpPr>
-        <p:cNvPr id="9" name="Shape 9"/>
+        <p:cNvPr id="1" name="Shape 9"/>
         <p:cNvGrpSpPr/>
         <p:nvPr/>
       </p:nvGrpSpPr>
@@ -1236,7 +1276,7 @@
           </a:xfrm>
           <a:prstGeom prst="diagStripe">
             <a:avLst>
-              <a:gd fmla="val 0" name="adj"/>
+              <a:gd name="adj" fmla="val 0"/>
             </a:avLst>
           </a:prstGeom>
           <a:solidFill>
@@ -1249,12 +1289,12 @@
           </a:ln>
         </p:spPr>
         <p:txBody>
-          <a:bodyPr anchorCtr="0" anchor="ctr" bIns="91425" lIns="91425" spcFirstLastPara="1" rIns="91425" wrap="square" tIns="91425">
+          <a:bodyPr spcFirstLastPara="1" wrap="square" lIns="91425" tIns="91425" rIns="91425" bIns="91425" anchor="ctr" anchorCtr="0">
             <a:noAutofit/>
           </a:bodyPr>
           <a:lstStyle/>
           <a:p>
-            <a:pPr indent="0" lvl="0" marL="0" rtl="0" algn="l">
+            <a:pPr marL="0" lvl="0" indent="0" algn="l" rtl="0">
               <a:spcBef>
                 <a:spcPts val="0"/>
               </a:spcBef>
@@ -1263,9 +1303,6 @@
               </a:spcAft>
               <a:buNone/>
             </a:pPr>
-            <a:r>
-              <a:t/>
-            </a:r>
             <a:endParaRPr/>
           </a:p>
         </p:txBody>
@@ -1297,7 +1334,7 @@
             </a:xfrm>
             <a:prstGeom prst="diagStripe">
               <a:avLst>
-                <a:gd fmla="val 50000" name="adj"/>
+                <a:gd name="adj" fmla="val 50000"/>
               </a:avLst>
             </a:prstGeom>
             <a:solidFill>
@@ -1310,12 +1347,12 @@
             </a:ln>
           </p:spPr>
           <p:txBody>
-            <a:bodyPr anchorCtr="0" anchor="ctr" bIns="91425" lIns="91425" spcFirstLastPara="1" rIns="91425" wrap="square" tIns="91425">
+            <a:bodyPr spcFirstLastPara="1" wrap="square" lIns="91425" tIns="91425" rIns="91425" bIns="91425" anchor="ctr" anchorCtr="0">
               <a:noAutofit/>
             </a:bodyPr>
             <a:lstStyle/>
             <a:p>
-              <a:pPr indent="0" lvl="0" marL="0" rtl="0" algn="l">
+              <a:pPr marL="0" lvl="0" indent="0" algn="l" rtl="0">
                 <a:spcBef>
                   <a:spcPts val="0"/>
                 </a:spcBef>
@@ -1324,9 +1361,6 @@
                 </a:spcAft>
                 <a:buNone/>
               </a:pPr>
-              <a:r>
-                <a:t/>
-              </a:r>
               <a:endParaRPr/>
             </a:p>
           </p:txBody>
@@ -1344,7 +1378,7 @@
             </a:xfrm>
             <a:prstGeom prst="diagStripe">
               <a:avLst>
-                <a:gd fmla="val 58774" name="adj"/>
+                <a:gd name="adj" fmla="val 58774"/>
               </a:avLst>
             </a:prstGeom>
             <a:solidFill>
@@ -1357,12 +1391,12 @@
             </a:ln>
           </p:spPr>
           <p:txBody>
-            <a:bodyPr anchorCtr="0" anchor="ctr" bIns="91425" lIns="91425" spcFirstLastPara="1" rIns="91425" wrap="square" tIns="91425">
+            <a:bodyPr spcFirstLastPara="1" wrap="square" lIns="91425" tIns="91425" rIns="91425" bIns="91425" anchor="ctr" anchorCtr="0">
               <a:noAutofit/>
             </a:bodyPr>
             <a:lstStyle/>
             <a:p>
-              <a:pPr indent="0" lvl="0" marL="0" rtl="0" algn="l">
+              <a:pPr marL="0" lvl="0" indent="0" algn="l" rtl="0">
                 <a:spcBef>
                   <a:spcPts val="0"/>
                 </a:spcBef>
@@ -1371,9 +1405,6 @@
                 </a:spcAft>
                 <a:buNone/>
               </a:pPr>
-              <a:r>
-                <a:t/>
-              </a:r>
               <a:endParaRPr/>
             </a:p>
           </p:txBody>
@@ -1391,7 +1422,7 @@
             </a:xfrm>
             <a:prstGeom prst="diagStripe">
               <a:avLst>
-                <a:gd fmla="val 50000" name="adj"/>
+                <a:gd name="adj" fmla="val 50000"/>
               </a:avLst>
             </a:prstGeom>
             <a:solidFill>
@@ -1402,12 +1433,12 @@
             </a:ln>
           </p:spPr>
           <p:txBody>
-            <a:bodyPr anchorCtr="0" anchor="ctr" bIns="91425" lIns="91425" spcFirstLastPara="1" rIns="91425" wrap="square" tIns="91425">
+            <a:bodyPr spcFirstLastPara="1" wrap="square" lIns="91425" tIns="91425" rIns="91425" bIns="91425" anchor="ctr" anchorCtr="0">
               <a:noAutofit/>
             </a:bodyPr>
             <a:lstStyle/>
             <a:p>
-              <a:pPr indent="0" lvl="0" marL="0" rtl="0" algn="l">
+              <a:pPr marL="0" lvl="0" indent="0" algn="l" rtl="0">
                 <a:spcBef>
                   <a:spcPts val="0"/>
                 </a:spcBef>
@@ -1416,9 +1447,6 @@
                 </a:spcAft>
                 <a:buNone/>
               </a:pPr>
-              <a:r>
-                <a:t/>
-              </a:r>
               <a:endParaRPr/>
             </a:p>
           </p:txBody>
@@ -1436,7 +1464,7 @@
             </a:xfrm>
             <a:prstGeom prst="diagStripe">
               <a:avLst>
-                <a:gd fmla="val 50000" name="adj"/>
+                <a:gd name="adj" fmla="val 50000"/>
               </a:avLst>
             </a:prstGeom>
             <a:solidFill>
@@ -1447,12 +1475,12 @@
             </a:ln>
           </p:spPr>
           <p:txBody>
-            <a:bodyPr anchorCtr="0" anchor="ctr" bIns="91425" lIns="91425" spcFirstLastPara="1" rIns="91425" wrap="square" tIns="91425">
+            <a:bodyPr spcFirstLastPara="1" wrap="square" lIns="91425" tIns="91425" rIns="91425" bIns="91425" anchor="ctr" anchorCtr="0">
               <a:noAutofit/>
             </a:bodyPr>
             <a:lstStyle/>
             <a:p>
-              <a:pPr indent="0" lvl="0" marL="0" rtl="0" algn="l">
+              <a:pPr marL="0" lvl="0" indent="0" algn="l" rtl="0">
                 <a:spcBef>
                   <a:spcPts val="0"/>
                 </a:spcBef>
@@ -1461,9 +1489,6 @@
                 </a:spcAft>
                 <a:buNone/>
               </a:pPr>
-              <a:r>
-                <a:t/>
-              </a:r>
               <a:endParaRPr/>
             </a:p>
           </p:txBody>
@@ -1472,7 +1497,9 @@
       <p:sp>
         <p:nvSpPr>
           <p:cNvPr id="16" name="Google Shape;16;p2"/>
-          <p:cNvSpPr txBox="1"/>
+          <p:cNvSpPr txBox="1">
+            <a:spLocks noGrp="1"/>
+          </p:cNvSpPr>
           <p:nvPr>
             <p:ph type="ctrTitle"/>
           </p:nvPr>
@@ -1487,7 +1514,7 @@
           </a:prstGeom>
         </p:spPr>
         <p:txBody>
-          <a:bodyPr anchorCtr="0" anchor="t" bIns="91425" lIns="91425" spcFirstLastPara="1" rIns="91425" wrap="square" tIns="91425"/>
+          <a:bodyPr spcFirstLastPara="1" wrap="square" lIns="91425" tIns="91425" rIns="91425" bIns="91425" anchor="t" anchorCtr="0"/>
           <a:lstStyle>
             <a:lvl1pPr lvl="0">
               <a:spcBef>
@@ -1589,15 +1616,19 @@
               <a:defRPr sz="4000"/>
             </a:lvl9pPr>
           </a:lstStyle>
-          <a:p/>
+          <a:p>
+            <a:endParaRPr/>
+          </a:p>
         </p:txBody>
       </p:sp>
       <p:sp>
         <p:nvSpPr>
           <p:cNvPr id="17" name="Google Shape;17;p2"/>
-          <p:cNvSpPr txBox="1"/>
+          <p:cNvSpPr txBox="1">
+            <a:spLocks noGrp="1"/>
+          </p:cNvSpPr>
           <p:nvPr>
-            <p:ph idx="1" type="subTitle"/>
+            <p:ph type="subTitle" idx="1"/>
           </p:nvPr>
         </p:nvSpPr>
         <p:spPr>
@@ -1610,7 +1641,7 @@
           </a:prstGeom>
         </p:spPr>
         <p:txBody>
-          <a:bodyPr anchorCtr="0" anchor="t" bIns="91425" lIns="91425" spcFirstLastPara="1" rIns="91425" wrap="square" tIns="91425"/>
+          <a:bodyPr spcFirstLastPara="1" wrap="square" lIns="91425" tIns="91425" rIns="91425" bIns="91425" anchor="t" anchorCtr="0"/>
           <a:lstStyle>
             <a:lvl1pPr lvl="0">
               <a:lnSpc>
@@ -1739,15 +1770,19 @@
               <a:defRPr sz="1300"/>
             </a:lvl9pPr>
           </a:lstStyle>
-          <a:p/>
+          <a:p>
+            <a:endParaRPr/>
+          </a:p>
         </p:txBody>
       </p:sp>
       <p:sp>
         <p:nvSpPr>
           <p:cNvPr id="18" name="Google Shape;18;p2"/>
-          <p:cNvSpPr txBox="1"/>
+          <p:cNvSpPr txBox="1">
+            <a:spLocks noGrp="1"/>
+          </p:cNvSpPr>
           <p:nvPr>
-            <p:ph idx="12" type="sldNum"/>
+            <p:ph type="sldNum" idx="12"/>
           </p:nvPr>
         </p:nvSpPr>
         <p:spPr>
@@ -1760,7 +1795,7 @@
           </a:prstGeom>
         </p:spPr>
         <p:txBody>
-          <a:bodyPr anchorCtr="0" anchor="ctr" bIns="91425" lIns="91425" spcFirstLastPara="1" rIns="91425" wrap="square" tIns="91425">
+          <a:bodyPr spcFirstLastPara="1" wrap="square" lIns="91425" tIns="91425" rIns="91425" bIns="91425" anchor="ctr" anchorCtr="0">
             <a:noAutofit/>
           </a:bodyPr>
           <a:lstStyle>
@@ -1802,7 +1837,7 @@
             </a:lvl9pPr>
           </a:lstStyle>
           <a:p>
-            <a:pPr indent="0" lvl="0" marL="0" rtl="0" algn="r">
+            <a:pPr marL="0" lvl="0" indent="0" algn="r" rtl="0">
               <a:spcBef>
                 <a:spcPts val="0"/>
               </a:spcBef>
@@ -1828,11 +1863,11 @@
 </file>
 
 <file path=ppt/slideLayouts/slideLayout10.xml><?xml version="1.0" encoding="utf-8"?>
-<p:sldLayout xmlns:a="http://schemas.openxmlformats.org/drawingml/2006/main" xmlns:r="http://schemas.openxmlformats.org/officeDocument/2006/relationships" xmlns:mc="http://schemas.openxmlformats.org/markup-compatibility/2006" xmlns:mv="urn:schemas-microsoft-com:mac:vml" xmlns:p="http://schemas.openxmlformats.org/presentationml/2006/main" xmlns:c="http://schemas.openxmlformats.org/drawingml/2006/chart" xmlns:dgm="http://schemas.openxmlformats.org/drawingml/2006/diagram" xmlns:o="urn:schemas-microsoft-com:office:office" xmlns:v="urn:schemas-microsoft-com:vml" xmlns:pvml="urn:schemas-microsoft-com:office:powerpoint" xmlns:com="http://schemas.openxmlformats.org/drawingml/2006/compatibility" xmlns:p14="http://schemas.microsoft.com/office/powerpoint/2010/main" xmlns:p15="http://schemas.microsoft.com/office/powerpoint/2012/main" matchingName="Big number">
+<p:sldLayout xmlns:a="http://schemas.openxmlformats.org/drawingml/2006/main" xmlns:r="http://schemas.openxmlformats.org/officeDocument/2006/relationships" xmlns:p="http://schemas.openxmlformats.org/presentationml/2006/main" matchingName="Big number">
   <p:cSld name="BIG_NUMBER">
     <p:spTree>
       <p:nvGrpSpPr>
-        <p:cNvPr id="105" name="Shape 105"/>
+        <p:cNvPr id="1" name="Shape 105"/>
         <p:cNvGrpSpPr/>
         <p:nvPr/>
       </p:nvGrpSpPr>
@@ -1871,7 +1906,7 @@
             </a:xfrm>
             <a:prstGeom prst="diagStripe">
               <a:avLst>
-                <a:gd fmla="val 49469" name="adj"/>
+                <a:gd name="adj" fmla="val 49469"/>
               </a:avLst>
             </a:prstGeom>
             <a:solidFill>
@@ -1884,12 +1919,12 @@
             </a:ln>
           </p:spPr>
           <p:txBody>
-            <a:bodyPr anchorCtr="0" anchor="ctr" bIns="91425" lIns="91425" spcFirstLastPara="1" rIns="91425" wrap="square" tIns="91425">
+            <a:bodyPr spcFirstLastPara="1" wrap="square" lIns="91425" tIns="91425" rIns="91425" bIns="91425" anchor="ctr" anchorCtr="0">
               <a:noAutofit/>
             </a:bodyPr>
             <a:lstStyle/>
             <a:p>
-              <a:pPr indent="0" lvl="0" marL="0" rtl="0" algn="l">
+              <a:pPr marL="0" lvl="0" indent="0" algn="l" rtl="0">
                 <a:spcBef>
                   <a:spcPts val="0"/>
                 </a:spcBef>
@@ -1898,9 +1933,6 @@
                 </a:spcAft>
                 <a:buNone/>
               </a:pPr>
-              <a:r>
-                <a:t/>
-              </a:r>
               <a:endParaRPr/>
             </a:p>
           </p:txBody>
@@ -1918,7 +1950,7 @@
             </a:xfrm>
             <a:prstGeom prst="diagStripe">
               <a:avLst>
-                <a:gd fmla="val 0" name="adj"/>
+                <a:gd name="adj" fmla="val 0"/>
               </a:avLst>
             </a:prstGeom>
             <a:solidFill>
@@ -1931,12 +1963,12 @@
             </a:ln>
           </p:spPr>
           <p:txBody>
-            <a:bodyPr anchorCtr="0" anchor="ctr" bIns="91425" lIns="91425" spcFirstLastPara="1" rIns="91425" wrap="square" tIns="91425">
+            <a:bodyPr spcFirstLastPara="1" wrap="square" lIns="91425" tIns="91425" rIns="91425" bIns="91425" anchor="ctr" anchorCtr="0">
               <a:noAutofit/>
             </a:bodyPr>
             <a:lstStyle/>
             <a:p>
-              <a:pPr indent="0" lvl="0" marL="0" rtl="0" algn="l">
+              <a:pPr marL="0" lvl="0" indent="0" algn="l" rtl="0">
                 <a:spcBef>
                   <a:spcPts val="0"/>
                 </a:spcBef>
@@ -1945,9 +1977,6 @@
                 </a:spcAft>
                 <a:buNone/>
               </a:pPr>
-              <a:r>
-                <a:t/>
-              </a:r>
               <a:endParaRPr/>
             </a:p>
           </p:txBody>
@@ -1965,7 +1994,7 @@
             </a:xfrm>
             <a:prstGeom prst="diagStripe">
               <a:avLst>
-                <a:gd fmla="val 50000" name="adj"/>
+                <a:gd name="adj" fmla="val 50000"/>
               </a:avLst>
             </a:prstGeom>
             <a:solidFill>
@@ -1978,12 +2007,12 @@
             </a:ln>
           </p:spPr>
           <p:txBody>
-            <a:bodyPr anchorCtr="0" anchor="ctr" bIns="91425" lIns="91425" spcFirstLastPara="1" rIns="91425" wrap="square" tIns="91425">
+            <a:bodyPr spcFirstLastPara="1" wrap="square" lIns="91425" tIns="91425" rIns="91425" bIns="91425" anchor="ctr" anchorCtr="0">
               <a:noAutofit/>
             </a:bodyPr>
             <a:lstStyle/>
             <a:p>
-              <a:pPr indent="0" lvl="0" marL="0" rtl="0" algn="l">
+              <a:pPr marL="0" lvl="0" indent="0" algn="l" rtl="0">
                 <a:spcBef>
                   <a:spcPts val="0"/>
                 </a:spcBef>
@@ -1992,9 +2021,6 @@
                 </a:spcAft>
                 <a:buNone/>
               </a:pPr>
-              <a:r>
-                <a:t/>
-              </a:r>
               <a:endParaRPr/>
             </a:p>
           </p:txBody>
@@ -2012,7 +2038,7 @@
             </a:xfrm>
             <a:prstGeom prst="diagStripe">
               <a:avLst>
-                <a:gd fmla="val 50000" name="adj"/>
+                <a:gd name="adj" fmla="val 50000"/>
               </a:avLst>
             </a:prstGeom>
             <a:solidFill>
@@ -2025,12 +2051,12 @@
             </a:ln>
           </p:spPr>
           <p:txBody>
-            <a:bodyPr anchorCtr="0" anchor="ctr" bIns="91425" lIns="91425" spcFirstLastPara="1" rIns="91425" wrap="square" tIns="91425">
+            <a:bodyPr spcFirstLastPara="1" wrap="square" lIns="91425" tIns="91425" rIns="91425" bIns="91425" anchor="ctr" anchorCtr="0">
               <a:noAutofit/>
             </a:bodyPr>
             <a:lstStyle/>
             <a:p>
-              <a:pPr indent="0" lvl="0" marL="0" rtl="0" algn="l">
+              <a:pPr marL="0" lvl="0" indent="0" algn="l" rtl="0">
                 <a:spcBef>
                   <a:spcPts val="0"/>
                 </a:spcBef>
@@ -2039,9 +2065,6 @@
                 </a:spcAft>
                 <a:buNone/>
               </a:pPr>
-              <a:r>
-                <a:t/>
-              </a:r>
               <a:endParaRPr/>
             </a:p>
           </p:txBody>
@@ -2059,7 +2082,7 @@
             </a:xfrm>
             <a:prstGeom prst="diagStripe">
               <a:avLst>
-                <a:gd fmla="val 50000" name="adj"/>
+                <a:gd name="adj" fmla="val 50000"/>
               </a:avLst>
             </a:prstGeom>
             <a:solidFill>
@@ -2072,12 +2095,12 @@
             </a:ln>
           </p:spPr>
           <p:txBody>
-            <a:bodyPr anchorCtr="0" anchor="ctr" bIns="91425" lIns="91425" spcFirstLastPara="1" rIns="91425" wrap="square" tIns="91425">
+            <a:bodyPr spcFirstLastPara="1" wrap="square" lIns="91425" tIns="91425" rIns="91425" bIns="91425" anchor="ctr" anchorCtr="0">
               <a:noAutofit/>
             </a:bodyPr>
             <a:lstStyle/>
             <a:p>
-              <a:pPr indent="0" lvl="0" marL="0" rtl="0" algn="l">
+              <a:pPr marL="0" lvl="0" indent="0" algn="l" rtl="0">
                 <a:spcBef>
                   <a:spcPts val="0"/>
                 </a:spcBef>
@@ -2086,9 +2109,6 @@
                 </a:spcAft>
                 <a:buNone/>
               </a:pPr>
-              <a:r>
-                <a:t/>
-              </a:r>
               <a:endParaRPr/>
             </a:p>
           </p:txBody>
@@ -2106,7 +2126,7 @@
             </a:xfrm>
             <a:prstGeom prst="diagStripe">
               <a:avLst>
-                <a:gd fmla="val 50000" name="adj"/>
+                <a:gd name="adj" fmla="val 50000"/>
               </a:avLst>
             </a:prstGeom>
             <a:solidFill>
@@ -2119,12 +2139,12 @@
             </a:ln>
           </p:spPr>
           <p:txBody>
-            <a:bodyPr anchorCtr="0" anchor="ctr" bIns="91425" lIns="91425" spcFirstLastPara="1" rIns="91425" wrap="square" tIns="91425">
+            <a:bodyPr spcFirstLastPara="1" wrap="square" lIns="91425" tIns="91425" rIns="91425" bIns="91425" anchor="ctr" anchorCtr="0">
               <a:noAutofit/>
             </a:bodyPr>
             <a:lstStyle/>
             <a:p>
-              <a:pPr indent="0" lvl="0" marL="0" rtl="0" algn="l">
+              <a:pPr marL="0" lvl="0" indent="0" algn="l" rtl="0">
                 <a:spcBef>
                   <a:spcPts val="0"/>
                 </a:spcBef>
@@ -2133,9 +2153,6 @@
                 </a:spcAft>
                 <a:buNone/>
               </a:pPr>
-              <a:r>
-                <a:t/>
-              </a:r>
               <a:endParaRPr/>
             </a:p>
           </p:txBody>
@@ -2153,7 +2170,7 @@
             </a:xfrm>
             <a:prstGeom prst="diagStripe">
               <a:avLst>
-                <a:gd fmla="val 50000" name="adj"/>
+                <a:gd name="adj" fmla="val 50000"/>
               </a:avLst>
             </a:prstGeom>
             <a:solidFill>
@@ -2166,12 +2183,12 @@
             </a:ln>
           </p:spPr>
           <p:txBody>
-            <a:bodyPr anchorCtr="0" anchor="ctr" bIns="91425" lIns="91425" spcFirstLastPara="1" rIns="91425" wrap="square" tIns="91425">
+            <a:bodyPr spcFirstLastPara="1" wrap="square" lIns="91425" tIns="91425" rIns="91425" bIns="91425" anchor="ctr" anchorCtr="0">
               <a:noAutofit/>
             </a:bodyPr>
             <a:lstStyle/>
             <a:p>
-              <a:pPr indent="0" lvl="0" marL="0" rtl="0" algn="l">
+              <a:pPr marL="0" lvl="0" indent="0" algn="l" rtl="0">
                 <a:spcBef>
                   <a:spcPts val="0"/>
                 </a:spcBef>
@@ -2180,9 +2197,6 @@
                 </a:spcAft>
                 <a:buNone/>
               </a:pPr>
-              <a:r>
-                <a:t/>
-              </a:r>
               <a:endParaRPr/>
             </a:p>
           </p:txBody>
@@ -2200,7 +2214,7 @@
             </a:xfrm>
             <a:prstGeom prst="diagStripe">
               <a:avLst>
-                <a:gd fmla="val 50000" name="adj"/>
+                <a:gd name="adj" fmla="val 50000"/>
               </a:avLst>
             </a:prstGeom>
             <a:solidFill>
@@ -2211,12 +2225,12 @@
             </a:ln>
           </p:spPr>
           <p:txBody>
-            <a:bodyPr anchorCtr="0" anchor="ctr" bIns="91425" lIns="91425" spcFirstLastPara="1" rIns="91425" wrap="square" tIns="91425">
+            <a:bodyPr spcFirstLastPara="1" wrap="square" lIns="91425" tIns="91425" rIns="91425" bIns="91425" anchor="ctr" anchorCtr="0">
               <a:noAutofit/>
             </a:bodyPr>
             <a:lstStyle/>
             <a:p>
-              <a:pPr indent="0" lvl="0" marL="0" rtl="0" algn="l">
+              <a:pPr marL="0" lvl="0" indent="0" algn="l" rtl="0">
                 <a:spcBef>
                   <a:spcPts val="0"/>
                 </a:spcBef>
@@ -2225,9 +2239,6 @@
                 </a:spcAft>
                 <a:buNone/>
               </a:pPr>
-              <a:r>
-                <a:t/>
-              </a:r>
               <a:endParaRPr/>
             </a:p>
           </p:txBody>
@@ -2245,7 +2256,7 @@
             </a:xfrm>
             <a:prstGeom prst="diagStripe">
               <a:avLst>
-                <a:gd fmla="val 50000" name="adj"/>
+                <a:gd name="adj" fmla="val 50000"/>
               </a:avLst>
             </a:prstGeom>
             <a:solidFill>
@@ -2258,12 +2269,12 @@
             </a:ln>
           </p:spPr>
           <p:txBody>
-            <a:bodyPr anchorCtr="0" anchor="ctr" bIns="91425" lIns="91425" spcFirstLastPara="1" rIns="91425" wrap="square" tIns="91425">
+            <a:bodyPr spcFirstLastPara="1" wrap="square" lIns="91425" tIns="91425" rIns="91425" bIns="91425" anchor="ctr" anchorCtr="0">
               <a:noAutofit/>
             </a:bodyPr>
             <a:lstStyle/>
             <a:p>
-              <a:pPr indent="0" lvl="0" marL="0" rtl="0" algn="l">
+              <a:pPr marL="0" lvl="0" indent="0" algn="l" rtl="0">
                 <a:spcBef>
                   <a:spcPts val="0"/>
                 </a:spcBef>
@@ -2272,9 +2283,6 @@
                 </a:spcAft>
                 <a:buNone/>
               </a:pPr>
-              <a:r>
-                <a:t/>
-              </a:r>
               <a:endParaRPr/>
             </a:p>
           </p:txBody>
@@ -2292,7 +2300,7 @@
             </a:xfrm>
             <a:prstGeom prst="diagStripe">
               <a:avLst>
-                <a:gd fmla="val 50000" name="adj"/>
+                <a:gd name="adj" fmla="val 50000"/>
               </a:avLst>
             </a:prstGeom>
             <a:solidFill>
@@ -2305,12 +2313,12 @@
             </a:ln>
           </p:spPr>
           <p:txBody>
-            <a:bodyPr anchorCtr="0" anchor="ctr" bIns="91425" lIns="91425" spcFirstLastPara="1" rIns="91425" wrap="square" tIns="91425">
+            <a:bodyPr spcFirstLastPara="1" wrap="square" lIns="91425" tIns="91425" rIns="91425" bIns="91425" anchor="ctr" anchorCtr="0">
               <a:noAutofit/>
             </a:bodyPr>
             <a:lstStyle/>
             <a:p>
-              <a:pPr indent="0" lvl="0" marL="0" rtl="0" algn="l">
+              <a:pPr marL="0" lvl="0" indent="0" algn="l" rtl="0">
                 <a:spcBef>
                   <a:spcPts val="0"/>
                 </a:spcBef>
@@ -2319,9 +2327,6 @@
                 </a:spcAft>
                 <a:buNone/>
               </a:pPr>
-              <a:r>
-                <a:t/>
-              </a:r>
               <a:endParaRPr/>
             </a:p>
           </p:txBody>
@@ -2339,7 +2344,7 @@
             </a:xfrm>
             <a:prstGeom prst="diagStripe">
               <a:avLst>
-                <a:gd fmla="val 50000" name="adj"/>
+                <a:gd name="adj" fmla="val 50000"/>
               </a:avLst>
             </a:prstGeom>
             <a:solidFill>
@@ -2352,12 +2357,12 @@
             </a:ln>
           </p:spPr>
           <p:txBody>
-            <a:bodyPr anchorCtr="0" anchor="ctr" bIns="91425" lIns="91425" spcFirstLastPara="1" rIns="91425" wrap="square" tIns="91425">
+            <a:bodyPr spcFirstLastPara="1" wrap="square" lIns="91425" tIns="91425" rIns="91425" bIns="91425" anchor="ctr" anchorCtr="0">
               <a:noAutofit/>
             </a:bodyPr>
             <a:lstStyle/>
             <a:p>
-              <a:pPr indent="0" lvl="0" marL="0" rtl="0" algn="l">
+              <a:pPr marL="0" lvl="0" indent="0" algn="l" rtl="0">
                 <a:spcBef>
                   <a:spcPts val="0"/>
                 </a:spcBef>
@@ -2366,9 +2371,6 @@
                 </a:spcAft>
                 <a:buNone/>
               </a:pPr>
-              <a:r>
-                <a:t/>
-              </a:r>
               <a:endParaRPr/>
             </a:p>
           </p:txBody>
@@ -2386,7 +2388,7 @@
             </a:xfrm>
             <a:prstGeom prst="diagStripe">
               <a:avLst>
-                <a:gd fmla="val 50000" name="adj"/>
+                <a:gd name="adj" fmla="val 50000"/>
               </a:avLst>
             </a:prstGeom>
             <a:solidFill>
@@ -2399,12 +2401,12 @@
             </a:ln>
           </p:spPr>
           <p:txBody>
-            <a:bodyPr anchorCtr="0" anchor="ctr" bIns="91425" lIns="91425" spcFirstLastPara="1" rIns="91425" wrap="square" tIns="91425">
+            <a:bodyPr spcFirstLastPara="1" wrap="square" lIns="91425" tIns="91425" rIns="91425" bIns="91425" anchor="ctr" anchorCtr="0">
               <a:noAutofit/>
             </a:bodyPr>
             <a:lstStyle/>
             <a:p>
-              <a:pPr indent="0" lvl="0" marL="0" rtl="0" algn="l">
+              <a:pPr marL="0" lvl="0" indent="0" algn="l" rtl="0">
                 <a:spcBef>
                   <a:spcPts val="0"/>
                 </a:spcBef>
@@ -2413,9 +2415,6 @@
                 </a:spcAft>
                 <a:buNone/>
               </a:pPr>
-              <a:r>
-                <a:t/>
-              </a:r>
               <a:endParaRPr/>
             </a:p>
           </p:txBody>
@@ -2433,7 +2432,7 @@
             </a:xfrm>
             <a:prstGeom prst="diagStripe">
               <a:avLst>
-                <a:gd fmla="val 50000" name="adj"/>
+                <a:gd name="adj" fmla="val 50000"/>
               </a:avLst>
             </a:prstGeom>
             <a:solidFill>
@@ -2446,12 +2445,12 @@
             </a:ln>
           </p:spPr>
           <p:txBody>
-            <a:bodyPr anchorCtr="0" anchor="ctr" bIns="91425" lIns="91425" spcFirstLastPara="1" rIns="91425" wrap="square" tIns="91425">
+            <a:bodyPr spcFirstLastPara="1" wrap="square" lIns="91425" tIns="91425" rIns="91425" bIns="91425" anchor="ctr" anchorCtr="0">
               <a:noAutofit/>
             </a:bodyPr>
             <a:lstStyle/>
             <a:p>
-              <a:pPr indent="0" lvl="0" marL="0" rtl="0" algn="l">
+              <a:pPr marL="0" lvl="0" indent="0" algn="l" rtl="0">
                 <a:spcBef>
                   <a:spcPts val="0"/>
                 </a:spcBef>
@@ -2460,9 +2459,6 @@
                 </a:spcAft>
                 <a:buNone/>
               </a:pPr>
-              <a:r>
-                <a:t/>
-              </a:r>
               <a:endParaRPr/>
             </a:p>
           </p:txBody>
@@ -2480,7 +2476,7 @@
             </a:xfrm>
             <a:prstGeom prst="diagStripe">
               <a:avLst>
-                <a:gd fmla="val 50000" name="adj"/>
+                <a:gd name="adj" fmla="val 50000"/>
               </a:avLst>
             </a:prstGeom>
             <a:solidFill>
@@ -2491,12 +2487,12 @@
             </a:ln>
           </p:spPr>
           <p:txBody>
-            <a:bodyPr anchorCtr="0" anchor="ctr" bIns="91425" lIns="91425" spcFirstLastPara="1" rIns="91425" wrap="square" tIns="91425">
+            <a:bodyPr spcFirstLastPara="1" wrap="square" lIns="91425" tIns="91425" rIns="91425" bIns="91425" anchor="ctr" anchorCtr="0">
               <a:noAutofit/>
             </a:bodyPr>
             <a:lstStyle/>
             <a:p>
-              <a:pPr indent="0" lvl="0" marL="0" rtl="0" algn="l">
+              <a:pPr marL="0" lvl="0" indent="0" algn="l" rtl="0">
                 <a:spcBef>
                   <a:spcPts val="0"/>
                 </a:spcBef>
@@ -2505,9 +2501,6 @@
                 </a:spcAft>
                 <a:buNone/>
               </a:pPr>
-              <a:r>
-                <a:t/>
-              </a:r>
               <a:endParaRPr/>
             </a:p>
           </p:txBody>
@@ -2525,7 +2518,7 @@
             </a:xfrm>
             <a:prstGeom prst="diagStripe">
               <a:avLst>
-                <a:gd fmla="val 50000" name="adj"/>
+                <a:gd name="adj" fmla="val 50000"/>
               </a:avLst>
             </a:prstGeom>
             <a:solidFill>
@@ -2538,12 +2531,12 @@
             </a:ln>
           </p:spPr>
           <p:txBody>
-            <a:bodyPr anchorCtr="0" anchor="ctr" bIns="91425" lIns="91425" spcFirstLastPara="1" rIns="91425" wrap="square" tIns="91425">
+            <a:bodyPr spcFirstLastPara="1" wrap="square" lIns="91425" tIns="91425" rIns="91425" bIns="91425" anchor="ctr" anchorCtr="0">
               <a:noAutofit/>
             </a:bodyPr>
             <a:lstStyle/>
             <a:p>
-              <a:pPr indent="0" lvl="0" marL="0" rtl="0" algn="l">
+              <a:pPr marL="0" lvl="0" indent="0" algn="l" rtl="0">
                 <a:spcBef>
                   <a:spcPts val="0"/>
                 </a:spcBef>
@@ -2552,9 +2545,6 @@
                 </a:spcAft>
                 <a:buNone/>
               </a:pPr>
-              <a:r>
-                <a:t/>
-              </a:r>
               <a:endParaRPr/>
             </a:p>
           </p:txBody>
@@ -2572,7 +2562,7 @@
             </a:xfrm>
             <a:prstGeom prst="diagStripe">
               <a:avLst>
-                <a:gd fmla="val 50000" name="adj"/>
+                <a:gd name="adj" fmla="val 50000"/>
               </a:avLst>
             </a:prstGeom>
             <a:solidFill>
@@ -2585,12 +2575,12 @@
             </a:ln>
           </p:spPr>
           <p:txBody>
-            <a:bodyPr anchorCtr="0" anchor="ctr" bIns="91425" lIns="91425" spcFirstLastPara="1" rIns="91425" wrap="square" tIns="91425">
+            <a:bodyPr spcFirstLastPara="1" wrap="square" lIns="91425" tIns="91425" rIns="91425" bIns="91425" anchor="ctr" anchorCtr="0">
               <a:noAutofit/>
             </a:bodyPr>
             <a:lstStyle/>
             <a:p>
-              <a:pPr indent="0" lvl="0" marL="0" rtl="0" algn="l">
+              <a:pPr marL="0" lvl="0" indent="0" algn="l" rtl="0">
                 <a:spcBef>
                   <a:spcPts val="0"/>
                 </a:spcBef>
@@ -2599,9 +2589,6 @@
                 </a:spcAft>
                 <a:buNone/>
               </a:pPr>
-              <a:r>
-                <a:t/>
-              </a:r>
               <a:endParaRPr/>
             </a:p>
           </p:txBody>
@@ -2619,7 +2606,7 @@
             </a:xfrm>
             <a:prstGeom prst="diagStripe">
               <a:avLst>
-                <a:gd fmla="val 50000" name="adj"/>
+                <a:gd name="adj" fmla="val 50000"/>
               </a:avLst>
             </a:prstGeom>
             <a:solidFill>
@@ -2632,12 +2619,12 @@
             </a:ln>
           </p:spPr>
           <p:txBody>
-            <a:bodyPr anchorCtr="0" anchor="ctr" bIns="91425" lIns="91425" spcFirstLastPara="1" rIns="91425" wrap="square" tIns="91425">
+            <a:bodyPr spcFirstLastPara="1" wrap="square" lIns="91425" tIns="91425" rIns="91425" bIns="91425" anchor="ctr" anchorCtr="0">
               <a:noAutofit/>
             </a:bodyPr>
             <a:lstStyle/>
             <a:p>
-              <a:pPr indent="0" lvl="0" marL="0" rtl="0" algn="l">
+              <a:pPr marL="0" lvl="0" indent="0" algn="l" rtl="0">
                 <a:spcBef>
                   <a:spcPts val="0"/>
                 </a:spcBef>
@@ -2646,9 +2633,6 @@
                 </a:spcAft>
                 <a:buNone/>
               </a:pPr>
-              <a:r>
-                <a:t/>
-              </a:r>
               <a:endParaRPr/>
             </a:p>
           </p:txBody>
@@ -2666,7 +2650,7 @@
             </a:xfrm>
             <a:prstGeom prst="diagStripe">
               <a:avLst>
-                <a:gd fmla="val 50000" name="adj"/>
+                <a:gd name="adj" fmla="val 50000"/>
               </a:avLst>
             </a:prstGeom>
             <a:solidFill>
@@ -2679,12 +2663,12 @@
             </a:ln>
           </p:spPr>
           <p:txBody>
-            <a:bodyPr anchorCtr="0" anchor="ctr" bIns="91425" lIns="91425" spcFirstLastPara="1" rIns="91425" wrap="square" tIns="91425">
+            <a:bodyPr spcFirstLastPara="1" wrap="square" lIns="91425" tIns="91425" rIns="91425" bIns="91425" anchor="ctr" anchorCtr="0">
               <a:noAutofit/>
             </a:bodyPr>
             <a:lstStyle/>
             <a:p>
-              <a:pPr indent="0" lvl="0" marL="0" rtl="0" algn="l">
+              <a:pPr marL="0" lvl="0" indent="0" algn="l" rtl="0">
                 <a:spcBef>
                   <a:spcPts val="0"/>
                 </a:spcBef>
@@ -2693,9 +2677,6 @@
                 </a:spcAft>
                 <a:buNone/>
               </a:pPr>
-              <a:r>
-                <a:t/>
-              </a:r>
               <a:endParaRPr/>
             </a:p>
           </p:txBody>
@@ -2704,9 +2685,11 @@
       <p:sp>
         <p:nvSpPr>
           <p:cNvPr id="125" name="Google Shape;125;p11"/>
-          <p:cNvSpPr txBox="1"/>
+          <p:cNvSpPr txBox="1">
+            <a:spLocks noGrp="1"/>
+          </p:cNvSpPr>
           <p:nvPr>
-            <p:ph hasCustomPrompt="1" type="title"/>
+            <p:ph type="title" hasCustomPrompt="1"/>
           </p:nvPr>
         </p:nvSpPr>
         <p:spPr>
@@ -2719,7 +2702,7 @@
           </a:prstGeom>
         </p:spPr>
         <p:txBody>
-          <a:bodyPr anchorCtr="0" anchor="t" bIns="91425" lIns="91425" spcFirstLastPara="1" rIns="91425" wrap="square" tIns="91425"/>
+          <a:bodyPr spcFirstLastPara="1" wrap="square" lIns="91425" tIns="91425" rIns="91425" bIns="91425" anchor="t" anchorCtr="0"/>
           <a:lstStyle>
             <a:lvl1pPr lvl="0">
               <a:spcBef>
@@ -2831,9 +2814,11 @@
       <p:sp>
         <p:nvSpPr>
           <p:cNvPr id="126" name="Google Shape;126;p11"/>
-          <p:cNvSpPr txBox="1"/>
+          <p:cNvSpPr txBox="1">
+            <a:spLocks noGrp="1"/>
+          </p:cNvSpPr>
           <p:nvPr>
-            <p:ph idx="1" type="body"/>
+            <p:ph type="body" idx="1"/>
           </p:nvPr>
         </p:nvSpPr>
         <p:spPr>
@@ -2846,9 +2831,9 @@
           </a:prstGeom>
         </p:spPr>
         <p:txBody>
-          <a:bodyPr anchorCtr="0" anchor="t" bIns="91425" lIns="91425" spcFirstLastPara="1" rIns="91425" wrap="square" tIns="91425"/>
+          <a:bodyPr spcFirstLastPara="1" wrap="square" lIns="91425" tIns="91425" rIns="91425" bIns="91425" anchor="t" anchorCtr="0"/>
           <a:lstStyle>
-            <a:lvl1pPr indent="-311150" lvl="0" marL="457200">
+            <a:lvl1pPr marL="457200" lvl="0" indent="-311150">
               <a:spcBef>
                 <a:spcPts val="0"/>
               </a:spcBef>
@@ -2859,7 +2844,7 @@
               <a:buChar char="●"/>
               <a:defRPr/>
             </a:lvl1pPr>
-            <a:lvl2pPr indent="-298450" lvl="1" marL="914400">
+            <a:lvl2pPr marL="914400" lvl="1" indent="-298450">
               <a:spcBef>
                 <a:spcPts val="1600"/>
               </a:spcBef>
@@ -2870,7 +2855,7 @@
               <a:buChar char="○"/>
               <a:defRPr/>
             </a:lvl2pPr>
-            <a:lvl3pPr indent="-298450" lvl="2" marL="1371600">
+            <a:lvl3pPr marL="1371600" lvl="2" indent="-298450">
               <a:spcBef>
                 <a:spcPts val="1600"/>
               </a:spcBef>
@@ -2881,7 +2866,7 @@
               <a:buChar char="■"/>
               <a:defRPr/>
             </a:lvl3pPr>
-            <a:lvl4pPr indent="-298450" lvl="3" marL="1828800">
+            <a:lvl4pPr marL="1828800" lvl="3" indent="-298450">
               <a:spcBef>
                 <a:spcPts val="1600"/>
               </a:spcBef>
@@ -2892,7 +2877,7 @@
               <a:buChar char="●"/>
               <a:defRPr/>
             </a:lvl4pPr>
-            <a:lvl5pPr indent="-298450" lvl="4" marL="2286000">
+            <a:lvl5pPr marL="2286000" lvl="4" indent="-298450">
               <a:spcBef>
                 <a:spcPts val="1600"/>
               </a:spcBef>
@@ -2903,7 +2888,7 @@
               <a:buChar char="○"/>
               <a:defRPr/>
             </a:lvl5pPr>
-            <a:lvl6pPr indent="-298450" lvl="5" marL="2743200">
+            <a:lvl6pPr marL="2743200" lvl="5" indent="-298450">
               <a:spcBef>
                 <a:spcPts val="1600"/>
               </a:spcBef>
@@ -2914,7 +2899,7 @@
               <a:buChar char="■"/>
               <a:defRPr/>
             </a:lvl6pPr>
-            <a:lvl7pPr indent="-298450" lvl="6" marL="3200400">
+            <a:lvl7pPr marL="3200400" lvl="6" indent="-298450">
               <a:spcBef>
                 <a:spcPts val="1600"/>
               </a:spcBef>
@@ -2925,7 +2910,7 @@
               <a:buChar char="●"/>
               <a:defRPr/>
             </a:lvl7pPr>
-            <a:lvl8pPr indent="-298450" lvl="7" marL="3657600">
+            <a:lvl8pPr marL="3657600" lvl="7" indent="-298450">
               <a:spcBef>
                 <a:spcPts val="1600"/>
               </a:spcBef>
@@ -2936,7 +2921,7 @@
               <a:buChar char="○"/>
               <a:defRPr/>
             </a:lvl8pPr>
-            <a:lvl9pPr indent="-298450" lvl="8" marL="4114800">
+            <a:lvl9pPr marL="4114800" lvl="8" indent="-298450">
               <a:spcBef>
                 <a:spcPts val="1600"/>
               </a:spcBef>
@@ -2948,15 +2933,19 @@
               <a:defRPr/>
             </a:lvl9pPr>
           </a:lstStyle>
-          <a:p/>
+          <a:p>
+            <a:endParaRPr/>
+          </a:p>
         </p:txBody>
       </p:sp>
       <p:sp>
         <p:nvSpPr>
           <p:cNvPr id="127" name="Google Shape;127;p11"/>
-          <p:cNvSpPr txBox="1"/>
+          <p:cNvSpPr txBox="1">
+            <a:spLocks noGrp="1"/>
+          </p:cNvSpPr>
           <p:nvPr>
-            <p:ph idx="12" type="sldNum"/>
+            <p:ph type="sldNum" idx="12"/>
           </p:nvPr>
         </p:nvSpPr>
         <p:spPr>
@@ -2969,7 +2958,7 @@
           </a:prstGeom>
         </p:spPr>
         <p:txBody>
-          <a:bodyPr anchorCtr="0" anchor="ctr" bIns="91425" lIns="91425" spcFirstLastPara="1" rIns="91425" wrap="square" tIns="91425">
+          <a:bodyPr spcFirstLastPara="1" wrap="square" lIns="91425" tIns="91425" rIns="91425" bIns="91425" anchor="ctr" anchorCtr="0">
             <a:noAutofit/>
           </a:bodyPr>
           <a:lstStyle>
@@ -3011,7 +3000,7 @@
             </a:lvl9pPr>
           </a:lstStyle>
           <a:p>
-            <a:pPr indent="0" lvl="0" marL="0" rtl="0" algn="r">
+            <a:pPr marL="0" lvl="0" indent="0" algn="r" rtl="0">
               <a:spcBef>
                 <a:spcPts val="0"/>
               </a:spcBef>
@@ -3037,11 +3026,11 @@
 </file>
 
 <file path=ppt/slideLayouts/slideLayout11.xml><?xml version="1.0" encoding="utf-8"?>
-<p:sldLayout xmlns:a="http://schemas.openxmlformats.org/drawingml/2006/main" xmlns:r="http://schemas.openxmlformats.org/officeDocument/2006/relationships" xmlns:mc="http://schemas.openxmlformats.org/markup-compatibility/2006" xmlns:mv="urn:schemas-microsoft-com:mac:vml" xmlns:p="http://schemas.openxmlformats.org/presentationml/2006/main" xmlns:c="http://schemas.openxmlformats.org/drawingml/2006/chart" xmlns:dgm="http://schemas.openxmlformats.org/drawingml/2006/diagram" xmlns:o="urn:schemas-microsoft-com:office:office" xmlns:v="urn:schemas-microsoft-com:vml" xmlns:pvml="urn:schemas-microsoft-com:office:powerpoint" xmlns:com="http://schemas.openxmlformats.org/drawingml/2006/compatibility" xmlns:p14="http://schemas.microsoft.com/office/powerpoint/2010/main" xmlns:p15="http://schemas.microsoft.com/office/powerpoint/2012/main" matchingName="Blank" type="blank">
+<p:sldLayout xmlns:a="http://schemas.openxmlformats.org/drawingml/2006/main" xmlns:r="http://schemas.openxmlformats.org/officeDocument/2006/relationships" xmlns:p="http://schemas.openxmlformats.org/presentationml/2006/main" matchingName="Blank" type="blank">
   <p:cSld name="BLANK">
     <p:spTree>
       <p:nvGrpSpPr>
-        <p:cNvPr id="128" name="Shape 128"/>
+        <p:cNvPr id="1" name="Shape 128"/>
         <p:cNvGrpSpPr/>
         <p:nvPr/>
       </p:nvGrpSpPr>
@@ -3056,9 +3045,11 @@
       <p:sp>
         <p:nvSpPr>
           <p:cNvPr id="129" name="Google Shape;129;p12"/>
-          <p:cNvSpPr txBox="1"/>
+          <p:cNvSpPr txBox="1">
+            <a:spLocks noGrp="1"/>
+          </p:cNvSpPr>
           <p:nvPr>
-            <p:ph idx="12" type="sldNum"/>
+            <p:ph type="sldNum" idx="12"/>
           </p:nvPr>
         </p:nvSpPr>
         <p:spPr>
@@ -3071,7 +3062,7 @@
           </a:prstGeom>
         </p:spPr>
         <p:txBody>
-          <a:bodyPr anchorCtr="0" anchor="ctr" bIns="91425" lIns="91425" spcFirstLastPara="1" rIns="91425" wrap="square" tIns="91425">
+          <a:bodyPr spcFirstLastPara="1" wrap="square" lIns="91425" tIns="91425" rIns="91425" bIns="91425" anchor="ctr" anchorCtr="0">
             <a:noAutofit/>
           </a:bodyPr>
           <a:lstStyle>
@@ -3113,7 +3104,7 @@
             </a:lvl9pPr>
           </a:lstStyle>
           <a:p>
-            <a:pPr indent="0" lvl="0" marL="0" rtl="0" algn="r">
+            <a:pPr marL="0" lvl="0" indent="0" algn="r" rtl="0">
               <a:spcBef>
                 <a:spcPts val="0"/>
               </a:spcBef>
@@ -3139,11 +3130,11 @@
 </file>
 
 <file path=ppt/slideLayouts/slideLayout2.xml><?xml version="1.0" encoding="utf-8"?>
-<p:sldLayout xmlns:a="http://schemas.openxmlformats.org/drawingml/2006/main" xmlns:r="http://schemas.openxmlformats.org/officeDocument/2006/relationships" xmlns:mc="http://schemas.openxmlformats.org/markup-compatibility/2006" xmlns:mv="urn:schemas-microsoft-com:mac:vml" xmlns:p="http://schemas.openxmlformats.org/presentationml/2006/main" xmlns:c="http://schemas.openxmlformats.org/drawingml/2006/chart" xmlns:dgm="http://schemas.openxmlformats.org/drawingml/2006/diagram" xmlns:o="urn:schemas-microsoft-com:office:office" xmlns:v="urn:schemas-microsoft-com:vml" xmlns:pvml="urn:schemas-microsoft-com:office:powerpoint" xmlns:com="http://schemas.openxmlformats.org/drawingml/2006/compatibility" xmlns:p14="http://schemas.microsoft.com/office/powerpoint/2010/main" xmlns:p15="http://schemas.microsoft.com/office/powerpoint/2012/main" matchingName="Section header" type="secHead">
+<p:sldLayout xmlns:a="http://schemas.openxmlformats.org/drawingml/2006/main" xmlns:r="http://schemas.openxmlformats.org/officeDocument/2006/relationships" xmlns:p="http://schemas.openxmlformats.org/presentationml/2006/main" matchingName="Section header" type="secHead">
   <p:cSld name="SECTION_HEADER">
     <p:spTree>
       <p:nvGrpSpPr>
-        <p:cNvPr id="19" name="Shape 19"/>
+        <p:cNvPr id="1" name="Shape 19"/>
         <p:cNvGrpSpPr/>
         <p:nvPr/>
       </p:nvGrpSpPr>
@@ -3182,7 +3173,7 @@
             </a:xfrm>
             <a:prstGeom prst="diagStripe">
               <a:avLst>
-                <a:gd fmla="val 49469" name="adj"/>
+                <a:gd name="adj" fmla="val 49469"/>
               </a:avLst>
             </a:prstGeom>
             <a:solidFill>
@@ -3195,12 +3186,12 @@
             </a:ln>
           </p:spPr>
           <p:txBody>
-            <a:bodyPr anchorCtr="0" anchor="ctr" bIns="91425" lIns="91425" spcFirstLastPara="1" rIns="91425" wrap="square" tIns="91425">
+            <a:bodyPr spcFirstLastPara="1" wrap="square" lIns="91425" tIns="91425" rIns="91425" bIns="91425" anchor="ctr" anchorCtr="0">
               <a:noAutofit/>
             </a:bodyPr>
             <a:lstStyle/>
             <a:p>
-              <a:pPr indent="0" lvl="0" marL="0" rtl="0" algn="l">
+              <a:pPr marL="0" lvl="0" indent="0" algn="l" rtl="0">
                 <a:spcBef>
                   <a:spcPts val="0"/>
                 </a:spcBef>
@@ -3209,9 +3200,6 @@
                 </a:spcAft>
                 <a:buNone/>
               </a:pPr>
-              <a:r>
-                <a:t/>
-              </a:r>
               <a:endParaRPr/>
             </a:p>
           </p:txBody>
@@ -3229,7 +3217,7 @@
             </a:xfrm>
             <a:prstGeom prst="diagStripe">
               <a:avLst>
-                <a:gd fmla="val 0" name="adj"/>
+                <a:gd name="adj" fmla="val 0"/>
               </a:avLst>
             </a:prstGeom>
             <a:solidFill>
@@ -3242,12 +3230,12 @@
             </a:ln>
           </p:spPr>
           <p:txBody>
-            <a:bodyPr anchorCtr="0" anchor="ctr" bIns="91425" lIns="91425" spcFirstLastPara="1" rIns="91425" wrap="square" tIns="91425">
+            <a:bodyPr spcFirstLastPara="1" wrap="square" lIns="91425" tIns="91425" rIns="91425" bIns="91425" anchor="ctr" anchorCtr="0">
               <a:noAutofit/>
             </a:bodyPr>
             <a:lstStyle/>
             <a:p>
-              <a:pPr indent="0" lvl="0" marL="0" rtl="0" algn="l">
+              <a:pPr marL="0" lvl="0" indent="0" algn="l" rtl="0">
                 <a:spcBef>
                   <a:spcPts val="0"/>
                 </a:spcBef>
@@ -3256,9 +3244,6 @@
                 </a:spcAft>
                 <a:buNone/>
               </a:pPr>
-              <a:r>
-                <a:t/>
-              </a:r>
               <a:endParaRPr/>
             </a:p>
           </p:txBody>
@@ -3276,7 +3261,7 @@
             </a:xfrm>
             <a:prstGeom prst="diagStripe">
               <a:avLst>
-                <a:gd fmla="val 50000" name="adj"/>
+                <a:gd name="adj" fmla="val 50000"/>
               </a:avLst>
             </a:prstGeom>
             <a:solidFill>
@@ -3289,12 +3274,12 @@
             </a:ln>
           </p:spPr>
           <p:txBody>
-            <a:bodyPr anchorCtr="0" anchor="ctr" bIns="91425" lIns="91425" spcFirstLastPara="1" rIns="91425" wrap="square" tIns="91425">
+            <a:bodyPr spcFirstLastPara="1" wrap="square" lIns="91425" tIns="91425" rIns="91425" bIns="91425" anchor="ctr" anchorCtr="0">
               <a:noAutofit/>
             </a:bodyPr>
             <a:lstStyle/>
             <a:p>
-              <a:pPr indent="0" lvl="0" marL="0" rtl="0" algn="l">
+              <a:pPr marL="0" lvl="0" indent="0" algn="l" rtl="0">
                 <a:spcBef>
                   <a:spcPts val="0"/>
                 </a:spcBef>
@@ -3303,9 +3288,6 @@
                 </a:spcAft>
                 <a:buNone/>
               </a:pPr>
-              <a:r>
-                <a:t/>
-              </a:r>
               <a:endParaRPr/>
             </a:p>
           </p:txBody>
@@ -3323,7 +3305,7 @@
             </a:xfrm>
             <a:prstGeom prst="diagStripe">
               <a:avLst>
-                <a:gd fmla="val 50000" name="adj"/>
+                <a:gd name="adj" fmla="val 50000"/>
               </a:avLst>
             </a:prstGeom>
             <a:solidFill>
@@ -3336,12 +3318,12 @@
             </a:ln>
           </p:spPr>
           <p:txBody>
-            <a:bodyPr anchorCtr="0" anchor="ctr" bIns="91425" lIns="91425" spcFirstLastPara="1" rIns="91425" wrap="square" tIns="91425">
+            <a:bodyPr spcFirstLastPara="1" wrap="square" lIns="91425" tIns="91425" rIns="91425" bIns="91425" anchor="ctr" anchorCtr="0">
               <a:noAutofit/>
             </a:bodyPr>
             <a:lstStyle/>
             <a:p>
-              <a:pPr indent="0" lvl="0" marL="0" rtl="0" algn="l">
+              <a:pPr marL="0" lvl="0" indent="0" algn="l" rtl="0">
                 <a:spcBef>
                   <a:spcPts val="0"/>
                 </a:spcBef>
@@ -3350,9 +3332,6 @@
                 </a:spcAft>
                 <a:buNone/>
               </a:pPr>
-              <a:r>
-                <a:t/>
-              </a:r>
               <a:endParaRPr/>
             </a:p>
           </p:txBody>
@@ -3370,7 +3349,7 @@
             </a:xfrm>
             <a:prstGeom prst="diagStripe">
               <a:avLst>
-                <a:gd fmla="val 50000" name="adj"/>
+                <a:gd name="adj" fmla="val 50000"/>
               </a:avLst>
             </a:prstGeom>
             <a:solidFill>
@@ -3383,12 +3362,12 @@
             </a:ln>
           </p:spPr>
           <p:txBody>
-            <a:bodyPr anchorCtr="0" anchor="ctr" bIns="91425" lIns="91425" spcFirstLastPara="1" rIns="91425" wrap="square" tIns="91425">
+            <a:bodyPr spcFirstLastPara="1" wrap="square" lIns="91425" tIns="91425" rIns="91425" bIns="91425" anchor="ctr" anchorCtr="0">
               <a:noAutofit/>
             </a:bodyPr>
             <a:lstStyle/>
             <a:p>
-              <a:pPr indent="0" lvl="0" marL="0" rtl="0" algn="l">
+              <a:pPr marL="0" lvl="0" indent="0" algn="l" rtl="0">
                 <a:spcBef>
                   <a:spcPts val="0"/>
                 </a:spcBef>
@@ -3397,9 +3376,6 @@
                 </a:spcAft>
                 <a:buNone/>
               </a:pPr>
-              <a:r>
-                <a:t/>
-              </a:r>
               <a:endParaRPr/>
             </a:p>
           </p:txBody>
@@ -3417,7 +3393,7 @@
             </a:xfrm>
             <a:prstGeom prst="diagStripe">
               <a:avLst>
-                <a:gd fmla="val 50000" name="adj"/>
+                <a:gd name="adj" fmla="val 50000"/>
               </a:avLst>
             </a:prstGeom>
             <a:solidFill>
@@ -3430,12 +3406,12 @@
             </a:ln>
           </p:spPr>
           <p:txBody>
-            <a:bodyPr anchorCtr="0" anchor="ctr" bIns="91425" lIns="91425" spcFirstLastPara="1" rIns="91425" wrap="square" tIns="91425">
+            <a:bodyPr spcFirstLastPara="1" wrap="square" lIns="91425" tIns="91425" rIns="91425" bIns="91425" anchor="ctr" anchorCtr="0">
               <a:noAutofit/>
             </a:bodyPr>
             <a:lstStyle/>
             <a:p>
-              <a:pPr indent="0" lvl="0" marL="0" rtl="0" algn="l">
+              <a:pPr marL="0" lvl="0" indent="0" algn="l" rtl="0">
                 <a:spcBef>
                   <a:spcPts val="0"/>
                 </a:spcBef>
@@ -3444,9 +3420,6 @@
                 </a:spcAft>
                 <a:buNone/>
               </a:pPr>
-              <a:r>
-                <a:t/>
-              </a:r>
               <a:endParaRPr/>
             </a:p>
           </p:txBody>
@@ -3464,7 +3437,7 @@
             </a:xfrm>
             <a:prstGeom prst="diagStripe">
               <a:avLst>
-                <a:gd fmla="val 50000" name="adj"/>
+                <a:gd name="adj" fmla="val 50000"/>
               </a:avLst>
             </a:prstGeom>
             <a:solidFill>
@@ -3477,12 +3450,12 @@
             </a:ln>
           </p:spPr>
           <p:txBody>
-            <a:bodyPr anchorCtr="0" anchor="ctr" bIns="91425" lIns="91425" spcFirstLastPara="1" rIns="91425" wrap="square" tIns="91425">
+            <a:bodyPr spcFirstLastPara="1" wrap="square" lIns="91425" tIns="91425" rIns="91425" bIns="91425" anchor="ctr" anchorCtr="0">
               <a:noAutofit/>
             </a:bodyPr>
             <a:lstStyle/>
             <a:p>
-              <a:pPr indent="0" lvl="0" marL="0" rtl="0" algn="l">
+              <a:pPr marL="0" lvl="0" indent="0" algn="l" rtl="0">
                 <a:spcBef>
                   <a:spcPts val="0"/>
                 </a:spcBef>
@@ -3491,9 +3464,6 @@
                 </a:spcAft>
                 <a:buNone/>
               </a:pPr>
-              <a:r>
-                <a:t/>
-              </a:r>
               <a:endParaRPr/>
             </a:p>
           </p:txBody>
@@ -3511,7 +3481,7 @@
             </a:xfrm>
             <a:prstGeom prst="diagStripe">
               <a:avLst>
-                <a:gd fmla="val 50000" name="adj"/>
+                <a:gd name="adj" fmla="val 50000"/>
               </a:avLst>
             </a:prstGeom>
             <a:solidFill>
@@ -3522,12 +3492,12 @@
             </a:ln>
           </p:spPr>
           <p:txBody>
-            <a:bodyPr anchorCtr="0" anchor="ctr" bIns="91425" lIns="91425" spcFirstLastPara="1" rIns="91425" wrap="square" tIns="91425">
+            <a:bodyPr spcFirstLastPara="1" wrap="square" lIns="91425" tIns="91425" rIns="91425" bIns="91425" anchor="ctr" anchorCtr="0">
               <a:noAutofit/>
             </a:bodyPr>
             <a:lstStyle/>
             <a:p>
-              <a:pPr indent="0" lvl="0" marL="0" rtl="0" algn="l">
+              <a:pPr marL="0" lvl="0" indent="0" algn="l" rtl="0">
                 <a:spcBef>
                   <a:spcPts val="0"/>
                 </a:spcBef>
@@ -3536,9 +3506,6 @@
                 </a:spcAft>
                 <a:buNone/>
               </a:pPr>
-              <a:r>
-                <a:t/>
-              </a:r>
               <a:endParaRPr/>
             </a:p>
           </p:txBody>
@@ -3556,7 +3523,7 @@
             </a:xfrm>
             <a:prstGeom prst="diagStripe">
               <a:avLst>
-                <a:gd fmla="val 50000" name="adj"/>
+                <a:gd name="adj" fmla="val 50000"/>
               </a:avLst>
             </a:prstGeom>
             <a:solidFill>
@@ -3569,12 +3536,12 @@
             </a:ln>
           </p:spPr>
           <p:txBody>
-            <a:bodyPr anchorCtr="0" anchor="ctr" bIns="91425" lIns="91425" spcFirstLastPara="1" rIns="91425" wrap="square" tIns="91425">
+            <a:bodyPr spcFirstLastPara="1" wrap="square" lIns="91425" tIns="91425" rIns="91425" bIns="91425" anchor="ctr" anchorCtr="0">
               <a:noAutofit/>
             </a:bodyPr>
             <a:lstStyle/>
             <a:p>
-              <a:pPr indent="0" lvl="0" marL="0" rtl="0" algn="l">
+              <a:pPr marL="0" lvl="0" indent="0" algn="l" rtl="0">
                 <a:spcBef>
                   <a:spcPts val="0"/>
                 </a:spcBef>
@@ -3583,9 +3550,6 @@
                 </a:spcAft>
                 <a:buNone/>
               </a:pPr>
-              <a:r>
-                <a:t/>
-              </a:r>
               <a:endParaRPr/>
             </a:p>
           </p:txBody>
@@ -3603,7 +3567,7 @@
             </a:xfrm>
             <a:prstGeom prst="diagStripe">
               <a:avLst>
-                <a:gd fmla="val 50000" name="adj"/>
+                <a:gd name="adj" fmla="val 50000"/>
               </a:avLst>
             </a:prstGeom>
             <a:solidFill>
@@ -3616,12 +3580,12 @@
             </a:ln>
           </p:spPr>
           <p:txBody>
-            <a:bodyPr anchorCtr="0" anchor="ctr" bIns="91425" lIns="91425" spcFirstLastPara="1" rIns="91425" wrap="square" tIns="91425">
+            <a:bodyPr spcFirstLastPara="1" wrap="square" lIns="91425" tIns="91425" rIns="91425" bIns="91425" anchor="ctr" anchorCtr="0">
               <a:noAutofit/>
             </a:bodyPr>
             <a:lstStyle/>
             <a:p>
-              <a:pPr indent="0" lvl="0" marL="0" rtl="0" algn="l">
+              <a:pPr marL="0" lvl="0" indent="0" algn="l" rtl="0">
                 <a:spcBef>
                   <a:spcPts val="0"/>
                 </a:spcBef>
@@ -3630,9 +3594,6 @@
                 </a:spcAft>
                 <a:buNone/>
               </a:pPr>
-              <a:r>
-                <a:t/>
-              </a:r>
               <a:endParaRPr/>
             </a:p>
           </p:txBody>
@@ -3650,7 +3611,7 @@
             </a:xfrm>
             <a:prstGeom prst="diagStripe">
               <a:avLst>
-                <a:gd fmla="val 50000" name="adj"/>
+                <a:gd name="adj" fmla="val 50000"/>
               </a:avLst>
             </a:prstGeom>
             <a:solidFill>
@@ -3663,12 +3624,12 @@
             </a:ln>
           </p:spPr>
           <p:txBody>
-            <a:bodyPr anchorCtr="0" anchor="ctr" bIns="91425" lIns="91425" spcFirstLastPara="1" rIns="91425" wrap="square" tIns="91425">
+            <a:bodyPr spcFirstLastPara="1" wrap="square" lIns="91425" tIns="91425" rIns="91425" bIns="91425" anchor="ctr" anchorCtr="0">
               <a:noAutofit/>
             </a:bodyPr>
             <a:lstStyle/>
             <a:p>
-              <a:pPr indent="0" lvl="0" marL="0" rtl="0" algn="l">
+              <a:pPr marL="0" lvl="0" indent="0" algn="l" rtl="0">
                 <a:spcBef>
                   <a:spcPts val="0"/>
                 </a:spcBef>
@@ -3677,9 +3638,6 @@
                 </a:spcAft>
                 <a:buNone/>
               </a:pPr>
-              <a:r>
-                <a:t/>
-              </a:r>
               <a:endParaRPr/>
             </a:p>
           </p:txBody>
@@ -3697,7 +3655,7 @@
             </a:xfrm>
             <a:prstGeom prst="diagStripe">
               <a:avLst>
-                <a:gd fmla="val 50000" name="adj"/>
+                <a:gd name="adj" fmla="val 50000"/>
               </a:avLst>
             </a:prstGeom>
             <a:solidFill>
@@ -3710,12 +3668,12 @@
             </a:ln>
           </p:spPr>
           <p:txBody>
-            <a:bodyPr anchorCtr="0" anchor="ctr" bIns="91425" lIns="91425" spcFirstLastPara="1" rIns="91425" wrap="square" tIns="91425">
+            <a:bodyPr spcFirstLastPara="1" wrap="square" lIns="91425" tIns="91425" rIns="91425" bIns="91425" anchor="ctr" anchorCtr="0">
               <a:noAutofit/>
             </a:bodyPr>
             <a:lstStyle/>
             <a:p>
-              <a:pPr indent="0" lvl="0" marL="0" rtl="0" algn="l">
+              <a:pPr marL="0" lvl="0" indent="0" algn="l" rtl="0">
                 <a:spcBef>
                   <a:spcPts val="0"/>
                 </a:spcBef>
@@ -3724,9 +3682,6 @@
                 </a:spcAft>
                 <a:buNone/>
               </a:pPr>
-              <a:r>
-                <a:t/>
-              </a:r>
               <a:endParaRPr/>
             </a:p>
           </p:txBody>
@@ -3744,7 +3699,7 @@
             </a:xfrm>
             <a:prstGeom prst="diagStripe">
               <a:avLst>
-                <a:gd fmla="val 50000" name="adj"/>
+                <a:gd name="adj" fmla="val 50000"/>
               </a:avLst>
             </a:prstGeom>
             <a:solidFill>
@@ -3757,12 +3712,12 @@
             </a:ln>
           </p:spPr>
           <p:txBody>
-            <a:bodyPr anchorCtr="0" anchor="ctr" bIns="91425" lIns="91425" spcFirstLastPara="1" rIns="91425" wrap="square" tIns="91425">
+            <a:bodyPr spcFirstLastPara="1" wrap="square" lIns="91425" tIns="91425" rIns="91425" bIns="91425" anchor="ctr" anchorCtr="0">
               <a:noAutofit/>
             </a:bodyPr>
             <a:lstStyle/>
             <a:p>
-              <a:pPr indent="0" lvl="0" marL="0" rtl="0" algn="l">
+              <a:pPr marL="0" lvl="0" indent="0" algn="l" rtl="0">
                 <a:spcBef>
                   <a:spcPts val="0"/>
                 </a:spcBef>
@@ -3771,9 +3726,6 @@
                 </a:spcAft>
                 <a:buNone/>
               </a:pPr>
-              <a:r>
-                <a:t/>
-              </a:r>
               <a:endParaRPr/>
             </a:p>
           </p:txBody>
@@ -3791,7 +3743,7 @@
             </a:xfrm>
             <a:prstGeom prst="diagStripe">
               <a:avLst>
-                <a:gd fmla="val 50000" name="adj"/>
+                <a:gd name="adj" fmla="val 50000"/>
               </a:avLst>
             </a:prstGeom>
             <a:solidFill>
@@ -3802,12 +3754,12 @@
             </a:ln>
           </p:spPr>
           <p:txBody>
-            <a:bodyPr anchorCtr="0" anchor="ctr" bIns="91425" lIns="91425" spcFirstLastPara="1" rIns="91425" wrap="square" tIns="91425">
+            <a:bodyPr spcFirstLastPara="1" wrap="square" lIns="91425" tIns="91425" rIns="91425" bIns="91425" anchor="ctr" anchorCtr="0">
               <a:noAutofit/>
             </a:bodyPr>
             <a:lstStyle/>
             <a:p>
-              <a:pPr indent="0" lvl="0" marL="0" rtl="0" algn="l">
+              <a:pPr marL="0" lvl="0" indent="0" algn="l" rtl="0">
                 <a:spcBef>
                   <a:spcPts val="0"/>
                 </a:spcBef>
@@ -3816,9 +3768,6 @@
                 </a:spcAft>
                 <a:buNone/>
               </a:pPr>
-              <a:r>
-                <a:t/>
-              </a:r>
               <a:endParaRPr/>
             </a:p>
           </p:txBody>
@@ -3836,7 +3785,7 @@
             </a:xfrm>
             <a:prstGeom prst="diagStripe">
               <a:avLst>
-                <a:gd fmla="val 50000" name="adj"/>
+                <a:gd name="adj" fmla="val 50000"/>
               </a:avLst>
             </a:prstGeom>
             <a:solidFill>
@@ -3849,12 +3798,12 @@
             </a:ln>
           </p:spPr>
           <p:txBody>
-            <a:bodyPr anchorCtr="0" anchor="ctr" bIns="91425" lIns="91425" spcFirstLastPara="1" rIns="91425" wrap="square" tIns="91425">
+            <a:bodyPr spcFirstLastPara="1" wrap="square" lIns="91425" tIns="91425" rIns="91425" bIns="91425" anchor="ctr" anchorCtr="0">
               <a:noAutofit/>
             </a:bodyPr>
             <a:lstStyle/>
             <a:p>
-              <a:pPr indent="0" lvl="0" marL="0" rtl="0" algn="l">
+              <a:pPr marL="0" lvl="0" indent="0" algn="l" rtl="0">
                 <a:spcBef>
                   <a:spcPts val="0"/>
                 </a:spcBef>
@@ -3863,9 +3812,6 @@
                 </a:spcAft>
                 <a:buNone/>
               </a:pPr>
-              <a:r>
-                <a:t/>
-              </a:r>
               <a:endParaRPr/>
             </a:p>
           </p:txBody>
@@ -3883,7 +3829,7 @@
             </a:xfrm>
             <a:prstGeom prst="diagStripe">
               <a:avLst>
-                <a:gd fmla="val 50000" name="adj"/>
+                <a:gd name="adj" fmla="val 50000"/>
               </a:avLst>
             </a:prstGeom>
             <a:solidFill>
@@ -3896,12 +3842,12 @@
             </a:ln>
           </p:spPr>
           <p:txBody>
-            <a:bodyPr anchorCtr="0" anchor="ctr" bIns="91425" lIns="91425" spcFirstLastPara="1" rIns="91425" wrap="square" tIns="91425">
+            <a:bodyPr spcFirstLastPara="1" wrap="square" lIns="91425" tIns="91425" rIns="91425" bIns="91425" anchor="ctr" anchorCtr="0">
               <a:noAutofit/>
             </a:bodyPr>
             <a:lstStyle/>
             <a:p>
-              <a:pPr indent="0" lvl="0" marL="0" rtl="0" algn="l">
+              <a:pPr marL="0" lvl="0" indent="0" algn="l" rtl="0">
                 <a:spcBef>
                   <a:spcPts val="0"/>
                 </a:spcBef>
@@ -3910,9 +3856,6 @@
                 </a:spcAft>
                 <a:buNone/>
               </a:pPr>
-              <a:r>
-                <a:t/>
-              </a:r>
               <a:endParaRPr/>
             </a:p>
           </p:txBody>
@@ -3930,7 +3873,7 @@
             </a:xfrm>
             <a:prstGeom prst="diagStripe">
               <a:avLst>
-                <a:gd fmla="val 50000" name="adj"/>
+                <a:gd name="adj" fmla="val 50000"/>
               </a:avLst>
             </a:prstGeom>
             <a:solidFill>
@@ -3943,12 +3886,12 @@
             </a:ln>
           </p:spPr>
           <p:txBody>
-            <a:bodyPr anchorCtr="0" anchor="ctr" bIns="91425" lIns="91425" spcFirstLastPara="1" rIns="91425" wrap="square" tIns="91425">
+            <a:bodyPr spcFirstLastPara="1" wrap="square" lIns="91425" tIns="91425" rIns="91425" bIns="91425" anchor="ctr" anchorCtr="0">
               <a:noAutofit/>
             </a:bodyPr>
             <a:lstStyle/>
             <a:p>
-              <a:pPr indent="0" lvl="0" marL="0" rtl="0" algn="l">
+              <a:pPr marL="0" lvl="0" indent="0" algn="l" rtl="0">
                 <a:spcBef>
                   <a:spcPts val="0"/>
                 </a:spcBef>
@@ -3957,9 +3900,6 @@
                 </a:spcAft>
                 <a:buNone/>
               </a:pPr>
-              <a:r>
-                <a:t/>
-              </a:r>
               <a:endParaRPr/>
             </a:p>
           </p:txBody>
@@ -3977,7 +3917,7 @@
             </a:xfrm>
             <a:prstGeom prst="diagStripe">
               <a:avLst>
-                <a:gd fmla="val 50000" name="adj"/>
+                <a:gd name="adj" fmla="val 50000"/>
               </a:avLst>
             </a:prstGeom>
             <a:solidFill>
@@ -3990,12 +3930,12 @@
             </a:ln>
           </p:spPr>
           <p:txBody>
-            <a:bodyPr anchorCtr="0" anchor="ctr" bIns="91425" lIns="91425" spcFirstLastPara="1" rIns="91425" wrap="square" tIns="91425">
+            <a:bodyPr spcFirstLastPara="1" wrap="square" lIns="91425" tIns="91425" rIns="91425" bIns="91425" anchor="ctr" anchorCtr="0">
               <a:noAutofit/>
             </a:bodyPr>
             <a:lstStyle/>
             <a:p>
-              <a:pPr indent="0" lvl="0" marL="0" rtl="0" algn="l">
+              <a:pPr marL="0" lvl="0" indent="0" algn="l" rtl="0">
                 <a:spcBef>
                   <a:spcPts val="0"/>
                 </a:spcBef>
@@ -4004,9 +3944,6 @@
                 </a:spcAft>
                 <a:buNone/>
               </a:pPr>
-              <a:r>
-                <a:t/>
-              </a:r>
               <a:endParaRPr/>
             </a:p>
           </p:txBody>
@@ -4015,7 +3952,9 @@
       <p:sp>
         <p:nvSpPr>
           <p:cNvPr id="39" name="Google Shape;39;p3"/>
-          <p:cNvSpPr txBox="1"/>
+          <p:cNvSpPr txBox="1">
+            <a:spLocks noGrp="1"/>
+          </p:cNvSpPr>
           <p:nvPr>
             <p:ph type="title"/>
           </p:nvPr>
@@ -4030,7 +3969,7 @@
           </a:prstGeom>
         </p:spPr>
         <p:txBody>
-          <a:bodyPr anchorCtr="0" anchor="ctr" bIns="91425" lIns="91425" spcFirstLastPara="1" rIns="91425" wrap="square" tIns="91425"/>
+          <a:bodyPr spcFirstLastPara="1" wrap="square" lIns="91425" tIns="91425" rIns="91425" bIns="91425" anchor="ctr" anchorCtr="0"/>
           <a:lstStyle>
             <a:lvl1pPr lvl="0">
               <a:spcBef>
@@ -4132,15 +4071,19 @@
               <a:defRPr/>
             </a:lvl9pPr>
           </a:lstStyle>
-          <a:p/>
+          <a:p>
+            <a:endParaRPr/>
+          </a:p>
         </p:txBody>
       </p:sp>
       <p:sp>
         <p:nvSpPr>
           <p:cNvPr id="40" name="Google Shape;40;p3"/>
-          <p:cNvSpPr txBox="1"/>
+          <p:cNvSpPr txBox="1">
+            <a:spLocks noGrp="1"/>
+          </p:cNvSpPr>
           <p:nvPr>
-            <p:ph idx="12" type="sldNum"/>
+            <p:ph type="sldNum" idx="12"/>
           </p:nvPr>
         </p:nvSpPr>
         <p:spPr>
@@ -4153,7 +4096,7 @@
           </a:prstGeom>
         </p:spPr>
         <p:txBody>
-          <a:bodyPr anchorCtr="0" anchor="ctr" bIns="91425" lIns="91425" spcFirstLastPara="1" rIns="91425" wrap="square" tIns="91425">
+          <a:bodyPr spcFirstLastPara="1" wrap="square" lIns="91425" tIns="91425" rIns="91425" bIns="91425" anchor="ctr" anchorCtr="0">
             <a:noAutofit/>
           </a:bodyPr>
           <a:lstStyle>
@@ -4195,7 +4138,7 @@
             </a:lvl9pPr>
           </a:lstStyle>
           <a:p>
-            <a:pPr indent="0" lvl="0" marL="0" rtl="0" algn="r">
+            <a:pPr marL="0" lvl="0" indent="0" algn="r" rtl="0">
               <a:spcBef>
                 <a:spcPts val="0"/>
               </a:spcBef>
@@ -4221,11 +4164,11 @@
 </file>
 
 <file path=ppt/slideLayouts/slideLayout3.xml><?xml version="1.0" encoding="utf-8"?>
-<p:sldLayout xmlns:a="http://schemas.openxmlformats.org/drawingml/2006/main" xmlns:r="http://schemas.openxmlformats.org/officeDocument/2006/relationships" xmlns:mc="http://schemas.openxmlformats.org/markup-compatibility/2006" xmlns:mv="urn:schemas-microsoft-com:mac:vml" xmlns:p="http://schemas.openxmlformats.org/presentationml/2006/main" xmlns:c="http://schemas.openxmlformats.org/drawingml/2006/chart" xmlns:dgm="http://schemas.openxmlformats.org/drawingml/2006/diagram" xmlns:o="urn:schemas-microsoft-com:office:office" xmlns:v="urn:schemas-microsoft-com:vml" xmlns:pvml="urn:schemas-microsoft-com:office:powerpoint" xmlns:com="http://schemas.openxmlformats.org/drawingml/2006/compatibility" xmlns:p14="http://schemas.microsoft.com/office/powerpoint/2010/main" xmlns:p15="http://schemas.microsoft.com/office/powerpoint/2012/main" matchingName="Title and body" type="tx">
+<p:sldLayout xmlns:a="http://schemas.openxmlformats.org/drawingml/2006/main" xmlns:r="http://schemas.openxmlformats.org/officeDocument/2006/relationships" xmlns:p="http://schemas.openxmlformats.org/presentationml/2006/main" matchingName="Title and body" type="tx">
   <p:cSld name="TITLE_AND_BODY">
     <p:spTree>
       <p:nvGrpSpPr>
-        <p:cNvPr id="41" name="Shape 41"/>
+        <p:cNvPr id="1" name="Shape 41"/>
         <p:cNvGrpSpPr/>
         <p:nvPr/>
       </p:nvGrpSpPr>
@@ -4264,7 +4207,7 @@
             </a:xfrm>
             <a:prstGeom prst="diagStripe">
               <a:avLst>
-                <a:gd fmla="val 50000" name="adj"/>
+                <a:gd name="adj" fmla="val 50000"/>
               </a:avLst>
             </a:prstGeom>
             <a:solidFill>
@@ -4275,12 +4218,12 @@
             </a:ln>
           </p:spPr>
           <p:txBody>
-            <a:bodyPr anchorCtr="0" anchor="ctr" bIns="91425" lIns="91425" spcFirstLastPara="1" rIns="91425" wrap="square" tIns="91425">
+            <a:bodyPr spcFirstLastPara="1" wrap="square" lIns="91425" tIns="91425" rIns="91425" bIns="91425" anchor="ctr" anchorCtr="0">
               <a:noAutofit/>
             </a:bodyPr>
             <a:lstStyle/>
             <a:p>
-              <a:pPr indent="0" lvl="0" marL="0" rtl="0" algn="l">
+              <a:pPr marL="0" lvl="0" indent="0" algn="l" rtl="0">
                 <a:spcBef>
                   <a:spcPts val="0"/>
                 </a:spcBef>
@@ -4289,9 +4232,6 @@
                 </a:spcAft>
                 <a:buNone/>
               </a:pPr>
-              <a:r>
-                <a:t/>
-              </a:r>
               <a:endParaRPr/>
             </a:p>
           </p:txBody>
@@ -4309,7 +4249,7 @@
             </a:xfrm>
             <a:prstGeom prst="diagStripe">
               <a:avLst>
-                <a:gd fmla="val 50000" name="adj"/>
+                <a:gd name="adj" fmla="val 50000"/>
               </a:avLst>
             </a:prstGeom>
             <a:solidFill>
@@ -4320,12 +4260,12 @@
             </a:ln>
           </p:spPr>
           <p:txBody>
-            <a:bodyPr anchorCtr="0" anchor="ctr" bIns="91425" lIns="91425" spcFirstLastPara="1" rIns="91425" wrap="square" tIns="91425">
+            <a:bodyPr spcFirstLastPara="1" wrap="square" lIns="91425" tIns="91425" rIns="91425" bIns="91425" anchor="ctr" anchorCtr="0">
               <a:noAutofit/>
             </a:bodyPr>
             <a:lstStyle/>
             <a:p>
-              <a:pPr indent="0" lvl="0" marL="0" rtl="0" algn="l">
+              <a:pPr marL="0" lvl="0" indent="0" algn="l" rtl="0">
                 <a:spcBef>
                   <a:spcPts val="0"/>
                 </a:spcBef>
@@ -4334,9 +4274,6 @@
                 </a:spcAft>
                 <a:buNone/>
               </a:pPr>
-              <a:r>
-                <a:t/>
-              </a:r>
               <a:endParaRPr/>
             </a:p>
           </p:txBody>
@@ -4345,7 +4282,9 @@
       <p:sp>
         <p:nvSpPr>
           <p:cNvPr id="45" name="Google Shape;45;p4"/>
-          <p:cNvSpPr txBox="1"/>
+          <p:cNvSpPr txBox="1">
+            <a:spLocks noGrp="1"/>
+          </p:cNvSpPr>
           <p:nvPr>
             <p:ph type="title"/>
           </p:nvPr>
@@ -4360,7 +4299,7 @@
           </a:prstGeom>
         </p:spPr>
         <p:txBody>
-          <a:bodyPr anchorCtr="0" anchor="t" bIns="91425" lIns="91425" spcFirstLastPara="1" rIns="91425" wrap="square" tIns="91425"/>
+          <a:bodyPr spcFirstLastPara="1" wrap="square" lIns="91425" tIns="91425" rIns="91425" bIns="91425" anchor="t" anchorCtr="0"/>
           <a:lstStyle>
             <a:lvl1pPr lvl="0">
               <a:spcBef>
@@ -4462,15 +4401,19 @@
               <a:defRPr sz="2400"/>
             </a:lvl9pPr>
           </a:lstStyle>
-          <a:p/>
+          <a:p>
+            <a:endParaRPr/>
+          </a:p>
         </p:txBody>
       </p:sp>
       <p:sp>
         <p:nvSpPr>
           <p:cNvPr id="46" name="Google Shape;46;p4"/>
-          <p:cNvSpPr txBox="1"/>
+          <p:cNvSpPr txBox="1">
+            <a:spLocks noGrp="1"/>
+          </p:cNvSpPr>
           <p:nvPr>
-            <p:ph idx="1" type="body"/>
+            <p:ph type="body" idx="1"/>
           </p:nvPr>
         </p:nvSpPr>
         <p:spPr>
@@ -4483,9 +4426,9 @@
           </a:prstGeom>
         </p:spPr>
         <p:txBody>
-          <a:bodyPr anchorCtr="0" anchor="t" bIns="91425" lIns="91425" spcFirstLastPara="1" rIns="91425" wrap="square" tIns="91425"/>
+          <a:bodyPr spcFirstLastPara="1" wrap="square" lIns="91425" tIns="91425" rIns="91425" bIns="91425" anchor="t" anchorCtr="0"/>
           <a:lstStyle>
-            <a:lvl1pPr indent="-311150" lvl="0" marL="457200">
+            <a:lvl1pPr marL="457200" lvl="0" indent="-311150">
               <a:spcBef>
                 <a:spcPts val="0"/>
               </a:spcBef>
@@ -4496,7 +4439,7 @@
               <a:buChar char="●"/>
               <a:defRPr/>
             </a:lvl1pPr>
-            <a:lvl2pPr indent="-298450" lvl="1" marL="914400">
+            <a:lvl2pPr marL="914400" lvl="1" indent="-298450">
               <a:spcBef>
                 <a:spcPts val="1600"/>
               </a:spcBef>
@@ -4507,7 +4450,7 @@
               <a:buChar char="○"/>
               <a:defRPr/>
             </a:lvl2pPr>
-            <a:lvl3pPr indent="-298450" lvl="2" marL="1371600">
+            <a:lvl3pPr marL="1371600" lvl="2" indent="-298450">
               <a:spcBef>
                 <a:spcPts val="1600"/>
               </a:spcBef>
@@ -4518,7 +4461,7 @@
               <a:buChar char="■"/>
               <a:defRPr/>
             </a:lvl3pPr>
-            <a:lvl4pPr indent="-298450" lvl="3" marL="1828800">
+            <a:lvl4pPr marL="1828800" lvl="3" indent="-298450">
               <a:spcBef>
                 <a:spcPts val="1600"/>
               </a:spcBef>
@@ -4529,7 +4472,7 @@
               <a:buChar char="●"/>
               <a:defRPr/>
             </a:lvl4pPr>
-            <a:lvl5pPr indent="-298450" lvl="4" marL="2286000">
+            <a:lvl5pPr marL="2286000" lvl="4" indent="-298450">
               <a:spcBef>
                 <a:spcPts val="1600"/>
               </a:spcBef>
@@ -4540,7 +4483,7 @@
               <a:buChar char="○"/>
               <a:defRPr/>
             </a:lvl5pPr>
-            <a:lvl6pPr indent="-298450" lvl="5" marL="2743200">
+            <a:lvl6pPr marL="2743200" lvl="5" indent="-298450">
               <a:spcBef>
                 <a:spcPts val="1600"/>
               </a:spcBef>
@@ -4551,7 +4494,7 @@
               <a:buChar char="■"/>
               <a:defRPr/>
             </a:lvl6pPr>
-            <a:lvl7pPr indent="-298450" lvl="6" marL="3200400">
+            <a:lvl7pPr marL="3200400" lvl="6" indent="-298450">
               <a:spcBef>
                 <a:spcPts val="1600"/>
               </a:spcBef>
@@ -4562,7 +4505,7 @@
               <a:buChar char="●"/>
               <a:defRPr/>
             </a:lvl7pPr>
-            <a:lvl8pPr indent="-298450" lvl="7" marL="3657600">
+            <a:lvl8pPr marL="3657600" lvl="7" indent="-298450">
               <a:spcBef>
                 <a:spcPts val="1600"/>
               </a:spcBef>
@@ -4573,7 +4516,7 @@
               <a:buChar char="○"/>
               <a:defRPr/>
             </a:lvl8pPr>
-            <a:lvl9pPr indent="-298450" lvl="8" marL="4114800">
+            <a:lvl9pPr marL="4114800" lvl="8" indent="-298450">
               <a:spcBef>
                 <a:spcPts val="1600"/>
               </a:spcBef>
@@ -4585,15 +4528,19 @@
               <a:defRPr/>
             </a:lvl9pPr>
           </a:lstStyle>
-          <a:p/>
+          <a:p>
+            <a:endParaRPr/>
+          </a:p>
         </p:txBody>
       </p:sp>
       <p:sp>
         <p:nvSpPr>
           <p:cNvPr id="47" name="Google Shape;47;p4"/>
-          <p:cNvSpPr txBox="1"/>
+          <p:cNvSpPr txBox="1">
+            <a:spLocks noGrp="1"/>
+          </p:cNvSpPr>
           <p:nvPr>
-            <p:ph idx="12" type="sldNum"/>
+            <p:ph type="sldNum" idx="12"/>
           </p:nvPr>
         </p:nvSpPr>
         <p:spPr>
@@ -4606,7 +4553,7 @@
           </a:prstGeom>
         </p:spPr>
         <p:txBody>
-          <a:bodyPr anchorCtr="0" anchor="ctr" bIns="91425" lIns="91425" spcFirstLastPara="1" rIns="91425" wrap="square" tIns="91425">
+          <a:bodyPr spcFirstLastPara="1" wrap="square" lIns="91425" tIns="91425" rIns="91425" bIns="91425" anchor="ctr" anchorCtr="0">
             <a:noAutofit/>
           </a:bodyPr>
           <a:lstStyle>
@@ -4648,7 +4595,7 @@
             </a:lvl9pPr>
           </a:lstStyle>
           <a:p>
-            <a:pPr indent="0" lvl="0" marL="0" rtl="0" algn="r">
+            <a:pPr marL="0" lvl="0" indent="0" algn="r" rtl="0">
               <a:spcBef>
                 <a:spcPts val="0"/>
               </a:spcBef>
@@ -4674,11 +4621,11 @@
 </file>
 
 <file path=ppt/slideLayouts/slideLayout4.xml><?xml version="1.0" encoding="utf-8"?>
-<p:sldLayout xmlns:a="http://schemas.openxmlformats.org/drawingml/2006/main" xmlns:r="http://schemas.openxmlformats.org/officeDocument/2006/relationships" xmlns:mc="http://schemas.openxmlformats.org/markup-compatibility/2006" xmlns:mv="urn:schemas-microsoft-com:mac:vml" xmlns:p="http://schemas.openxmlformats.org/presentationml/2006/main" xmlns:c="http://schemas.openxmlformats.org/drawingml/2006/chart" xmlns:dgm="http://schemas.openxmlformats.org/drawingml/2006/diagram" xmlns:o="urn:schemas-microsoft-com:office:office" xmlns:v="urn:schemas-microsoft-com:vml" xmlns:pvml="urn:schemas-microsoft-com:office:powerpoint" xmlns:com="http://schemas.openxmlformats.org/drawingml/2006/compatibility" xmlns:p14="http://schemas.microsoft.com/office/powerpoint/2010/main" xmlns:p15="http://schemas.microsoft.com/office/powerpoint/2012/main" matchingName="Title and two columns" type="twoColTx">
+<p:sldLayout xmlns:a="http://schemas.openxmlformats.org/drawingml/2006/main" xmlns:r="http://schemas.openxmlformats.org/officeDocument/2006/relationships" xmlns:p="http://schemas.openxmlformats.org/presentationml/2006/main" matchingName="Title and two columns" type="twoColTx">
   <p:cSld name="TITLE_AND_TWO_COLUMNS">
     <p:spTree>
       <p:nvGrpSpPr>
-        <p:cNvPr id="48" name="Shape 48"/>
+        <p:cNvPr id="1" name="Shape 48"/>
         <p:cNvGrpSpPr/>
         <p:nvPr/>
       </p:nvGrpSpPr>
@@ -4717,7 +4664,7 @@
             </a:xfrm>
             <a:prstGeom prst="diagStripe">
               <a:avLst>
-                <a:gd fmla="val 50000" name="adj"/>
+                <a:gd name="adj" fmla="val 50000"/>
               </a:avLst>
             </a:prstGeom>
             <a:solidFill>
@@ -4728,12 +4675,12 @@
             </a:ln>
           </p:spPr>
           <p:txBody>
-            <a:bodyPr anchorCtr="0" anchor="ctr" bIns="91425" lIns="91425" spcFirstLastPara="1" rIns="91425" wrap="square" tIns="91425">
+            <a:bodyPr spcFirstLastPara="1" wrap="square" lIns="91425" tIns="91425" rIns="91425" bIns="91425" anchor="ctr" anchorCtr="0">
               <a:noAutofit/>
             </a:bodyPr>
             <a:lstStyle/>
             <a:p>
-              <a:pPr indent="0" lvl="0" marL="0" rtl="0" algn="l">
+              <a:pPr marL="0" lvl="0" indent="0" algn="l" rtl="0">
                 <a:spcBef>
                   <a:spcPts val="0"/>
                 </a:spcBef>
@@ -4742,9 +4689,6 @@
                 </a:spcAft>
                 <a:buNone/>
               </a:pPr>
-              <a:r>
-                <a:t/>
-              </a:r>
               <a:endParaRPr/>
             </a:p>
           </p:txBody>
@@ -4762,7 +4706,7 @@
             </a:xfrm>
             <a:prstGeom prst="diagStripe">
               <a:avLst>
-                <a:gd fmla="val 50000" name="adj"/>
+                <a:gd name="adj" fmla="val 50000"/>
               </a:avLst>
             </a:prstGeom>
             <a:solidFill>
@@ -4773,12 +4717,12 @@
             </a:ln>
           </p:spPr>
           <p:txBody>
-            <a:bodyPr anchorCtr="0" anchor="ctr" bIns="91425" lIns="91425" spcFirstLastPara="1" rIns="91425" wrap="square" tIns="91425">
+            <a:bodyPr spcFirstLastPara="1" wrap="square" lIns="91425" tIns="91425" rIns="91425" bIns="91425" anchor="ctr" anchorCtr="0">
               <a:noAutofit/>
             </a:bodyPr>
             <a:lstStyle/>
             <a:p>
-              <a:pPr indent="0" lvl="0" marL="0" rtl="0" algn="l">
+              <a:pPr marL="0" lvl="0" indent="0" algn="l" rtl="0">
                 <a:spcBef>
                   <a:spcPts val="0"/>
                 </a:spcBef>
@@ -4787,9 +4731,6 @@
                 </a:spcAft>
                 <a:buNone/>
               </a:pPr>
-              <a:r>
-                <a:t/>
-              </a:r>
               <a:endParaRPr/>
             </a:p>
           </p:txBody>
@@ -4798,7 +4739,9 @@
       <p:sp>
         <p:nvSpPr>
           <p:cNvPr id="52" name="Google Shape;52;p5"/>
-          <p:cNvSpPr txBox="1"/>
+          <p:cNvSpPr txBox="1">
+            <a:spLocks noGrp="1"/>
+          </p:cNvSpPr>
           <p:nvPr>
             <p:ph type="title"/>
           </p:nvPr>
@@ -4813,7 +4756,7 @@
           </a:prstGeom>
         </p:spPr>
         <p:txBody>
-          <a:bodyPr anchorCtr="0" anchor="t" bIns="91425" lIns="91425" spcFirstLastPara="1" rIns="91425" wrap="square" tIns="91425"/>
+          <a:bodyPr spcFirstLastPara="1" wrap="square" lIns="91425" tIns="91425" rIns="91425" bIns="91425" anchor="t" anchorCtr="0"/>
           <a:lstStyle>
             <a:lvl1pPr lvl="0">
               <a:spcBef>
@@ -4915,15 +4858,19 @@
               <a:defRPr sz="2400"/>
             </a:lvl9pPr>
           </a:lstStyle>
-          <a:p/>
+          <a:p>
+            <a:endParaRPr/>
+          </a:p>
         </p:txBody>
       </p:sp>
       <p:sp>
         <p:nvSpPr>
           <p:cNvPr id="53" name="Google Shape;53;p5"/>
-          <p:cNvSpPr txBox="1"/>
+          <p:cNvSpPr txBox="1">
+            <a:spLocks noGrp="1"/>
+          </p:cNvSpPr>
           <p:nvPr>
-            <p:ph idx="1" type="body"/>
+            <p:ph type="body" idx="1"/>
           </p:nvPr>
         </p:nvSpPr>
         <p:spPr>
@@ -4936,9 +4883,9 @@
           </a:prstGeom>
         </p:spPr>
         <p:txBody>
-          <a:bodyPr anchorCtr="0" anchor="t" bIns="91425" lIns="91425" spcFirstLastPara="1" rIns="91425" wrap="square" tIns="91425"/>
+          <a:bodyPr spcFirstLastPara="1" wrap="square" lIns="91425" tIns="91425" rIns="91425" bIns="91425" anchor="t" anchorCtr="0"/>
           <a:lstStyle>
-            <a:lvl1pPr indent="-311150" lvl="0" marL="457200">
+            <a:lvl1pPr marL="457200" lvl="0" indent="-311150">
               <a:spcBef>
                 <a:spcPts val="0"/>
               </a:spcBef>
@@ -4949,7 +4896,7 @@
               <a:buChar char="●"/>
               <a:defRPr/>
             </a:lvl1pPr>
-            <a:lvl2pPr indent="-298450" lvl="1" marL="914400">
+            <a:lvl2pPr marL="914400" lvl="1" indent="-298450">
               <a:spcBef>
                 <a:spcPts val="1600"/>
               </a:spcBef>
@@ -4960,7 +4907,7 @@
               <a:buChar char="○"/>
               <a:defRPr/>
             </a:lvl2pPr>
-            <a:lvl3pPr indent="-298450" lvl="2" marL="1371600">
+            <a:lvl3pPr marL="1371600" lvl="2" indent="-298450">
               <a:spcBef>
                 <a:spcPts val="1600"/>
               </a:spcBef>
@@ -4971,7 +4918,7 @@
               <a:buChar char="■"/>
               <a:defRPr/>
             </a:lvl3pPr>
-            <a:lvl4pPr indent="-298450" lvl="3" marL="1828800">
+            <a:lvl4pPr marL="1828800" lvl="3" indent="-298450">
               <a:spcBef>
                 <a:spcPts val="1600"/>
               </a:spcBef>
@@ -4982,7 +4929,7 @@
               <a:buChar char="●"/>
               <a:defRPr/>
             </a:lvl4pPr>
-            <a:lvl5pPr indent="-298450" lvl="4" marL="2286000">
+            <a:lvl5pPr marL="2286000" lvl="4" indent="-298450">
               <a:spcBef>
                 <a:spcPts val="1600"/>
               </a:spcBef>
@@ -4993,7 +4940,7 @@
               <a:buChar char="○"/>
               <a:defRPr/>
             </a:lvl5pPr>
-            <a:lvl6pPr indent="-298450" lvl="5" marL="2743200">
+            <a:lvl6pPr marL="2743200" lvl="5" indent="-298450">
               <a:spcBef>
                 <a:spcPts val="1600"/>
               </a:spcBef>
@@ -5004,7 +4951,7 @@
               <a:buChar char="■"/>
               <a:defRPr/>
             </a:lvl6pPr>
-            <a:lvl7pPr indent="-298450" lvl="6" marL="3200400">
+            <a:lvl7pPr marL="3200400" lvl="6" indent="-298450">
               <a:spcBef>
                 <a:spcPts val="1600"/>
               </a:spcBef>
@@ -5015,7 +4962,7 @@
               <a:buChar char="●"/>
               <a:defRPr/>
             </a:lvl7pPr>
-            <a:lvl8pPr indent="-298450" lvl="7" marL="3657600">
+            <a:lvl8pPr marL="3657600" lvl="7" indent="-298450">
               <a:spcBef>
                 <a:spcPts val="1600"/>
               </a:spcBef>
@@ -5026,7 +4973,7 @@
               <a:buChar char="○"/>
               <a:defRPr/>
             </a:lvl8pPr>
-            <a:lvl9pPr indent="-298450" lvl="8" marL="4114800">
+            <a:lvl9pPr marL="4114800" lvl="8" indent="-298450">
               <a:spcBef>
                 <a:spcPts val="1600"/>
               </a:spcBef>
@@ -5038,15 +4985,19 @@
               <a:defRPr/>
             </a:lvl9pPr>
           </a:lstStyle>
-          <a:p/>
+          <a:p>
+            <a:endParaRPr/>
+          </a:p>
         </p:txBody>
       </p:sp>
       <p:sp>
         <p:nvSpPr>
           <p:cNvPr id="54" name="Google Shape;54;p5"/>
-          <p:cNvSpPr txBox="1"/>
+          <p:cNvSpPr txBox="1">
+            <a:spLocks noGrp="1"/>
+          </p:cNvSpPr>
           <p:nvPr>
-            <p:ph idx="2" type="body"/>
+            <p:ph type="body" idx="2"/>
           </p:nvPr>
         </p:nvSpPr>
         <p:spPr>
@@ -5059,9 +5010,9 @@
           </a:prstGeom>
         </p:spPr>
         <p:txBody>
-          <a:bodyPr anchorCtr="0" anchor="t" bIns="91425" lIns="91425" spcFirstLastPara="1" rIns="91425" wrap="square" tIns="91425"/>
+          <a:bodyPr spcFirstLastPara="1" wrap="square" lIns="91425" tIns="91425" rIns="91425" bIns="91425" anchor="t" anchorCtr="0"/>
           <a:lstStyle>
-            <a:lvl1pPr indent="-311150" lvl="0" marL="457200">
+            <a:lvl1pPr marL="457200" lvl="0" indent="-311150">
               <a:spcBef>
                 <a:spcPts val="0"/>
               </a:spcBef>
@@ -5072,7 +5023,7 @@
               <a:buChar char="●"/>
               <a:defRPr/>
             </a:lvl1pPr>
-            <a:lvl2pPr indent="-298450" lvl="1" marL="914400">
+            <a:lvl2pPr marL="914400" lvl="1" indent="-298450">
               <a:spcBef>
                 <a:spcPts val="1600"/>
               </a:spcBef>
@@ -5083,7 +5034,7 @@
               <a:buChar char="○"/>
               <a:defRPr/>
             </a:lvl2pPr>
-            <a:lvl3pPr indent="-298450" lvl="2" marL="1371600">
+            <a:lvl3pPr marL="1371600" lvl="2" indent="-298450">
               <a:spcBef>
                 <a:spcPts val="1600"/>
               </a:spcBef>
@@ -5094,7 +5045,7 @@
               <a:buChar char="■"/>
               <a:defRPr/>
             </a:lvl3pPr>
-            <a:lvl4pPr indent="-298450" lvl="3" marL="1828800">
+            <a:lvl4pPr marL="1828800" lvl="3" indent="-298450">
               <a:spcBef>
                 <a:spcPts val="1600"/>
               </a:spcBef>
@@ -5105,7 +5056,7 @@
               <a:buChar char="●"/>
               <a:defRPr/>
             </a:lvl4pPr>
-            <a:lvl5pPr indent="-298450" lvl="4" marL="2286000">
+            <a:lvl5pPr marL="2286000" lvl="4" indent="-298450">
               <a:spcBef>
                 <a:spcPts val="1600"/>
               </a:spcBef>
@@ -5116,7 +5067,7 @@
               <a:buChar char="○"/>
               <a:defRPr/>
             </a:lvl5pPr>
-            <a:lvl6pPr indent="-298450" lvl="5" marL="2743200">
+            <a:lvl6pPr marL="2743200" lvl="5" indent="-298450">
               <a:spcBef>
                 <a:spcPts val="1600"/>
               </a:spcBef>
@@ -5127,7 +5078,7 @@
               <a:buChar char="■"/>
               <a:defRPr/>
             </a:lvl6pPr>
-            <a:lvl7pPr indent="-298450" lvl="6" marL="3200400">
+            <a:lvl7pPr marL="3200400" lvl="6" indent="-298450">
               <a:spcBef>
                 <a:spcPts val="1600"/>
               </a:spcBef>
@@ -5138,7 +5089,7 @@
               <a:buChar char="●"/>
               <a:defRPr/>
             </a:lvl7pPr>
-            <a:lvl8pPr indent="-298450" lvl="7" marL="3657600">
+            <a:lvl8pPr marL="3657600" lvl="7" indent="-298450">
               <a:spcBef>
                 <a:spcPts val="1600"/>
               </a:spcBef>
@@ -5149,7 +5100,7 @@
               <a:buChar char="○"/>
               <a:defRPr/>
             </a:lvl8pPr>
-            <a:lvl9pPr indent="-298450" lvl="8" marL="4114800">
+            <a:lvl9pPr marL="4114800" lvl="8" indent="-298450">
               <a:spcBef>
                 <a:spcPts val="1600"/>
               </a:spcBef>
@@ -5161,15 +5112,19 @@
               <a:defRPr/>
             </a:lvl9pPr>
           </a:lstStyle>
-          <a:p/>
+          <a:p>
+            <a:endParaRPr/>
+          </a:p>
         </p:txBody>
       </p:sp>
       <p:sp>
         <p:nvSpPr>
           <p:cNvPr id="55" name="Google Shape;55;p5"/>
-          <p:cNvSpPr txBox="1"/>
+          <p:cNvSpPr txBox="1">
+            <a:spLocks noGrp="1"/>
+          </p:cNvSpPr>
           <p:nvPr>
-            <p:ph idx="12" type="sldNum"/>
+            <p:ph type="sldNum" idx="12"/>
           </p:nvPr>
         </p:nvSpPr>
         <p:spPr>
@@ -5182,7 +5137,7 @@
           </a:prstGeom>
         </p:spPr>
         <p:txBody>
-          <a:bodyPr anchorCtr="0" anchor="ctr" bIns="91425" lIns="91425" spcFirstLastPara="1" rIns="91425" wrap="square" tIns="91425">
+          <a:bodyPr spcFirstLastPara="1" wrap="square" lIns="91425" tIns="91425" rIns="91425" bIns="91425" anchor="ctr" anchorCtr="0">
             <a:noAutofit/>
           </a:bodyPr>
           <a:lstStyle>
@@ -5224,7 +5179,7 @@
             </a:lvl9pPr>
           </a:lstStyle>
           <a:p>
-            <a:pPr indent="0" lvl="0" marL="0" rtl="0" algn="r">
+            <a:pPr marL="0" lvl="0" indent="0" algn="r" rtl="0">
               <a:spcBef>
                 <a:spcPts val="0"/>
               </a:spcBef>
@@ -5250,11 +5205,11 @@
 </file>
 
 <file path=ppt/slideLayouts/slideLayout5.xml><?xml version="1.0" encoding="utf-8"?>
-<p:sldLayout xmlns:a="http://schemas.openxmlformats.org/drawingml/2006/main" xmlns:r="http://schemas.openxmlformats.org/officeDocument/2006/relationships" xmlns:mc="http://schemas.openxmlformats.org/markup-compatibility/2006" xmlns:mv="urn:schemas-microsoft-com:mac:vml" xmlns:p="http://schemas.openxmlformats.org/presentationml/2006/main" xmlns:c="http://schemas.openxmlformats.org/drawingml/2006/chart" xmlns:dgm="http://schemas.openxmlformats.org/drawingml/2006/diagram" xmlns:o="urn:schemas-microsoft-com:office:office" xmlns:v="urn:schemas-microsoft-com:vml" xmlns:pvml="urn:schemas-microsoft-com:office:powerpoint" xmlns:com="http://schemas.openxmlformats.org/drawingml/2006/compatibility" xmlns:p14="http://schemas.microsoft.com/office/powerpoint/2010/main" xmlns:p15="http://schemas.microsoft.com/office/powerpoint/2012/main" matchingName="Title only" type="titleOnly">
+<p:sldLayout xmlns:a="http://schemas.openxmlformats.org/drawingml/2006/main" xmlns:r="http://schemas.openxmlformats.org/officeDocument/2006/relationships" xmlns:p="http://schemas.openxmlformats.org/presentationml/2006/main" matchingName="Title only" type="titleOnly">
   <p:cSld name="TITLE_ONLY">
     <p:spTree>
       <p:nvGrpSpPr>
-        <p:cNvPr id="56" name="Shape 56"/>
+        <p:cNvPr id="1" name="Shape 56"/>
         <p:cNvGrpSpPr/>
         <p:nvPr/>
       </p:nvGrpSpPr>
@@ -5293,7 +5248,7 @@
             </a:xfrm>
             <a:prstGeom prst="diagStripe">
               <a:avLst>
-                <a:gd fmla="val 50000" name="adj"/>
+                <a:gd name="adj" fmla="val 50000"/>
               </a:avLst>
             </a:prstGeom>
             <a:solidFill>
@@ -5304,12 +5259,12 @@
             </a:ln>
           </p:spPr>
           <p:txBody>
-            <a:bodyPr anchorCtr="0" anchor="ctr" bIns="91425" lIns="91425" spcFirstLastPara="1" rIns="91425" wrap="square" tIns="91425">
+            <a:bodyPr spcFirstLastPara="1" wrap="square" lIns="91425" tIns="91425" rIns="91425" bIns="91425" anchor="ctr" anchorCtr="0">
               <a:noAutofit/>
             </a:bodyPr>
             <a:lstStyle/>
             <a:p>
-              <a:pPr indent="0" lvl="0" marL="0" rtl="0" algn="l">
+              <a:pPr marL="0" lvl="0" indent="0" algn="l" rtl="0">
                 <a:spcBef>
                   <a:spcPts val="0"/>
                 </a:spcBef>
@@ -5318,9 +5273,6 @@
                 </a:spcAft>
                 <a:buNone/>
               </a:pPr>
-              <a:r>
-                <a:t/>
-              </a:r>
               <a:endParaRPr/>
             </a:p>
           </p:txBody>
@@ -5338,7 +5290,7 @@
             </a:xfrm>
             <a:prstGeom prst="diagStripe">
               <a:avLst>
-                <a:gd fmla="val 50000" name="adj"/>
+                <a:gd name="adj" fmla="val 50000"/>
               </a:avLst>
             </a:prstGeom>
             <a:solidFill>
@@ -5349,12 +5301,12 @@
             </a:ln>
           </p:spPr>
           <p:txBody>
-            <a:bodyPr anchorCtr="0" anchor="ctr" bIns="91425" lIns="91425" spcFirstLastPara="1" rIns="91425" wrap="square" tIns="91425">
+            <a:bodyPr spcFirstLastPara="1" wrap="square" lIns="91425" tIns="91425" rIns="91425" bIns="91425" anchor="ctr" anchorCtr="0">
               <a:noAutofit/>
             </a:bodyPr>
             <a:lstStyle/>
             <a:p>
-              <a:pPr indent="0" lvl="0" marL="0" rtl="0" algn="l">
+              <a:pPr marL="0" lvl="0" indent="0" algn="l" rtl="0">
                 <a:spcBef>
                   <a:spcPts val="0"/>
                 </a:spcBef>
@@ -5363,9 +5315,6 @@
                 </a:spcAft>
                 <a:buNone/>
               </a:pPr>
-              <a:r>
-                <a:t/>
-              </a:r>
               <a:endParaRPr/>
             </a:p>
           </p:txBody>
@@ -5374,7 +5323,9 @@
       <p:sp>
         <p:nvSpPr>
           <p:cNvPr id="60" name="Google Shape;60;p6"/>
-          <p:cNvSpPr txBox="1"/>
+          <p:cNvSpPr txBox="1">
+            <a:spLocks noGrp="1"/>
+          </p:cNvSpPr>
           <p:nvPr>
             <p:ph type="title"/>
           </p:nvPr>
@@ -5389,7 +5340,7 @@
           </a:prstGeom>
         </p:spPr>
         <p:txBody>
-          <a:bodyPr anchorCtr="0" anchor="t" bIns="91425" lIns="91425" spcFirstLastPara="1" rIns="91425" wrap="square" tIns="91425"/>
+          <a:bodyPr spcFirstLastPara="1" wrap="square" lIns="91425" tIns="91425" rIns="91425" bIns="91425" anchor="t" anchorCtr="0"/>
           <a:lstStyle>
             <a:lvl1pPr lvl="0">
               <a:spcBef>
@@ -5491,15 +5442,19 @@
               <a:defRPr sz="2400"/>
             </a:lvl9pPr>
           </a:lstStyle>
-          <a:p/>
+          <a:p>
+            <a:endParaRPr/>
+          </a:p>
         </p:txBody>
       </p:sp>
       <p:sp>
         <p:nvSpPr>
           <p:cNvPr id="61" name="Google Shape;61;p6"/>
-          <p:cNvSpPr txBox="1"/>
+          <p:cNvSpPr txBox="1">
+            <a:spLocks noGrp="1"/>
+          </p:cNvSpPr>
           <p:nvPr>
-            <p:ph idx="12" type="sldNum"/>
+            <p:ph type="sldNum" idx="12"/>
           </p:nvPr>
         </p:nvSpPr>
         <p:spPr>
@@ -5512,7 +5467,7 @@
           </a:prstGeom>
         </p:spPr>
         <p:txBody>
-          <a:bodyPr anchorCtr="0" anchor="ctr" bIns="91425" lIns="91425" spcFirstLastPara="1" rIns="91425" wrap="square" tIns="91425">
+          <a:bodyPr spcFirstLastPara="1" wrap="square" lIns="91425" tIns="91425" rIns="91425" bIns="91425" anchor="ctr" anchorCtr="0">
             <a:noAutofit/>
           </a:bodyPr>
           <a:lstStyle>
@@ -5554,7 +5509,7 @@
             </a:lvl9pPr>
           </a:lstStyle>
           <a:p>
-            <a:pPr indent="0" lvl="0" marL="0" rtl="0" algn="r">
+            <a:pPr marL="0" lvl="0" indent="0" algn="r" rtl="0">
               <a:spcBef>
                 <a:spcPts val="0"/>
               </a:spcBef>
@@ -5580,11 +5535,11 @@
 </file>
 
 <file path=ppt/slideLayouts/slideLayout6.xml><?xml version="1.0" encoding="utf-8"?>
-<p:sldLayout xmlns:a="http://schemas.openxmlformats.org/drawingml/2006/main" xmlns:r="http://schemas.openxmlformats.org/officeDocument/2006/relationships" xmlns:mc="http://schemas.openxmlformats.org/markup-compatibility/2006" xmlns:mv="urn:schemas-microsoft-com:mac:vml" xmlns:p="http://schemas.openxmlformats.org/presentationml/2006/main" xmlns:c="http://schemas.openxmlformats.org/drawingml/2006/chart" xmlns:dgm="http://schemas.openxmlformats.org/drawingml/2006/diagram" xmlns:o="urn:schemas-microsoft-com:office:office" xmlns:v="urn:schemas-microsoft-com:vml" xmlns:pvml="urn:schemas-microsoft-com:office:powerpoint" xmlns:com="http://schemas.openxmlformats.org/drawingml/2006/compatibility" xmlns:p14="http://schemas.microsoft.com/office/powerpoint/2010/main" xmlns:p15="http://schemas.microsoft.com/office/powerpoint/2012/main" matchingName="One column text">
+<p:sldLayout xmlns:a="http://schemas.openxmlformats.org/drawingml/2006/main" xmlns:r="http://schemas.openxmlformats.org/officeDocument/2006/relationships" xmlns:p="http://schemas.openxmlformats.org/presentationml/2006/main" matchingName="One column text">
   <p:cSld name="ONE_COLUMN_TEXT">
     <p:spTree>
       <p:nvGrpSpPr>
-        <p:cNvPr id="62" name="Shape 62"/>
+        <p:cNvPr id="1" name="Shape 62"/>
         <p:cNvGrpSpPr/>
         <p:nvPr/>
       </p:nvGrpSpPr>
@@ -5623,7 +5578,7 @@
             </a:xfrm>
             <a:prstGeom prst="diagStripe">
               <a:avLst>
-                <a:gd fmla="val 50000" name="adj"/>
+                <a:gd name="adj" fmla="val 50000"/>
               </a:avLst>
             </a:prstGeom>
             <a:solidFill>
@@ -5634,12 +5589,12 @@
             </a:ln>
           </p:spPr>
           <p:txBody>
-            <a:bodyPr anchorCtr="0" anchor="ctr" bIns="91425" lIns="91425" spcFirstLastPara="1" rIns="91425" wrap="square" tIns="91425">
+            <a:bodyPr spcFirstLastPara="1" wrap="square" lIns="91425" tIns="91425" rIns="91425" bIns="91425" anchor="ctr" anchorCtr="0">
               <a:noAutofit/>
             </a:bodyPr>
             <a:lstStyle/>
             <a:p>
-              <a:pPr indent="0" lvl="0" marL="0" rtl="0" algn="l">
+              <a:pPr marL="0" lvl="0" indent="0" algn="l" rtl="0">
                 <a:spcBef>
                   <a:spcPts val="0"/>
                 </a:spcBef>
@@ -5648,9 +5603,6 @@
                 </a:spcAft>
                 <a:buNone/>
               </a:pPr>
-              <a:r>
-                <a:t/>
-              </a:r>
               <a:endParaRPr/>
             </a:p>
           </p:txBody>
@@ -5668,7 +5620,7 @@
             </a:xfrm>
             <a:prstGeom prst="diagStripe">
               <a:avLst>
-                <a:gd fmla="val 50000" name="adj"/>
+                <a:gd name="adj" fmla="val 50000"/>
               </a:avLst>
             </a:prstGeom>
             <a:solidFill>
@@ -5679,12 +5631,12 @@
             </a:ln>
           </p:spPr>
           <p:txBody>
-            <a:bodyPr anchorCtr="0" anchor="ctr" bIns="91425" lIns="91425" spcFirstLastPara="1" rIns="91425" wrap="square" tIns="91425">
+            <a:bodyPr spcFirstLastPara="1" wrap="square" lIns="91425" tIns="91425" rIns="91425" bIns="91425" anchor="ctr" anchorCtr="0">
               <a:noAutofit/>
             </a:bodyPr>
             <a:lstStyle/>
             <a:p>
-              <a:pPr indent="0" lvl="0" marL="0" rtl="0" algn="l">
+              <a:pPr marL="0" lvl="0" indent="0" algn="l" rtl="0">
                 <a:spcBef>
                   <a:spcPts val="0"/>
                 </a:spcBef>
@@ -5693,9 +5645,6 @@
                 </a:spcAft>
                 <a:buNone/>
               </a:pPr>
-              <a:r>
-                <a:t/>
-              </a:r>
               <a:endParaRPr/>
             </a:p>
           </p:txBody>
@@ -5704,7 +5653,9 @@
       <p:sp>
         <p:nvSpPr>
           <p:cNvPr id="66" name="Google Shape;66;p7"/>
-          <p:cNvSpPr txBox="1"/>
+          <p:cNvSpPr txBox="1">
+            <a:spLocks noGrp="1"/>
+          </p:cNvSpPr>
           <p:nvPr>
             <p:ph type="title"/>
           </p:nvPr>
@@ -5719,7 +5670,7 @@
           </a:prstGeom>
         </p:spPr>
         <p:txBody>
-          <a:bodyPr anchorCtr="0" anchor="t" bIns="91425" lIns="91425" spcFirstLastPara="1" rIns="91425" wrap="square" tIns="91425"/>
+          <a:bodyPr spcFirstLastPara="1" wrap="square" lIns="91425" tIns="91425" rIns="91425" bIns="91425" anchor="t" anchorCtr="0"/>
           <a:lstStyle>
             <a:lvl1pPr lvl="0">
               <a:spcBef>
@@ -5821,15 +5772,19 @@
               <a:defRPr sz="2400"/>
             </a:lvl9pPr>
           </a:lstStyle>
-          <a:p/>
+          <a:p>
+            <a:endParaRPr/>
+          </a:p>
         </p:txBody>
       </p:sp>
       <p:sp>
         <p:nvSpPr>
           <p:cNvPr id="67" name="Google Shape;67;p7"/>
-          <p:cNvSpPr txBox="1"/>
+          <p:cNvSpPr txBox="1">
+            <a:spLocks noGrp="1"/>
+          </p:cNvSpPr>
           <p:nvPr>
-            <p:ph idx="1" type="body"/>
+            <p:ph type="body" idx="1"/>
           </p:nvPr>
         </p:nvSpPr>
         <p:spPr>
@@ -5842,9 +5797,9 @@
           </a:prstGeom>
         </p:spPr>
         <p:txBody>
-          <a:bodyPr anchorCtr="0" anchor="t" bIns="91425" lIns="91425" spcFirstLastPara="1" rIns="91425" wrap="square" tIns="91425"/>
+          <a:bodyPr spcFirstLastPara="1" wrap="square" lIns="91425" tIns="91425" rIns="91425" bIns="91425" anchor="t" anchorCtr="0"/>
           <a:lstStyle>
-            <a:lvl1pPr indent="-311150" lvl="0" marL="457200">
+            <a:lvl1pPr marL="457200" lvl="0" indent="-311150">
               <a:spcBef>
                 <a:spcPts val="0"/>
               </a:spcBef>
@@ -5855,7 +5810,7 @@
               <a:buChar char="●"/>
               <a:defRPr/>
             </a:lvl1pPr>
-            <a:lvl2pPr indent="-298450" lvl="1" marL="914400">
+            <a:lvl2pPr marL="914400" lvl="1" indent="-298450">
               <a:spcBef>
                 <a:spcPts val="1600"/>
               </a:spcBef>
@@ -5866,7 +5821,7 @@
               <a:buChar char="○"/>
               <a:defRPr/>
             </a:lvl2pPr>
-            <a:lvl3pPr indent="-298450" lvl="2" marL="1371600">
+            <a:lvl3pPr marL="1371600" lvl="2" indent="-298450">
               <a:spcBef>
                 <a:spcPts val="1600"/>
               </a:spcBef>
@@ -5877,7 +5832,7 @@
               <a:buChar char="■"/>
               <a:defRPr/>
             </a:lvl3pPr>
-            <a:lvl4pPr indent="-298450" lvl="3" marL="1828800">
+            <a:lvl4pPr marL="1828800" lvl="3" indent="-298450">
               <a:spcBef>
                 <a:spcPts val="1600"/>
               </a:spcBef>
@@ -5888,7 +5843,7 @@
               <a:buChar char="●"/>
               <a:defRPr/>
             </a:lvl4pPr>
-            <a:lvl5pPr indent="-298450" lvl="4" marL="2286000">
+            <a:lvl5pPr marL="2286000" lvl="4" indent="-298450">
               <a:spcBef>
                 <a:spcPts val="1600"/>
               </a:spcBef>
@@ -5899,7 +5854,7 @@
               <a:buChar char="○"/>
               <a:defRPr/>
             </a:lvl5pPr>
-            <a:lvl6pPr indent="-298450" lvl="5" marL="2743200">
+            <a:lvl6pPr marL="2743200" lvl="5" indent="-298450">
               <a:spcBef>
                 <a:spcPts val="1600"/>
               </a:spcBef>
@@ -5910,7 +5865,7 @@
               <a:buChar char="■"/>
               <a:defRPr/>
             </a:lvl6pPr>
-            <a:lvl7pPr indent="-298450" lvl="6" marL="3200400">
+            <a:lvl7pPr marL="3200400" lvl="6" indent="-298450">
               <a:spcBef>
                 <a:spcPts val="1600"/>
               </a:spcBef>
@@ -5921,7 +5876,7 @@
               <a:buChar char="●"/>
               <a:defRPr/>
             </a:lvl7pPr>
-            <a:lvl8pPr indent="-298450" lvl="7" marL="3657600">
+            <a:lvl8pPr marL="3657600" lvl="7" indent="-298450">
               <a:spcBef>
                 <a:spcPts val="1600"/>
               </a:spcBef>
@@ -5932,7 +5887,7 @@
               <a:buChar char="○"/>
               <a:defRPr/>
             </a:lvl8pPr>
-            <a:lvl9pPr indent="-298450" lvl="8" marL="4114800">
+            <a:lvl9pPr marL="4114800" lvl="8" indent="-298450">
               <a:spcBef>
                 <a:spcPts val="1600"/>
               </a:spcBef>
@@ -5944,15 +5899,19 @@
               <a:defRPr/>
             </a:lvl9pPr>
           </a:lstStyle>
-          <a:p/>
+          <a:p>
+            <a:endParaRPr/>
+          </a:p>
         </p:txBody>
       </p:sp>
       <p:sp>
         <p:nvSpPr>
           <p:cNvPr id="68" name="Google Shape;68;p7"/>
-          <p:cNvSpPr txBox="1"/>
+          <p:cNvSpPr txBox="1">
+            <a:spLocks noGrp="1"/>
+          </p:cNvSpPr>
           <p:nvPr>
-            <p:ph idx="12" type="sldNum"/>
+            <p:ph type="sldNum" idx="12"/>
           </p:nvPr>
         </p:nvSpPr>
         <p:spPr>
@@ -5965,7 +5924,7 @@
           </a:prstGeom>
         </p:spPr>
         <p:txBody>
-          <a:bodyPr anchorCtr="0" anchor="ctr" bIns="91425" lIns="91425" spcFirstLastPara="1" rIns="91425" wrap="square" tIns="91425">
+          <a:bodyPr spcFirstLastPara="1" wrap="square" lIns="91425" tIns="91425" rIns="91425" bIns="91425" anchor="ctr" anchorCtr="0">
             <a:noAutofit/>
           </a:bodyPr>
           <a:lstStyle>
@@ -6007,7 +5966,7 @@
             </a:lvl9pPr>
           </a:lstStyle>
           <a:p>
-            <a:pPr indent="0" lvl="0" marL="0" rtl="0" algn="r">
+            <a:pPr marL="0" lvl="0" indent="0" algn="r" rtl="0">
               <a:spcBef>
                 <a:spcPts val="0"/>
               </a:spcBef>
@@ -6033,11 +5992,11 @@
 </file>
 
 <file path=ppt/slideLayouts/slideLayout7.xml><?xml version="1.0" encoding="utf-8"?>
-<p:sldLayout xmlns:a="http://schemas.openxmlformats.org/drawingml/2006/main" xmlns:r="http://schemas.openxmlformats.org/officeDocument/2006/relationships" xmlns:mc="http://schemas.openxmlformats.org/markup-compatibility/2006" xmlns:mv="urn:schemas-microsoft-com:mac:vml" xmlns:p="http://schemas.openxmlformats.org/presentationml/2006/main" xmlns:c="http://schemas.openxmlformats.org/drawingml/2006/chart" xmlns:dgm="http://schemas.openxmlformats.org/drawingml/2006/diagram" xmlns:o="urn:schemas-microsoft-com:office:office" xmlns:v="urn:schemas-microsoft-com:vml" xmlns:pvml="urn:schemas-microsoft-com:office:powerpoint" xmlns:com="http://schemas.openxmlformats.org/drawingml/2006/compatibility" xmlns:p14="http://schemas.microsoft.com/office/powerpoint/2010/main" xmlns:p15="http://schemas.microsoft.com/office/powerpoint/2012/main" matchingName="Main point">
+<p:sldLayout xmlns:a="http://schemas.openxmlformats.org/drawingml/2006/main" xmlns:r="http://schemas.openxmlformats.org/officeDocument/2006/relationships" xmlns:p="http://schemas.openxmlformats.org/presentationml/2006/main" matchingName="Main point">
   <p:cSld name="MAIN_POINT">
     <p:spTree>
       <p:nvGrpSpPr>
-        <p:cNvPr id="69" name="Shape 69"/>
+        <p:cNvPr id="1" name="Shape 69"/>
         <p:cNvGrpSpPr/>
         <p:nvPr/>
       </p:nvGrpSpPr>
@@ -6076,7 +6035,7 @@
             </a:xfrm>
             <a:prstGeom prst="diagStripe">
               <a:avLst>
-                <a:gd fmla="val 49469" name="adj"/>
+                <a:gd name="adj" fmla="val 49469"/>
               </a:avLst>
             </a:prstGeom>
             <a:solidFill>
@@ -6089,12 +6048,12 @@
             </a:ln>
           </p:spPr>
           <p:txBody>
-            <a:bodyPr anchorCtr="0" anchor="ctr" bIns="91425" lIns="91425" spcFirstLastPara="1" rIns="91425" wrap="square" tIns="91425">
+            <a:bodyPr spcFirstLastPara="1" wrap="square" lIns="91425" tIns="91425" rIns="91425" bIns="91425" anchor="ctr" anchorCtr="0">
               <a:noAutofit/>
             </a:bodyPr>
             <a:lstStyle/>
             <a:p>
-              <a:pPr indent="0" lvl="0" marL="0" rtl="0" algn="l">
+              <a:pPr marL="0" lvl="0" indent="0" algn="l" rtl="0">
                 <a:spcBef>
                   <a:spcPts val="0"/>
                 </a:spcBef>
@@ -6103,9 +6062,6 @@
                 </a:spcAft>
                 <a:buNone/>
               </a:pPr>
-              <a:r>
-                <a:t/>
-              </a:r>
               <a:endParaRPr/>
             </a:p>
           </p:txBody>
@@ -6123,7 +6079,7 @@
             </a:xfrm>
             <a:prstGeom prst="diagStripe">
               <a:avLst>
-                <a:gd fmla="val 0" name="adj"/>
+                <a:gd name="adj" fmla="val 0"/>
               </a:avLst>
             </a:prstGeom>
             <a:solidFill>
@@ -6136,12 +6092,12 @@
             </a:ln>
           </p:spPr>
           <p:txBody>
-            <a:bodyPr anchorCtr="0" anchor="ctr" bIns="91425" lIns="91425" spcFirstLastPara="1" rIns="91425" wrap="square" tIns="91425">
+            <a:bodyPr spcFirstLastPara="1" wrap="square" lIns="91425" tIns="91425" rIns="91425" bIns="91425" anchor="ctr" anchorCtr="0">
               <a:noAutofit/>
             </a:bodyPr>
             <a:lstStyle/>
             <a:p>
-              <a:pPr indent="0" lvl="0" marL="0" rtl="0" algn="l">
+              <a:pPr marL="0" lvl="0" indent="0" algn="l" rtl="0">
                 <a:spcBef>
                   <a:spcPts val="0"/>
                 </a:spcBef>
@@ -6150,9 +6106,6 @@
                 </a:spcAft>
                 <a:buNone/>
               </a:pPr>
-              <a:r>
-                <a:t/>
-              </a:r>
               <a:endParaRPr/>
             </a:p>
           </p:txBody>
@@ -6170,7 +6123,7 @@
             </a:xfrm>
             <a:prstGeom prst="diagStripe">
               <a:avLst>
-                <a:gd fmla="val 50000" name="adj"/>
+                <a:gd name="adj" fmla="val 50000"/>
               </a:avLst>
             </a:prstGeom>
             <a:solidFill>
@@ -6183,12 +6136,12 @@
             </a:ln>
           </p:spPr>
           <p:txBody>
-            <a:bodyPr anchorCtr="0" anchor="ctr" bIns="91425" lIns="91425" spcFirstLastPara="1" rIns="91425" wrap="square" tIns="91425">
+            <a:bodyPr spcFirstLastPara="1" wrap="square" lIns="91425" tIns="91425" rIns="91425" bIns="91425" anchor="ctr" anchorCtr="0">
               <a:noAutofit/>
             </a:bodyPr>
             <a:lstStyle/>
             <a:p>
-              <a:pPr indent="0" lvl="0" marL="0" rtl="0" algn="l">
+              <a:pPr marL="0" lvl="0" indent="0" algn="l" rtl="0">
                 <a:spcBef>
                   <a:spcPts val="0"/>
                 </a:spcBef>
@@ -6197,9 +6150,6 @@
                 </a:spcAft>
                 <a:buNone/>
               </a:pPr>
-              <a:r>
-                <a:t/>
-              </a:r>
               <a:endParaRPr/>
             </a:p>
           </p:txBody>
@@ -6217,7 +6167,7 @@
             </a:xfrm>
             <a:prstGeom prst="diagStripe">
               <a:avLst>
-                <a:gd fmla="val 50000" name="adj"/>
+                <a:gd name="adj" fmla="val 50000"/>
               </a:avLst>
             </a:prstGeom>
             <a:solidFill>
@@ -6230,12 +6180,12 @@
             </a:ln>
           </p:spPr>
           <p:txBody>
-            <a:bodyPr anchorCtr="0" anchor="ctr" bIns="91425" lIns="91425" spcFirstLastPara="1" rIns="91425" wrap="square" tIns="91425">
+            <a:bodyPr spcFirstLastPara="1" wrap="square" lIns="91425" tIns="91425" rIns="91425" bIns="91425" anchor="ctr" anchorCtr="0">
               <a:noAutofit/>
             </a:bodyPr>
             <a:lstStyle/>
             <a:p>
-              <a:pPr indent="0" lvl="0" marL="0" rtl="0" algn="l">
+              <a:pPr marL="0" lvl="0" indent="0" algn="l" rtl="0">
                 <a:spcBef>
                   <a:spcPts val="0"/>
                 </a:spcBef>
@@ -6244,9 +6194,6 @@
                 </a:spcAft>
                 <a:buNone/>
               </a:pPr>
-              <a:r>
-                <a:t/>
-              </a:r>
               <a:endParaRPr/>
             </a:p>
           </p:txBody>
@@ -6264,7 +6211,7 @@
             </a:xfrm>
             <a:prstGeom prst="diagStripe">
               <a:avLst>
-                <a:gd fmla="val 50000" name="adj"/>
+                <a:gd name="adj" fmla="val 50000"/>
               </a:avLst>
             </a:prstGeom>
             <a:solidFill>
@@ -6277,12 +6224,12 @@
             </a:ln>
           </p:spPr>
           <p:txBody>
-            <a:bodyPr anchorCtr="0" anchor="ctr" bIns="91425" lIns="91425" spcFirstLastPara="1" rIns="91425" wrap="square" tIns="91425">
+            <a:bodyPr spcFirstLastPara="1" wrap="square" lIns="91425" tIns="91425" rIns="91425" bIns="91425" anchor="ctr" anchorCtr="0">
               <a:noAutofit/>
             </a:bodyPr>
             <a:lstStyle/>
             <a:p>
-              <a:pPr indent="0" lvl="0" marL="0" rtl="0" algn="l">
+              <a:pPr marL="0" lvl="0" indent="0" algn="l" rtl="0">
                 <a:spcBef>
                   <a:spcPts val="0"/>
                 </a:spcBef>
@@ -6291,9 +6238,6 @@
                 </a:spcAft>
                 <a:buNone/>
               </a:pPr>
-              <a:r>
-                <a:t/>
-              </a:r>
               <a:endParaRPr/>
             </a:p>
           </p:txBody>
@@ -6311,7 +6255,7 @@
             </a:xfrm>
             <a:prstGeom prst="diagStripe">
               <a:avLst>
-                <a:gd fmla="val 50000" name="adj"/>
+                <a:gd name="adj" fmla="val 50000"/>
               </a:avLst>
             </a:prstGeom>
             <a:solidFill>
@@ -6324,12 +6268,12 @@
             </a:ln>
           </p:spPr>
           <p:txBody>
-            <a:bodyPr anchorCtr="0" anchor="ctr" bIns="91425" lIns="91425" spcFirstLastPara="1" rIns="91425" wrap="square" tIns="91425">
+            <a:bodyPr spcFirstLastPara="1" wrap="square" lIns="91425" tIns="91425" rIns="91425" bIns="91425" anchor="ctr" anchorCtr="0">
               <a:noAutofit/>
             </a:bodyPr>
             <a:lstStyle/>
             <a:p>
-              <a:pPr indent="0" lvl="0" marL="0" rtl="0" algn="l">
+              <a:pPr marL="0" lvl="0" indent="0" algn="l" rtl="0">
                 <a:spcBef>
                   <a:spcPts val="0"/>
                 </a:spcBef>
@@ -6338,9 +6282,6 @@
                 </a:spcAft>
                 <a:buNone/>
               </a:pPr>
-              <a:r>
-                <a:t/>
-              </a:r>
               <a:endParaRPr/>
             </a:p>
           </p:txBody>
@@ -6358,7 +6299,7 @@
             </a:xfrm>
             <a:prstGeom prst="diagStripe">
               <a:avLst>
-                <a:gd fmla="val 50000" name="adj"/>
+                <a:gd name="adj" fmla="val 50000"/>
               </a:avLst>
             </a:prstGeom>
             <a:solidFill>
@@ -6371,12 +6312,12 @@
             </a:ln>
           </p:spPr>
           <p:txBody>
-            <a:bodyPr anchorCtr="0" anchor="ctr" bIns="91425" lIns="91425" spcFirstLastPara="1" rIns="91425" wrap="square" tIns="91425">
+            <a:bodyPr spcFirstLastPara="1" wrap="square" lIns="91425" tIns="91425" rIns="91425" bIns="91425" anchor="ctr" anchorCtr="0">
               <a:noAutofit/>
             </a:bodyPr>
             <a:lstStyle/>
             <a:p>
-              <a:pPr indent="0" lvl="0" marL="0" rtl="0" algn="l">
+              <a:pPr marL="0" lvl="0" indent="0" algn="l" rtl="0">
                 <a:spcBef>
                   <a:spcPts val="0"/>
                 </a:spcBef>
@@ -6385,9 +6326,6 @@
                 </a:spcAft>
                 <a:buNone/>
               </a:pPr>
-              <a:r>
-                <a:t/>
-              </a:r>
               <a:endParaRPr/>
             </a:p>
           </p:txBody>
@@ -6405,7 +6343,7 @@
             </a:xfrm>
             <a:prstGeom prst="diagStripe">
               <a:avLst>
-                <a:gd fmla="val 50000" name="adj"/>
+                <a:gd name="adj" fmla="val 50000"/>
               </a:avLst>
             </a:prstGeom>
             <a:solidFill>
@@ -6416,12 +6354,12 @@
             </a:ln>
           </p:spPr>
           <p:txBody>
-            <a:bodyPr anchorCtr="0" anchor="ctr" bIns="91425" lIns="91425" spcFirstLastPara="1" rIns="91425" wrap="square" tIns="91425">
+            <a:bodyPr spcFirstLastPara="1" wrap="square" lIns="91425" tIns="91425" rIns="91425" bIns="91425" anchor="ctr" anchorCtr="0">
               <a:noAutofit/>
             </a:bodyPr>
             <a:lstStyle/>
             <a:p>
-              <a:pPr indent="0" lvl="0" marL="0" rtl="0" algn="l">
+              <a:pPr marL="0" lvl="0" indent="0" algn="l" rtl="0">
                 <a:spcBef>
                   <a:spcPts val="0"/>
                 </a:spcBef>
@@ -6430,9 +6368,6 @@
                 </a:spcAft>
                 <a:buNone/>
               </a:pPr>
-              <a:r>
-                <a:t/>
-              </a:r>
               <a:endParaRPr/>
             </a:p>
           </p:txBody>
@@ -6450,7 +6385,7 @@
             </a:xfrm>
             <a:prstGeom prst="diagStripe">
               <a:avLst>
-                <a:gd fmla="val 50000" name="adj"/>
+                <a:gd name="adj" fmla="val 50000"/>
               </a:avLst>
             </a:prstGeom>
             <a:solidFill>
@@ -6463,12 +6398,12 @@
             </a:ln>
           </p:spPr>
           <p:txBody>
-            <a:bodyPr anchorCtr="0" anchor="ctr" bIns="91425" lIns="91425" spcFirstLastPara="1" rIns="91425" wrap="square" tIns="91425">
+            <a:bodyPr spcFirstLastPara="1" wrap="square" lIns="91425" tIns="91425" rIns="91425" bIns="91425" anchor="ctr" anchorCtr="0">
               <a:noAutofit/>
             </a:bodyPr>
             <a:lstStyle/>
             <a:p>
-              <a:pPr indent="0" lvl="0" marL="0" rtl="0" algn="l">
+              <a:pPr marL="0" lvl="0" indent="0" algn="l" rtl="0">
                 <a:spcBef>
                   <a:spcPts val="0"/>
                 </a:spcBef>
@@ -6477,9 +6412,6 @@
                 </a:spcAft>
                 <a:buNone/>
               </a:pPr>
-              <a:r>
-                <a:t/>
-              </a:r>
               <a:endParaRPr/>
             </a:p>
           </p:txBody>
@@ -6497,7 +6429,7 @@
             </a:xfrm>
             <a:prstGeom prst="diagStripe">
               <a:avLst>
-                <a:gd fmla="val 50000" name="adj"/>
+                <a:gd name="adj" fmla="val 50000"/>
               </a:avLst>
             </a:prstGeom>
             <a:solidFill>
@@ -6510,12 +6442,12 @@
             </a:ln>
           </p:spPr>
           <p:txBody>
-            <a:bodyPr anchorCtr="0" anchor="ctr" bIns="91425" lIns="91425" spcFirstLastPara="1" rIns="91425" wrap="square" tIns="91425">
+            <a:bodyPr spcFirstLastPara="1" wrap="square" lIns="91425" tIns="91425" rIns="91425" bIns="91425" anchor="ctr" anchorCtr="0">
               <a:noAutofit/>
             </a:bodyPr>
             <a:lstStyle/>
             <a:p>
-              <a:pPr indent="0" lvl="0" marL="0" rtl="0" algn="l">
+              <a:pPr marL="0" lvl="0" indent="0" algn="l" rtl="0">
                 <a:spcBef>
                   <a:spcPts val="0"/>
                 </a:spcBef>
@@ -6524,9 +6456,6 @@
                 </a:spcAft>
                 <a:buNone/>
               </a:pPr>
-              <a:r>
-                <a:t/>
-              </a:r>
               <a:endParaRPr/>
             </a:p>
           </p:txBody>
@@ -6544,7 +6473,7 @@
             </a:xfrm>
             <a:prstGeom prst="diagStripe">
               <a:avLst>
-                <a:gd fmla="val 50000" name="adj"/>
+                <a:gd name="adj" fmla="val 50000"/>
               </a:avLst>
             </a:prstGeom>
             <a:solidFill>
@@ -6557,12 +6486,12 @@
             </a:ln>
           </p:spPr>
           <p:txBody>
-            <a:bodyPr anchorCtr="0" anchor="ctr" bIns="91425" lIns="91425" spcFirstLastPara="1" rIns="91425" wrap="square" tIns="91425">
+            <a:bodyPr spcFirstLastPara="1" wrap="square" lIns="91425" tIns="91425" rIns="91425" bIns="91425" anchor="ctr" anchorCtr="0">
               <a:noAutofit/>
             </a:bodyPr>
             <a:lstStyle/>
             <a:p>
-              <a:pPr indent="0" lvl="0" marL="0" rtl="0" algn="l">
+              <a:pPr marL="0" lvl="0" indent="0" algn="l" rtl="0">
                 <a:spcBef>
                   <a:spcPts val="0"/>
                 </a:spcBef>
@@ -6571,9 +6500,6 @@
                 </a:spcAft>
                 <a:buNone/>
               </a:pPr>
-              <a:r>
-                <a:t/>
-              </a:r>
               <a:endParaRPr/>
             </a:p>
           </p:txBody>
@@ -6591,7 +6517,7 @@
             </a:xfrm>
             <a:prstGeom prst="diagStripe">
               <a:avLst>
-                <a:gd fmla="val 50000" name="adj"/>
+                <a:gd name="adj" fmla="val 50000"/>
               </a:avLst>
             </a:prstGeom>
             <a:solidFill>
@@ -6604,12 +6530,12 @@
             </a:ln>
           </p:spPr>
           <p:txBody>
-            <a:bodyPr anchorCtr="0" anchor="ctr" bIns="91425" lIns="91425" spcFirstLastPara="1" rIns="91425" wrap="square" tIns="91425">
+            <a:bodyPr spcFirstLastPara="1" wrap="square" lIns="91425" tIns="91425" rIns="91425" bIns="91425" anchor="ctr" anchorCtr="0">
               <a:noAutofit/>
             </a:bodyPr>
             <a:lstStyle/>
             <a:p>
-              <a:pPr indent="0" lvl="0" marL="0" rtl="0" algn="l">
+              <a:pPr marL="0" lvl="0" indent="0" algn="l" rtl="0">
                 <a:spcBef>
                   <a:spcPts val="0"/>
                 </a:spcBef>
@@ -6618,9 +6544,6 @@
                 </a:spcAft>
                 <a:buNone/>
               </a:pPr>
-              <a:r>
-                <a:t/>
-              </a:r>
               <a:endParaRPr/>
             </a:p>
           </p:txBody>
@@ -6638,7 +6561,7 @@
             </a:xfrm>
             <a:prstGeom prst="diagStripe">
               <a:avLst>
-                <a:gd fmla="val 50000" name="adj"/>
+                <a:gd name="adj" fmla="val 50000"/>
               </a:avLst>
             </a:prstGeom>
             <a:solidFill>
@@ -6651,12 +6574,12 @@
             </a:ln>
           </p:spPr>
           <p:txBody>
-            <a:bodyPr anchorCtr="0" anchor="ctr" bIns="91425" lIns="91425" spcFirstLastPara="1" rIns="91425" wrap="square" tIns="91425">
+            <a:bodyPr spcFirstLastPara="1" wrap="square" lIns="91425" tIns="91425" rIns="91425" bIns="91425" anchor="ctr" anchorCtr="0">
               <a:noAutofit/>
             </a:bodyPr>
             <a:lstStyle/>
             <a:p>
-              <a:pPr indent="0" lvl="0" marL="0" rtl="0" algn="l">
+              <a:pPr marL="0" lvl="0" indent="0" algn="l" rtl="0">
                 <a:spcBef>
                   <a:spcPts val="0"/>
                 </a:spcBef>
@@ -6665,9 +6588,6 @@
                 </a:spcAft>
                 <a:buNone/>
               </a:pPr>
-              <a:r>
-                <a:t/>
-              </a:r>
               <a:endParaRPr/>
             </a:p>
           </p:txBody>
@@ -6685,7 +6605,7 @@
             </a:xfrm>
             <a:prstGeom prst="diagStripe">
               <a:avLst>
-                <a:gd fmla="val 50000" name="adj"/>
+                <a:gd name="adj" fmla="val 50000"/>
               </a:avLst>
             </a:prstGeom>
             <a:solidFill>
@@ -6696,12 +6616,12 @@
             </a:ln>
           </p:spPr>
           <p:txBody>
-            <a:bodyPr anchorCtr="0" anchor="ctr" bIns="91425" lIns="91425" spcFirstLastPara="1" rIns="91425" wrap="square" tIns="91425">
+            <a:bodyPr spcFirstLastPara="1" wrap="square" lIns="91425" tIns="91425" rIns="91425" bIns="91425" anchor="ctr" anchorCtr="0">
               <a:noAutofit/>
             </a:bodyPr>
             <a:lstStyle/>
             <a:p>
-              <a:pPr indent="0" lvl="0" marL="0" rtl="0" algn="l">
+              <a:pPr marL="0" lvl="0" indent="0" algn="l" rtl="0">
                 <a:spcBef>
                   <a:spcPts val="0"/>
                 </a:spcBef>
@@ -6710,9 +6630,6 @@
                 </a:spcAft>
                 <a:buNone/>
               </a:pPr>
-              <a:r>
-                <a:t/>
-              </a:r>
               <a:endParaRPr/>
             </a:p>
           </p:txBody>
@@ -6730,7 +6647,7 @@
             </a:xfrm>
             <a:prstGeom prst="diagStripe">
               <a:avLst>
-                <a:gd fmla="val 50000" name="adj"/>
+                <a:gd name="adj" fmla="val 50000"/>
               </a:avLst>
             </a:prstGeom>
             <a:solidFill>
@@ -6743,12 +6660,12 @@
             </a:ln>
           </p:spPr>
           <p:txBody>
-            <a:bodyPr anchorCtr="0" anchor="ctr" bIns="91425" lIns="91425" spcFirstLastPara="1" rIns="91425" wrap="square" tIns="91425">
+            <a:bodyPr spcFirstLastPara="1" wrap="square" lIns="91425" tIns="91425" rIns="91425" bIns="91425" anchor="ctr" anchorCtr="0">
               <a:noAutofit/>
             </a:bodyPr>
             <a:lstStyle/>
             <a:p>
-              <a:pPr indent="0" lvl="0" marL="0" rtl="0" algn="l">
+              <a:pPr marL="0" lvl="0" indent="0" algn="l" rtl="0">
                 <a:spcBef>
                   <a:spcPts val="0"/>
                 </a:spcBef>
@@ -6757,9 +6674,6 @@
                 </a:spcAft>
                 <a:buNone/>
               </a:pPr>
-              <a:r>
-                <a:t/>
-              </a:r>
               <a:endParaRPr/>
             </a:p>
           </p:txBody>
@@ -6777,7 +6691,7 @@
             </a:xfrm>
             <a:prstGeom prst="diagStripe">
               <a:avLst>
-                <a:gd fmla="val 50000" name="adj"/>
+                <a:gd name="adj" fmla="val 50000"/>
               </a:avLst>
             </a:prstGeom>
             <a:solidFill>
@@ -6790,12 +6704,12 @@
             </a:ln>
           </p:spPr>
           <p:txBody>
-            <a:bodyPr anchorCtr="0" anchor="ctr" bIns="91425" lIns="91425" spcFirstLastPara="1" rIns="91425" wrap="square" tIns="91425">
+            <a:bodyPr spcFirstLastPara="1" wrap="square" lIns="91425" tIns="91425" rIns="91425" bIns="91425" anchor="ctr" anchorCtr="0">
               <a:noAutofit/>
             </a:bodyPr>
             <a:lstStyle/>
             <a:p>
-              <a:pPr indent="0" lvl="0" marL="0" rtl="0" algn="l">
+              <a:pPr marL="0" lvl="0" indent="0" algn="l" rtl="0">
                 <a:spcBef>
                   <a:spcPts val="0"/>
                 </a:spcBef>
@@ -6804,9 +6718,6 @@
                 </a:spcAft>
                 <a:buNone/>
               </a:pPr>
-              <a:r>
-                <a:t/>
-              </a:r>
               <a:endParaRPr/>
             </a:p>
           </p:txBody>
@@ -6824,7 +6735,7 @@
             </a:xfrm>
             <a:prstGeom prst="diagStripe">
               <a:avLst>
-                <a:gd fmla="val 50000" name="adj"/>
+                <a:gd name="adj" fmla="val 50000"/>
               </a:avLst>
             </a:prstGeom>
             <a:solidFill>
@@ -6837,12 +6748,12 @@
             </a:ln>
           </p:spPr>
           <p:txBody>
-            <a:bodyPr anchorCtr="0" anchor="ctr" bIns="91425" lIns="91425" spcFirstLastPara="1" rIns="91425" wrap="square" tIns="91425">
+            <a:bodyPr spcFirstLastPara="1" wrap="square" lIns="91425" tIns="91425" rIns="91425" bIns="91425" anchor="ctr" anchorCtr="0">
               <a:noAutofit/>
             </a:bodyPr>
             <a:lstStyle/>
             <a:p>
-              <a:pPr indent="0" lvl="0" marL="0" rtl="0" algn="l">
+              <a:pPr marL="0" lvl="0" indent="0" algn="l" rtl="0">
                 <a:spcBef>
                   <a:spcPts val="0"/>
                 </a:spcBef>
@@ -6851,9 +6762,6 @@
                 </a:spcAft>
                 <a:buNone/>
               </a:pPr>
-              <a:r>
-                <a:t/>
-              </a:r>
               <a:endParaRPr/>
             </a:p>
           </p:txBody>
@@ -6871,7 +6779,7 @@
             </a:xfrm>
             <a:prstGeom prst="diagStripe">
               <a:avLst>
-                <a:gd fmla="val 50000" name="adj"/>
+                <a:gd name="adj" fmla="val 50000"/>
               </a:avLst>
             </a:prstGeom>
             <a:solidFill>
@@ -6884,12 +6792,12 @@
             </a:ln>
           </p:spPr>
           <p:txBody>
-            <a:bodyPr anchorCtr="0" anchor="ctr" bIns="91425" lIns="91425" spcFirstLastPara="1" rIns="91425" wrap="square" tIns="91425">
+            <a:bodyPr spcFirstLastPara="1" wrap="square" lIns="91425" tIns="91425" rIns="91425" bIns="91425" anchor="ctr" anchorCtr="0">
               <a:noAutofit/>
             </a:bodyPr>
             <a:lstStyle/>
             <a:p>
-              <a:pPr indent="0" lvl="0" marL="0" rtl="0" algn="l">
+              <a:pPr marL="0" lvl="0" indent="0" algn="l" rtl="0">
                 <a:spcBef>
                   <a:spcPts val="0"/>
                 </a:spcBef>
@@ -6898,9 +6806,6 @@
                 </a:spcAft>
                 <a:buNone/>
               </a:pPr>
-              <a:r>
-                <a:t/>
-              </a:r>
               <a:endParaRPr/>
             </a:p>
           </p:txBody>
@@ -6909,7 +6814,9 @@
       <p:sp>
         <p:nvSpPr>
           <p:cNvPr id="89" name="Google Shape;89;p8"/>
-          <p:cNvSpPr txBox="1"/>
+          <p:cNvSpPr txBox="1">
+            <a:spLocks noGrp="1"/>
+          </p:cNvSpPr>
           <p:nvPr>
             <p:ph type="title"/>
           </p:nvPr>
@@ -6924,7 +6831,7 @@
           </a:prstGeom>
         </p:spPr>
         <p:txBody>
-          <a:bodyPr anchorCtr="0" anchor="ctr" bIns="91425" lIns="91425" spcFirstLastPara="1" rIns="91425" wrap="square" tIns="91425"/>
+          <a:bodyPr spcFirstLastPara="1" wrap="square" lIns="91425" tIns="91425" rIns="91425" bIns="91425" anchor="ctr" anchorCtr="0"/>
           <a:lstStyle>
             <a:lvl1pPr lvl="0">
               <a:spcBef>
@@ -7026,15 +6933,19 @@
               <a:defRPr/>
             </a:lvl9pPr>
           </a:lstStyle>
-          <a:p/>
+          <a:p>
+            <a:endParaRPr/>
+          </a:p>
         </p:txBody>
       </p:sp>
       <p:sp>
         <p:nvSpPr>
           <p:cNvPr id="90" name="Google Shape;90;p8"/>
-          <p:cNvSpPr txBox="1"/>
+          <p:cNvSpPr txBox="1">
+            <a:spLocks noGrp="1"/>
+          </p:cNvSpPr>
           <p:nvPr>
-            <p:ph idx="12" type="sldNum"/>
+            <p:ph type="sldNum" idx="12"/>
           </p:nvPr>
         </p:nvSpPr>
         <p:spPr>
@@ -7047,7 +6958,7 @@
           </a:prstGeom>
         </p:spPr>
         <p:txBody>
-          <a:bodyPr anchorCtr="0" anchor="ctr" bIns="91425" lIns="91425" spcFirstLastPara="1" rIns="91425" wrap="square" tIns="91425">
+          <a:bodyPr spcFirstLastPara="1" wrap="square" lIns="91425" tIns="91425" rIns="91425" bIns="91425" anchor="ctr" anchorCtr="0">
             <a:noAutofit/>
           </a:bodyPr>
           <a:lstStyle>
@@ -7089,7 +7000,7 @@
             </a:lvl9pPr>
           </a:lstStyle>
           <a:p>
-            <a:pPr indent="0" lvl="0" marL="0" rtl="0" algn="r">
+            <a:pPr marL="0" lvl="0" indent="0" algn="r" rtl="0">
               <a:spcBef>
                 <a:spcPts val="0"/>
               </a:spcBef>
@@ -7115,11 +7026,11 @@
 </file>
 
 <file path=ppt/slideLayouts/slideLayout8.xml><?xml version="1.0" encoding="utf-8"?>
-<p:sldLayout xmlns:a="http://schemas.openxmlformats.org/drawingml/2006/main" xmlns:r="http://schemas.openxmlformats.org/officeDocument/2006/relationships" xmlns:mc="http://schemas.openxmlformats.org/markup-compatibility/2006" xmlns:mv="urn:schemas-microsoft-com:mac:vml" xmlns:p="http://schemas.openxmlformats.org/presentationml/2006/main" xmlns:c="http://schemas.openxmlformats.org/drawingml/2006/chart" xmlns:dgm="http://schemas.openxmlformats.org/drawingml/2006/diagram" xmlns:o="urn:schemas-microsoft-com:office:office" xmlns:v="urn:schemas-microsoft-com:vml" xmlns:pvml="urn:schemas-microsoft-com:office:powerpoint" xmlns:com="http://schemas.openxmlformats.org/drawingml/2006/compatibility" xmlns:p14="http://schemas.microsoft.com/office/powerpoint/2010/main" xmlns:p15="http://schemas.microsoft.com/office/powerpoint/2012/main" matchingName="Section title and description">
+<p:sldLayout xmlns:a="http://schemas.openxmlformats.org/drawingml/2006/main" xmlns:r="http://schemas.openxmlformats.org/officeDocument/2006/relationships" xmlns:p="http://schemas.openxmlformats.org/presentationml/2006/main" matchingName="Section title and description">
   <p:cSld name="SECTION_TITLE_AND_DESCRIPTION">
     <p:spTree>
       <p:nvGrpSpPr>
-        <p:cNvPr id="91" name="Shape 91"/>
+        <p:cNvPr id="1" name="Shape 91"/>
         <p:cNvGrpSpPr/>
         <p:nvPr/>
       </p:nvGrpSpPr>
@@ -7158,7 +7069,7 @@
             </a:xfrm>
             <a:prstGeom prst="diagStripe">
               <a:avLst>
-                <a:gd fmla="val 50000" name="adj"/>
+                <a:gd name="adj" fmla="val 50000"/>
               </a:avLst>
             </a:prstGeom>
             <a:solidFill>
@@ -7169,12 +7080,12 @@
             </a:ln>
           </p:spPr>
           <p:txBody>
-            <a:bodyPr anchorCtr="0" anchor="ctr" bIns="91425" lIns="91425" spcFirstLastPara="1" rIns="91425" wrap="square" tIns="91425">
+            <a:bodyPr spcFirstLastPara="1" wrap="square" lIns="91425" tIns="91425" rIns="91425" bIns="91425" anchor="ctr" anchorCtr="0">
               <a:noAutofit/>
             </a:bodyPr>
             <a:lstStyle/>
             <a:p>
-              <a:pPr indent="0" lvl="0" marL="0" rtl="0" algn="l">
+              <a:pPr marL="0" lvl="0" indent="0" algn="l" rtl="0">
                 <a:spcBef>
                   <a:spcPts val="0"/>
                 </a:spcBef>
@@ -7183,9 +7094,6 @@
                 </a:spcAft>
                 <a:buNone/>
               </a:pPr>
-              <a:r>
-                <a:t/>
-              </a:r>
               <a:endParaRPr/>
             </a:p>
           </p:txBody>
@@ -7203,7 +7111,7 @@
             </a:xfrm>
             <a:prstGeom prst="diagStripe">
               <a:avLst>
-                <a:gd fmla="val 50000" name="adj"/>
+                <a:gd name="adj" fmla="val 50000"/>
               </a:avLst>
             </a:prstGeom>
             <a:solidFill>
@@ -7214,12 +7122,12 @@
             </a:ln>
           </p:spPr>
           <p:txBody>
-            <a:bodyPr anchorCtr="0" anchor="ctr" bIns="91425" lIns="91425" spcFirstLastPara="1" rIns="91425" wrap="square" tIns="91425">
+            <a:bodyPr spcFirstLastPara="1" wrap="square" lIns="91425" tIns="91425" rIns="91425" bIns="91425" anchor="ctr" anchorCtr="0">
               <a:noAutofit/>
             </a:bodyPr>
             <a:lstStyle/>
             <a:p>
-              <a:pPr indent="0" lvl="0" marL="0" rtl="0" algn="l">
+              <a:pPr marL="0" lvl="0" indent="0" algn="l" rtl="0">
                 <a:spcBef>
                   <a:spcPts val="0"/>
                 </a:spcBef>
@@ -7228,9 +7136,6 @@
                 </a:spcAft>
                 <a:buNone/>
               </a:pPr>
-              <a:r>
-                <a:t/>
-              </a:r>
               <a:endParaRPr/>
             </a:p>
           </p:txBody>
@@ -7239,7 +7144,9 @@
       <p:sp>
         <p:nvSpPr>
           <p:cNvPr id="95" name="Google Shape;95;p9"/>
-          <p:cNvSpPr txBox="1"/>
+          <p:cNvSpPr txBox="1">
+            <a:spLocks noGrp="1"/>
+          </p:cNvSpPr>
           <p:nvPr>
             <p:ph type="title"/>
           </p:nvPr>
@@ -7254,7 +7161,7 @@
           </a:prstGeom>
         </p:spPr>
         <p:txBody>
-          <a:bodyPr anchorCtr="0" anchor="t" bIns="91425" lIns="91425" spcFirstLastPara="1" rIns="91425" wrap="square" tIns="91425"/>
+          <a:bodyPr spcFirstLastPara="1" wrap="square" lIns="91425" tIns="91425" rIns="91425" bIns="91425" anchor="t" anchorCtr="0"/>
           <a:lstStyle>
             <a:lvl1pPr lvl="0">
               <a:spcBef>
@@ -7356,15 +7263,19 @@
               <a:defRPr sz="2400"/>
             </a:lvl9pPr>
           </a:lstStyle>
-          <a:p/>
+          <a:p>
+            <a:endParaRPr/>
+          </a:p>
         </p:txBody>
       </p:sp>
       <p:sp>
         <p:nvSpPr>
           <p:cNvPr id="96" name="Google Shape;96;p9"/>
-          <p:cNvSpPr txBox="1"/>
+          <p:cNvSpPr txBox="1">
+            <a:spLocks noGrp="1"/>
+          </p:cNvSpPr>
           <p:nvPr>
-            <p:ph idx="1" type="subTitle"/>
+            <p:ph type="subTitle" idx="1"/>
           </p:nvPr>
         </p:nvSpPr>
         <p:spPr>
@@ -7377,7 +7288,7 @@
           </a:prstGeom>
         </p:spPr>
         <p:txBody>
-          <a:bodyPr anchorCtr="0" anchor="t" bIns="91425" lIns="91425" spcFirstLastPara="1" rIns="91425" wrap="square" tIns="91425"/>
+          <a:bodyPr spcFirstLastPara="1" wrap="square" lIns="91425" tIns="91425" rIns="91425" bIns="91425" anchor="t" anchorCtr="0"/>
           <a:lstStyle>
             <a:lvl1pPr lvl="0">
               <a:lnSpc>
@@ -7506,15 +7417,19 @@
               <a:defRPr sz="1300"/>
             </a:lvl9pPr>
           </a:lstStyle>
-          <a:p/>
+          <a:p>
+            <a:endParaRPr/>
+          </a:p>
         </p:txBody>
       </p:sp>
       <p:sp>
         <p:nvSpPr>
           <p:cNvPr id="97" name="Google Shape;97;p9"/>
-          <p:cNvSpPr txBox="1"/>
+          <p:cNvSpPr txBox="1">
+            <a:spLocks noGrp="1"/>
+          </p:cNvSpPr>
           <p:nvPr>
-            <p:ph idx="2" type="body"/>
+            <p:ph type="body" idx="2"/>
           </p:nvPr>
         </p:nvSpPr>
         <p:spPr>
@@ -7527,9 +7442,9 @@
           </a:prstGeom>
         </p:spPr>
         <p:txBody>
-          <a:bodyPr anchorCtr="0" anchor="t" bIns="91425" lIns="91425" spcFirstLastPara="1" rIns="91425" wrap="square" tIns="91425"/>
+          <a:bodyPr spcFirstLastPara="1" wrap="square" lIns="91425" tIns="91425" rIns="91425" bIns="91425" anchor="t" anchorCtr="0"/>
           <a:lstStyle>
-            <a:lvl1pPr indent="-311150" lvl="0" marL="457200">
+            <a:lvl1pPr marL="457200" lvl="0" indent="-311150">
               <a:spcBef>
                 <a:spcPts val="0"/>
               </a:spcBef>
@@ -7540,7 +7455,7 @@
               <a:buChar char="●"/>
               <a:defRPr/>
             </a:lvl1pPr>
-            <a:lvl2pPr indent="-298450" lvl="1" marL="914400">
+            <a:lvl2pPr marL="914400" lvl="1" indent="-298450">
               <a:spcBef>
                 <a:spcPts val="1600"/>
               </a:spcBef>
@@ -7551,7 +7466,7 @@
               <a:buChar char="○"/>
               <a:defRPr/>
             </a:lvl2pPr>
-            <a:lvl3pPr indent="-298450" lvl="2" marL="1371600">
+            <a:lvl3pPr marL="1371600" lvl="2" indent="-298450">
               <a:spcBef>
                 <a:spcPts val="1600"/>
               </a:spcBef>
@@ -7562,7 +7477,7 @@
               <a:buChar char="■"/>
               <a:defRPr/>
             </a:lvl3pPr>
-            <a:lvl4pPr indent="-298450" lvl="3" marL="1828800">
+            <a:lvl4pPr marL="1828800" lvl="3" indent="-298450">
               <a:spcBef>
                 <a:spcPts val="1600"/>
               </a:spcBef>
@@ -7573,7 +7488,7 @@
               <a:buChar char="●"/>
               <a:defRPr/>
             </a:lvl4pPr>
-            <a:lvl5pPr indent="-298450" lvl="4" marL="2286000">
+            <a:lvl5pPr marL="2286000" lvl="4" indent="-298450">
               <a:spcBef>
                 <a:spcPts val="1600"/>
               </a:spcBef>
@@ -7584,7 +7499,7 @@
               <a:buChar char="○"/>
               <a:defRPr/>
             </a:lvl5pPr>
-            <a:lvl6pPr indent="-298450" lvl="5" marL="2743200">
+            <a:lvl6pPr marL="2743200" lvl="5" indent="-298450">
               <a:spcBef>
                 <a:spcPts val="1600"/>
               </a:spcBef>
@@ -7595,7 +7510,7 @@
               <a:buChar char="■"/>
               <a:defRPr/>
             </a:lvl6pPr>
-            <a:lvl7pPr indent="-298450" lvl="6" marL="3200400">
+            <a:lvl7pPr marL="3200400" lvl="6" indent="-298450">
               <a:spcBef>
                 <a:spcPts val="1600"/>
               </a:spcBef>
@@ -7606,7 +7521,7 @@
               <a:buChar char="●"/>
               <a:defRPr/>
             </a:lvl7pPr>
-            <a:lvl8pPr indent="-298450" lvl="7" marL="3657600">
+            <a:lvl8pPr marL="3657600" lvl="7" indent="-298450">
               <a:spcBef>
                 <a:spcPts val="1600"/>
               </a:spcBef>
@@ -7617,7 +7532,7 @@
               <a:buChar char="○"/>
               <a:defRPr/>
             </a:lvl8pPr>
-            <a:lvl9pPr indent="-298450" lvl="8" marL="4114800">
+            <a:lvl9pPr marL="4114800" lvl="8" indent="-298450">
               <a:spcBef>
                 <a:spcPts val="1600"/>
               </a:spcBef>
@@ -7629,15 +7544,19 @@
               <a:defRPr/>
             </a:lvl9pPr>
           </a:lstStyle>
-          <a:p/>
+          <a:p>
+            <a:endParaRPr/>
+          </a:p>
         </p:txBody>
       </p:sp>
       <p:sp>
         <p:nvSpPr>
           <p:cNvPr id="98" name="Google Shape;98;p9"/>
-          <p:cNvSpPr txBox="1"/>
+          <p:cNvSpPr txBox="1">
+            <a:spLocks noGrp="1"/>
+          </p:cNvSpPr>
           <p:nvPr>
-            <p:ph idx="12" type="sldNum"/>
+            <p:ph type="sldNum" idx="12"/>
           </p:nvPr>
         </p:nvSpPr>
         <p:spPr>
@@ -7650,7 +7569,7 @@
           </a:prstGeom>
         </p:spPr>
         <p:txBody>
-          <a:bodyPr anchorCtr="0" anchor="ctr" bIns="91425" lIns="91425" spcFirstLastPara="1" rIns="91425" wrap="square" tIns="91425">
+          <a:bodyPr spcFirstLastPara="1" wrap="square" lIns="91425" tIns="91425" rIns="91425" bIns="91425" anchor="ctr" anchorCtr="0">
             <a:noAutofit/>
           </a:bodyPr>
           <a:lstStyle>
@@ -7692,7 +7611,7 @@
             </a:lvl9pPr>
           </a:lstStyle>
           <a:p>
-            <a:pPr indent="0" lvl="0" marL="0" rtl="0" algn="r">
+            <a:pPr marL="0" lvl="0" indent="0" algn="r" rtl="0">
               <a:spcBef>
                 <a:spcPts val="0"/>
               </a:spcBef>
@@ -7718,11 +7637,11 @@
 </file>
 
 <file path=ppt/slideLayouts/slideLayout9.xml><?xml version="1.0" encoding="utf-8"?>
-<p:sldLayout xmlns:a="http://schemas.openxmlformats.org/drawingml/2006/main" xmlns:r="http://schemas.openxmlformats.org/officeDocument/2006/relationships" xmlns:mc="http://schemas.openxmlformats.org/markup-compatibility/2006" xmlns:mv="urn:schemas-microsoft-com:mac:vml" xmlns:p="http://schemas.openxmlformats.org/presentationml/2006/main" xmlns:c="http://schemas.openxmlformats.org/drawingml/2006/chart" xmlns:dgm="http://schemas.openxmlformats.org/drawingml/2006/diagram" xmlns:o="urn:schemas-microsoft-com:office:office" xmlns:v="urn:schemas-microsoft-com:vml" xmlns:pvml="urn:schemas-microsoft-com:office:powerpoint" xmlns:com="http://schemas.openxmlformats.org/drawingml/2006/compatibility" xmlns:p14="http://schemas.microsoft.com/office/powerpoint/2010/main" xmlns:p15="http://schemas.microsoft.com/office/powerpoint/2012/main" matchingName="Caption">
+<p:sldLayout xmlns:a="http://schemas.openxmlformats.org/drawingml/2006/main" xmlns:r="http://schemas.openxmlformats.org/officeDocument/2006/relationships" xmlns:p="http://schemas.openxmlformats.org/presentationml/2006/main" matchingName="Caption">
   <p:cSld name="CAPTION_ONLY">
     <p:spTree>
       <p:nvGrpSpPr>
-        <p:cNvPr id="99" name="Shape 99"/>
+        <p:cNvPr id="1" name="Shape 99"/>
         <p:cNvGrpSpPr/>
         <p:nvPr/>
       </p:nvGrpSpPr>
@@ -7761,7 +7680,7 @@
             </a:xfrm>
             <a:prstGeom prst="diagStripe">
               <a:avLst>
-                <a:gd fmla="val 50000" name="adj"/>
+                <a:gd name="adj" fmla="val 50000"/>
               </a:avLst>
             </a:prstGeom>
             <a:solidFill>
@@ -7774,12 +7693,12 @@
             </a:ln>
           </p:spPr>
           <p:txBody>
-            <a:bodyPr anchorCtr="0" anchor="ctr" bIns="91425" lIns="91425" spcFirstLastPara="1" rIns="91425" wrap="square" tIns="91425">
+            <a:bodyPr spcFirstLastPara="1" wrap="square" lIns="91425" tIns="91425" rIns="91425" bIns="91425" anchor="ctr" anchorCtr="0">
               <a:noAutofit/>
             </a:bodyPr>
             <a:lstStyle/>
             <a:p>
-              <a:pPr indent="0" lvl="0" marL="0" rtl="0" algn="l">
+              <a:pPr marL="0" lvl="0" indent="0" algn="l" rtl="0">
                 <a:spcBef>
                   <a:spcPts val="0"/>
                 </a:spcBef>
@@ -7788,9 +7707,6 @@
                 </a:spcAft>
                 <a:buNone/>
               </a:pPr>
-              <a:r>
-                <a:t/>
-              </a:r>
               <a:endParaRPr/>
             </a:p>
           </p:txBody>
@@ -7808,7 +7724,7 @@
             </a:xfrm>
             <a:prstGeom prst="diagStripe">
               <a:avLst>
-                <a:gd fmla="val 50000" name="adj"/>
+                <a:gd name="adj" fmla="val 50000"/>
               </a:avLst>
             </a:prstGeom>
             <a:solidFill>
@@ -7821,12 +7737,12 @@
             </a:ln>
           </p:spPr>
           <p:txBody>
-            <a:bodyPr anchorCtr="0" anchor="ctr" bIns="91425" lIns="91425" spcFirstLastPara="1" rIns="91425" wrap="square" tIns="91425">
+            <a:bodyPr spcFirstLastPara="1" wrap="square" lIns="91425" tIns="91425" rIns="91425" bIns="91425" anchor="ctr" anchorCtr="0">
               <a:noAutofit/>
             </a:bodyPr>
             <a:lstStyle/>
             <a:p>
-              <a:pPr indent="0" lvl="0" marL="0" rtl="0" algn="l">
+              <a:pPr marL="0" lvl="0" indent="0" algn="l" rtl="0">
                 <a:spcBef>
                   <a:spcPts val="0"/>
                 </a:spcBef>
@@ -7835,9 +7751,6 @@
                 </a:spcAft>
                 <a:buNone/>
               </a:pPr>
-              <a:r>
-                <a:t/>
-              </a:r>
               <a:endParaRPr/>
             </a:p>
           </p:txBody>
@@ -7846,9 +7759,11 @@
       <p:sp>
         <p:nvSpPr>
           <p:cNvPr id="103" name="Google Shape;103;p10"/>
-          <p:cNvSpPr txBox="1"/>
+          <p:cNvSpPr txBox="1">
+            <a:spLocks noGrp="1"/>
+          </p:cNvSpPr>
           <p:nvPr>
-            <p:ph idx="1" type="body"/>
+            <p:ph type="body" idx="1"/>
           </p:nvPr>
         </p:nvSpPr>
         <p:spPr>
@@ -7861,9 +7776,9 @@
           </a:prstGeom>
         </p:spPr>
         <p:txBody>
-          <a:bodyPr anchorCtr="0" anchor="ctr" bIns="91425" lIns="91425" spcFirstLastPara="1" rIns="91425" wrap="square" tIns="91425"/>
+          <a:bodyPr spcFirstLastPara="1" wrap="square" lIns="91425" tIns="91425" rIns="91425" bIns="91425" anchor="ctr" anchorCtr="0"/>
           <a:lstStyle>
-            <a:lvl1pPr indent="-228600" lvl="0" marL="457200">
+            <a:lvl1pPr marL="457200" lvl="0" indent="-228600">
               <a:lnSpc>
                 <a:spcPct val="100000"/>
               </a:lnSpc>
@@ -7878,15 +7793,19 @@
               <a:defRPr/>
             </a:lvl1pPr>
           </a:lstStyle>
-          <a:p/>
+          <a:p>
+            <a:endParaRPr/>
+          </a:p>
         </p:txBody>
       </p:sp>
       <p:sp>
         <p:nvSpPr>
           <p:cNvPr id="104" name="Google Shape;104;p10"/>
-          <p:cNvSpPr txBox="1"/>
+          <p:cNvSpPr txBox="1">
+            <a:spLocks noGrp="1"/>
+          </p:cNvSpPr>
           <p:nvPr>
-            <p:ph idx="12" type="sldNum"/>
+            <p:ph type="sldNum" idx="12"/>
           </p:nvPr>
         </p:nvSpPr>
         <p:spPr>
@@ -7899,7 +7818,7 @@
           </a:prstGeom>
         </p:spPr>
         <p:txBody>
-          <a:bodyPr anchorCtr="0" anchor="ctr" bIns="91425" lIns="91425" spcFirstLastPara="1" rIns="91425" wrap="square" tIns="91425">
+          <a:bodyPr spcFirstLastPara="1" wrap="square" lIns="91425" tIns="91425" rIns="91425" bIns="91425" anchor="ctr" anchorCtr="0">
             <a:noAutofit/>
           </a:bodyPr>
           <a:lstStyle>
@@ -7941,7 +7860,7 @@
             </a:lvl9pPr>
           </a:lstStyle>
           <a:p>
-            <a:pPr indent="0" lvl="0" marL="0" rtl="0" algn="r">
+            <a:pPr marL="0" lvl="0" indent="0" algn="r" rtl="0">
               <a:spcBef>
                 <a:spcPts val="0"/>
               </a:spcBef>
@@ -7967,18 +7886,19 @@
 </file>
 
 <file path=ppt/slideMasters/slideMaster1.xml><?xml version="1.0" encoding="utf-8"?>
-<p:sldMaster xmlns:a="http://schemas.openxmlformats.org/drawingml/2006/main" xmlns:r="http://schemas.openxmlformats.org/officeDocument/2006/relationships" xmlns:mc="http://schemas.openxmlformats.org/markup-compatibility/2006" xmlns:mv="urn:schemas-microsoft-com:mac:vml" xmlns:p="http://schemas.openxmlformats.org/presentationml/2006/main" xmlns:c="http://schemas.openxmlformats.org/drawingml/2006/chart" xmlns:dgm="http://schemas.openxmlformats.org/drawingml/2006/diagram" xmlns:o="urn:schemas-microsoft-com:office:office" xmlns:v="urn:schemas-microsoft-com:vml" xmlns:pvml="urn:schemas-microsoft-com:office:powerpoint" xmlns:com="http://schemas.openxmlformats.org/drawingml/2006/compatibility" xmlns:p14="http://schemas.microsoft.com/office/powerpoint/2010/main" xmlns:p15="http://schemas.microsoft.com/office/powerpoint/2012/main">
+<p:sldMaster xmlns:a="http://schemas.openxmlformats.org/drawingml/2006/main" xmlns:r="http://schemas.openxmlformats.org/officeDocument/2006/relationships" xmlns:p="http://schemas.openxmlformats.org/presentationml/2006/main">
   <p:cSld name="focus">
     <p:bg>
       <p:bgPr>
         <a:solidFill>
           <a:schemeClr val="dk1"/>
         </a:solidFill>
+        <a:effectLst/>
       </p:bgPr>
     </p:bg>
     <p:spTree>
       <p:nvGrpSpPr>
-        <p:cNvPr id="5" name="Shape 5"/>
+        <p:cNvPr id="1" name="Shape 5"/>
         <p:cNvGrpSpPr/>
         <p:nvPr/>
       </p:nvGrpSpPr>
@@ -7993,7 +7913,9 @@
       <p:sp>
         <p:nvSpPr>
           <p:cNvPr id="6" name="Google Shape;6;p1"/>
-          <p:cNvSpPr txBox="1"/>
+          <p:cNvSpPr txBox="1">
+            <a:spLocks noGrp="1"/>
+          </p:cNvSpPr>
           <p:nvPr>
             <p:ph type="title"/>
           </p:nvPr>
@@ -8012,7 +7934,7 @@
           </a:ln>
         </p:spPr>
         <p:txBody>
-          <a:bodyPr anchorCtr="0" anchor="t" bIns="91425" lIns="91425" spcFirstLastPara="1" rIns="91425" wrap="square" tIns="91425"/>
+          <a:bodyPr spcFirstLastPara="1" wrap="square" lIns="91425" tIns="91425" rIns="91425" bIns="91425" anchor="t" anchorCtr="0"/>
           <a:lstStyle>
             <a:lvl1pPr lvl="0">
               <a:spcBef>
@@ -8222,15 +8144,19 @@
               </a:defRPr>
             </a:lvl9pPr>
           </a:lstStyle>
-          <a:p/>
+          <a:p>
+            <a:endParaRPr/>
+          </a:p>
         </p:txBody>
       </p:sp>
       <p:sp>
         <p:nvSpPr>
           <p:cNvPr id="7" name="Google Shape;7;p1"/>
-          <p:cNvSpPr txBox="1"/>
+          <p:cNvSpPr txBox="1">
+            <a:spLocks noGrp="1"/>
+          </p:cNvSpPr>
           <p:nvPr>
-            <p:ph idx="1" type="body"/>
+            <p:ph type="body" idx="1"/>
           </p:nvPr>
         </p:nvSpPr>
         <p:spPr>
@@ -8247,9 +8173,9 @@
           </a:ln>
         </p:spPr>
         <p:txBody>
-          <a:bodyPr anchorCtr="0" anchor="t" bIns="91425" lIns="91425" spcFirstLastPara="1" rIns="91425" wrap="square" tIns="91425"/>
+          <a:bodyPr spcFirstLastPara="1" wrap="square" lIns="91425" tIns="91425" rIns="91425" bIns="91425" anchor="t" anchorCtr="0"/>
           <a:lstStyle>
-            <a:lvl1pPr indent="-311150" lvl="0" marL="457200">
+            <a:lvl1pPr marL="457200" lvl="0" indent="-311150">
               <a:lnSpc>
                 <a:spcPct val="115000"/>
               </a:lnSpc>
@@ -8275,7 +8201,7 @@
                 <a:sym typeface="Lato"/>
               </a:defRPr>
             </a:lvl1pPr>
-            <a:lvl2pPr indent="-298450" lvl="1" marL="914400">
+            <a:lvl2pPr marL="914400" lvl="1" indent="-298450">
               <a:lnSpc>
                 <a:spcPct val="115000"/>
               </a:lnSpc>
@@ -8301,7 +8227,7 @@
                 <a:sym typeface="Lato"/>
               </a:defRPr>
             </a:lvl2pPr>
-            <a:lvl3pPr indent="-298450" lvl="2" marL="1371600">
+            <a:lvl3pPr marL="1371600" lvl="2" indent="-298450">
               <a:lnSpc>
                 <a:spcPct val="115000"/>
               </a:lnSpc>
@@ -8327,7 +8253,7 @@
                 <a:sym typeface="Lato"/>
               </a:defRPr>
             </a:lvl3pPr>
-            <a:lvl4pPr indent="-298450" lvl="3" marL="1828800">
+            <a:lvl4pPr marL="1828800" lvl="3" indent="-298450">
               <a:lnSpc>
                 <a:spcPct val="115000"/>
               </a:lnSpc>
@@ -8353,7 +8279,7 @@
                 <a:sym typeface="Lato"/>
               </a:defRPr>
             </a:lvl4pPr>
-            <a:lvl5pPr indent="-298450" lvl="4" marL="2286000">
+            <a:lvl5pPr marL="2286000" lvl="4" indent="-298450">
               <a:lnSpc>
                 <a:spcPct val="115000"/>
               </a:lnSpc>
@@ -8379,7 +8305,7 @@
                 <a:sym typeface="Lato"/>
               </a:defRPr>
             </a:lvl5pPr>
-            <a:lvl6pPr indent="-298450" lvl="5" marL="2743200">
+            <a:lvl6pPr marL="2743200" lvl="5" indent="-298450">
               <a:lnSpc>
                 <a:spcPct val="115000"/>
               </a:lnSpc>
@@ -8405,7 +8331,7 @@
                 <a:sym typeface="Lato"/>
               </a:defRPr>
             </a:lvl6pPr>
-            <a:lvl7pPr indent="-298450" lvl="6" marL="3200400">
+            <a:lvl7pPr marL="3200400" lvl="6" indent="-298450">
               <a:lnSpc>
                 <a:spcPct val="115000"/>
               </a:lnSpc>
@@ -8431,7 +8357,7 @@
                 <a:sym typeface="Lato"/>
               </a:defRPr>
             </a:lvl7pPr>
-            <a:lvl8pPr indent="-298450" lvl="7" marL="3657600">
+            <a:lvl8pPr marL="3657600" lvl="7" indent="-298450">
               <a:lnSpc>
                 <a:spcPct val="115000"/>
               </a:lnSpc>
@@ -8457,7 +8383,7 @@
                 <a:sym typeface="Lato"/>
               </a:defRPr>
             </a:lvl8pPr>
-            <a:lvl9pPr indent="-298450" lvl="8" marL="4114800">
+            <a:lvl9pPr marL="4114800" lvl="8" indent="-298450">
               <a:lnSpc>
                 <a:spcPct val="115000"/>
               </a:lnSpc>
@@ -8484,15 +8410,19 @@
               </a:defRPr>
             </a:lvl9pPr>
           </a:lstStyle>
-          <a:p/>
+          <a:p>
+            <a:endParaRPr/>
+          </a:p>
         </p:txBody>
       </p:sp>
       <p:sp>
         <p:nvSpPr>
           <p:cNvPr id="8" name="Google Shape;8;p1"/>
-          <p:cNvSpPr txBox="1"/>
+          <p:cNvSpPr txBox="1">
+            <a:spLocks noGrp="1"/>
+          </p:cNvSpPr>
           <p:nvPr>
-            <p:ph idx="12" type="sldNum"/>
+            <p:ph type="sldNum" idx="12"/>
           </p:nvPr>
         </p:nvSpPr>
         <p:spPr>
@@ -8509,7 +8439,7 @@
           </a:ln>
         </p:spPr>
         <p:txBody>
-          <a:bodyPr anchorCtr="0" anchor="ctr" bIns="91425" lIns="91425" spcFirstLastPara="1" rIns="91425" wrap="square" tIns="91425">
+          <a:bodyPr spcFirstLastPara="1" wrap="square" lIns="91425" tIns="91425" rIns="91425" bIns="91425" anchor="ctr" anchorCtr="0">
             <a:noAutofit/>
           </a:bodyPr>
           <a:lstStyle>
@@ -8623,7 +8553,7 @@
             </a:lvl9pPr>
           </a:lstStyle>
           <a:p>
-            <a:pPr indent="0" lvl="0" marL="0" rtl="0" algn="r">
+            <a:pPr marL="0" lvl="0" indent="0" algn="r" rtl="0">
               <a:spcBef>
                 <a:spcPts val="0"/>
               </a:spcBef>
@@ -8642,7 +8572,7 @@
       </p:sp>
     </p:spTree>
   </p:cSld>
-  <p:clrMap accent1="accent1" accent2="accent2" accent3="accent3" accent4="accent4" accent5="accent5" accent6="accent6" bg1="lt1" bg2="dk2" tx1="dk1" tx2="lt2" folHlink="folHlink" hlink="hlink"/>
+  <p:clrMap bg1="lt1" tx1="dk1" bg2="dk2" tx2="lt2" accent1="accent1" accent2="accent2" accent3="accent3" accent4="accent4" accent5="accent5" accent6="accent6" hlink="hlink" folHlink="folHlink"/>
   <p:sldLayoutIdLst>
     <p:sldLayoutId id="2147483648" r:id="rId1"/>
     <p:sldLayoutId id="2147483649" r:id="rId2"/>
@@ -8656,10 +8586,10 @@
     <p:sldLayoutId id="2147483657" r:id="rId10"/>
     <p:sldLayoutId id="2147483658" r:id="rId11"/>
   </p:sldLayoutIdLst>
-  <p:hf dt="0" ftr="0" hdr="0" sldNum="0"/>
+  <p:hf sldNum="0" hdr="0" ftr="0" dt="0"/>
   <p:txStyles>
     <p:titleStyle>
-      <a:defPPr lvl="0" marR="0" rtl="0" algn="l">
+      <a:defPPr marR="0" lvl="0" algn="l" rtl="0">
         <a:lnSpc>
           <a:spcPct val="100000"/>
         </a:lnSpc>
@@ -8670,7 +8600,7 @@
           <a:spcPts val="0"/>
         </a:spcAft>
       </a:defPPr>
-      <a:lvl1pPr lvl="0" marR="0" rtl="0" algn="l">
+      <a:lvl1pPr marR="0" lvl="0" algn="l" rtl="0">
         <a:lnSpc>
           <a:spcPct val="100000"/>
         </a:lnSpc>
@@ -8684,7 +8614,7 @@
           <a:srgbClr val="000000"/>
         </a:buClr>
         <a:buFont typeface="Arial"/>
-        <a:defRPr b="0" i="0" sz="1400" u="none" cap="none" strike="noStrike">
+        <a:defRPr sz="1400" b="0" i="0" u="none" strike="noStrike" cap="none">
           <a:solidFill>
             <a:srgbClr val="000000"/>
           </a:solidFill>
@@ -8694,7 +8624,7 @@
           <a:sym typeface="Arial"/>
         </a:defRPr>
       </a:lvl1pPr>
-      <a:lvl2pPr lvl="1" marR="0" rtl="0" algn="l">
+      <a:lvl2pPr marR="0" lvl="1" algn="l" rtl="0">
         <a:lnSpc>
           <a:spcPct val="100000"/>
         </a:lnSpc>
@@ -8708,7 +8638,7 @@
           <a:srgbClr val="000000"/>
         </a:buClr>
         <a:buFont typeface="Arial"/>
-        <a:defRPr b="0" i="0" sz="1400" u="none" cap="none" strike="noStrike">
+        <a:defRPr sz="1400" b="0" i="0" u="none" strike="noStrike" cap="none">
           <a:solidFill>
             <a:srgbClr val="000000"/>
           </a:solidFill>
@@ -8718,7 +8648,7 @@
           <a:sym typeface="Arial"/>
         </a:defRPr>
       </a:lvl2pPr>
-      <a:lvl3pPr lvl="2" marR="0" rtl="0" algn="l">
+      <a:lvl3pPr marR="0" lvl="2" algn="l" rtl="0">
         <a:lnSpc>
           <a:spcPct val="100000"/>
         </a:lnSpc>
@@ -8732,7 +8662,7 @@
           <a:srgbClr val="000000"/>
         </a:buClr>
         <a:buFont typeface="Arial"/>
-        <a:defRPr b="0" i="0" sz="1400" u="none" cap="none" strike="noStrike">
+        <a:defRPr sz="1400" b="0" i="0" u="none" strike="noStrike" cap="none">
           <a:solidFill>
             <a:srgbClr val="000000"/>
           </a:solidFill>
@@ -8742,7 +8672,7 @@
           <a:sym typeface="Arial"/>
         </a:defRPr>
       </a:lvl3pPr>
-      <a:lvl4pPr lvl="3" marR="0" rtl="0" algn="l">
+      <a:lvl4pPr marR="0" lvl="3" algn="l" rtl="0">
         <a:lnSpc>
           <a:spcPct val="100000"/>
         </a:lnSpc>
@@ -8756,7 +8686,7 @@
           <a:srgbClr val="000000"/>
         </a:buClr>
         <a:buFont typeface="Arial"/>
-        <a:defRPr b="0" i="0" sz="1400" u="none" cap="none" strike="noStrike">
+        <a:defRPr sz="1400" b="0" i="0" u="none" strike="noStrike" cap="none">
           <a:solidFill>
             <a:srgbClr val="000000"/>
           </a:solidFill>
@@ -8766,7 +8696,7 @@
           <a:sym typeface="Arial"/>
         </a:defRPr>
       </a:lvl4pPr>
-      <a:lvl5pPr lvl="4" marR="0" rtl="0" algn="l">
+      <a:lvl5pPr marR="0" lvl="4" algn="l" rtl="0">
         <a:lnSpc>
           <a:spcPct val="100000"/>
         </a:lnSpc>
@@ -8780,7 +8710,7 @@
           <a:srgbClr val="000000"/>
         </a:buClr>
         <a:buFont typeface="Arial"/>
-        <a:defRPr b="0" i="0" sz="1400" u="none" cap="none" strike="noStrike">
+        <a:defRPr sz="1400" b="0" i="0" u="none" strike="noStrike" cap="none">
           <a:solidFill>
             <a:srgbClr val="000000"/>
           </a:solidFill>
@@ -8790,7 +8720,7 @@
           <a:sym typeface="Arial"/>
         </a:defRPr>
       </a:lvl5pPr>
-      <a:lvl6pPr lvl="5" marR="0" rtl="0" algn="l">
+      <a:lvl6pPr marR="0" lvl="5" algn="l" rtl="0">
         <a:lnSpc>
           <a:spcPct val="100000"/>
         </a:lnSpc>
@@ -8804,7 +8734,7 @@
           <a:srgbClr val="000000"/>
         </a:buClr>
         <a:buFont typeface="Arial"/>
-        <a:defRPr b="0" i="0" sz="1400" u="none" cap="none" strike="noStrike">
+        <a:defRPr sz="1400" b="0" i="0" u="none" strike="noStrike" cap="none">
           <a:solidFill>
             <a:srgbClr val="000000"/>
           </a:solidFill>
@@ -8814,7 +8744,7 @@
           <a:sym typeface="Arial"/>
         </a:defRPr>
       </a:lvl6pPr>
-      <a:lvl7pPr lvl="6" marR="0" rtl="0" algn="l">
+      <a:lvl7pPr marR="0" lvl="6" algn="l" rtl="0">
         <a:lnSpc>
           <a:spcPct val="100000"/>
         </a:lnSpc>
@@ -8828,7 +8758,7 @@
           <a:srgbClr val="000000"/>
         </a:buClr>
         <a:buFont typeface="Arial"/>
-        <a:defRPr b="0" i="0" sz="1400" u="none" cap="none" strike="noStrike">
+        <a:defRPr sz="1400" b="0" i="0" u="none" strike="noStrike" cap="none">
           <a:solidFill>
             <a:srgbClr val="000000"/>
           </a:solidFill>
@@ -8838,7 +8768,7 @@
           <a:sym typeface="Arial"/>
         </a:defRPr>
       </a:lvl7pPr>
-      <a:lvl8pPr lvl="7" marR="0" rtl="0" algn="l">
+      <a:lvl8pPr marR="0" lvl="7" algn="l" rtl="0">
         <a:lnSpc>
           <a:spcPct val="100000"/>
         </a:lnSpc>
@@ -8852,7 +8782,7 @@
           <a:srgbClr val="000000"/>
         </a:buClr>
         <a:buFont typeface="Arial"/>
-        <a:defRPr b="0" i="0" sz="1400" u="none" cap="none" strike="noStrike">
+        <a:defRPr sz="1400" b="0" i="0" u="none" strike="noStrike" cap="none">
           <a:solidFill>
             <a:srgbClr val="000000"/>
           </a:solidFill>
@@ -8862,7 +8792,7 @@
           <a:sym typeface="Arial"/>
         </a:defRPr>
       </a:lvl8pPr>
-      <a:lvl9pPr lvl="8" marR="0" rtl="0" algn="l">
+      <a:lvl9pPr marR="0" lvl="8" algn="l" rtl="0">
         <a:lnSpc>
           <a:spcPct val="100000"/>
         </a:lnSpc>
@@ -8876,7 +8806,7 @@
           <a:srgbClr val="000000"/>
         </a:buClr>
         <a:buFont typeface="Arial"/>
-        <a:defRPr b="0" i="0" sz="1400" u="none" cap="none" strike="noStrike">
+        <a:defRPr sz="1400" b="0" i="0" u="none" strike="noStrike" cap="none">
           <a:solidFill>
             <a:srgbClr val="000000"/>
           </a:solidFill>
@@ -8888,7 +8818,7 @@
       </a:lvl9pPr>
     </p:titleStyle>
     <p:bodyStyle>
-      <a:defPPr lvl="0" marR="0" rtl="0" algn="l">
+      <a:defPPr marR="0" lvl="0" algn="l" rtl="0">
         <a:lnSpc>
           <a:spcPct val="100000"/>
         </a:lnSpc>
@@ -8899,7 +8829,7 @@
           <a:spcPts val="0"/>
         </a:spcAft>
       </a:defPPr>
-      <a:lvl1pPr lvl="0" marR="0" rtl="0" algn="l">
+      <a:lvl1pPr marR="0" lvl="0" algn="l" rtl="0">
         <a:lnSpc>
           <a:spcPct val="100000"/>
         </a:lnSpc>
@@ -8913,7 +8843,7 @@
           <a:srgbClr val="000000"/>
         </a:buClr>
         <a:buFont typeface="Arial"/>
-        <a:defRPr b="0" i="0" sz="1400" u="none" cap="none" strike="noStrike">
+        <a:defRPr sz="1400" b="0" i="0" u="none" strike="noStrike" cap="none">
           <a:solidFill>
             <a:srgbClr val="000000"/>
           </a:solidFill>
@@ -8923,7 +8853,7 @@
           <a:sym typeface="Arial"/>
         </a:defRPr>
       </a:lvl1pPr>
-      <a:lvl2pPr lvl="1" marR="0" rtl="0" algn="l">
+      <a:lvl2pPr marR="0" lvl="1" algn="l" rtl="0">
         <a:lnSpc>
           <a:spcPct val="100000"/>
         </a:lnSpc>
@@ -8937,7 +8867,7 @@
           <a:srgbClr val="000000"/>
         </a:buClr>
         <a:buFont typeface="Arial"/>
-        <a:defRPr b="0" i="0" sz="1400" u="none" cap="none" strike="noStrike">
+        <a:defRPr sz="1400" b="0" i="0" u="none" strike="noStrike" cap="none">
           <a:solidFill>
             <a:srgbClr val="000000"/>
           </a:solidFill>
@@ -8947,7 +8877,7 @@
           <a:sym typeface="Arial"/>
         </a:defRPr>
       </a:lvl2pPr>
-      <a:lvl3pPr lvl="2" marR="0" rtl="0" algn="l">
+      <a:lvl3pPr marR="0" lvl="2" algn="l" rtl="0">
         <a:lnSpc>
           <a:spcPct val="100000"/>
         </a:lnSpc>
@@ -8961,7 +8891,7 @@
           <a:srgbClr val="000000"/>
         </a:buClr>
         <a:buFont typeface="Arial"/>
-        <a:defRPr b="0" i="0" sz="1400" u="none" cap="none" strike="noStrike">
+        <a:defRPr sz="1400" b="0" i="0" u="none" strike="noStrike" cap="none">
           <a:solidFill>
             <a:srgbClr val="000000"/>
           </a:solidFill>
@@ -8971,7 +8901,7 @@
           <a:sym typeface="Arial"/>
         </a:defRPr>
       </a:lvl3pPr>
-      <a:lvl4pPr lvl="3" marR="0" rtl="0" algn="l">
+      <a:lvl4pPr marR="0" lvl="3" algn="l" rtl="0">
         <a:lnSpc>
           <a:spcPct val="100000"/>
         </a:lnSpc>
@@ -8985,7 +8915,7 @@
           <a:srgbClr val="000000"/>
         </a:buClr>
         <a:buFont typeface="Arial"/>
-        <a:defRPr b="0" i="0" sz="1400" u="none" cap="none" strike="noStrike">
+        <a:defRPr sz="1400" b="0" i="0" u="none" strike="noStrike" cap="none">
           <a:solidFill>
             <a:srgbClr val="000000"/>
           </a:solidFill>
@@ -8995,7 +8925,7 @@
           <a:sym typeface="Arial"/>
         </a:defRPr>
       </a:lvl4pPr>
-      <a:lvl5pPr lvl="4" marR="0" rtl="0" algn="l">
+      <a:lvl5pPr marR="0" lvl="4" algn="l" rtl="0">
         <a:lnSpc>
           <a:spcPct val="100000"/>
         </a:lnSpc>
@@ -9009,7 +8939,7 @@
           <a:srgbClr val="000000"/>
         </a:buClr>
         <a:buFont typeface="Arial"/>
-        <a:defRPr b="0" i="0" sz="1400" u="none" cap="none" strike="noStrike">
+        <a:defRPr sz="1400" b="0" i="0" u="none" strike="noStrike" cap="none">
           <a:solidFill>
             <a:srgbClr val="000000"/>
           </a:solidFill>
@@ -9019,7 +8949,7 @@
           <a:sym typeface="Arial"/>
         </a:defRPr>
       </a:lvl5pPr>
-      <a:lvl6pPr lvl="5" marR="0" rtl="0" algn="l">
+      <a:lvl6pPr marR="0" lvl="5" algn="l" rtl="0">
         <a:lnSpc>
           <a:spcPct val="100000"/>
         </a:lnSpc>
@@ -9033,7 +8963,7 @@
           <a:srgbClr val="000000"/>
         </a:buClr>
         <a:buFont typeface="Arial"/>
-        <a:defRPr b="0" i="0" sz="1400" u="none" cap="none" strike="noStrike">
+        <a:defRPr sz="1400" b="0" i="0" u="none" strike="noStrike" cap="none">
           <a:solidFill>
             <a:srgbClr val="000000"/>
           </a:solidFill>
@@ -9043,7 +8973,7 @@
           <a:sym typeface="Arial"/>
         </a:defRPr>
       </a:lvl6pPr>
-      <a:lvl7pPr lvl="6" marR="0" rtl="0" algn="l">
+      <a:lvl7pPr marR="0" lvl="6" algn="l" rtl="0">
         <a:lnSpc>
           <a:spcPct val="100000"/>
         </a:lnSpc>
@@ -9057,7 +8987,7 @@
           <a:srgbClr val="000000"/>
         </a:buClr>
         <a:buFont typeface="Arial"/>
-        <a:defRPr b="0" i="0" sz="1400" u="none" cap="none" strike="noStrike">
+        <a:defRPr sz="1400" b="0" i="0" u="none" strike="noStrike" cap="none">
           <a:solidFill>
             <a:srgbClr val="000000"/>
           </a:solidFill>
@@ -9067,7 +8997,7 @@
           <a:sym typeface="Arial"/>
         </a:defRPr>
       </a:lvl7pPr>
-      <a:lvl8pPr lvl="7" marR="0" rtl="0" algn="l">
+      <a:lvl8pPr marR="0" lvl="7" algn="l" rtl="0">
         <a:lnSpc>
           <a:spcPct val="100000"/>
         </a:lnSpc>
@@ -9081,7 +9011,7 @@
           <a:srgbClr val="000000"/>
         </a:buClr>
         <a:buFont typeface="Arial"/>
-        <a:defRPr b="0" i="0" sz="1400" u="none" cap="none" strike="noStrike">
+        <a:defRPr sz="1400" b="0" i="0" u="none" strike="noStrike" cap="none">
           <a:solidFill>
             <a:srgbClr val="000000"/>
           </a:solidFill>
@@ -9091,7 +9021,7 @@
           <a:sym typeface="Arial"/>
         </a:defRPr>
       </a:lvl8pPr>
-      <a:lvl9pPr lvl="8" marR="0" rtl="0" algn="l">
+      <a:lvl9pPr marR="0" lvl="8" algn="l" rtl="0">
         <a:lnSpc>
           <a:spcPct val="100000"/>
         </a:lnSpc>
@@ -9105,7 +9035,7 @@
           <a:srgbClr val="000000"/>
         </a:buClr>
         <a:buFont typeface="Arial"/>
-        <a:defRPr b="0" i="0" sz="1400" u="none" cap="none" strike="noStrike">
+        <a:defRPr sz="1400" b="0" i="0" u="none" strike="noStrike" cap="none">
           <a:solidFill>
             <a:srgbClr val="000000"/>
           </a:solidFill>
@@ -9117,7 +9047,7 @@
       </a:lvl9pPr>
     </p:bodyStyle>
     <p:otherStyle>
-      <a:defPPr lvl="0" marR="0" rtl="0" algn="l">
+      <a:defPPr marR="0" lvl="0" algn="l" rtl="0">
         <a:lnSpc>
           <a:spcPct val="100000"/>
         </a:lnSpc>
@@ -9128,7 +9058,7 @@
           <a:spcPts val="0"/>
         </a:spcAft>
       </a:defPPr>
-      <a:lvl1pPr lvl="0" marR="0" rtl="0" algn="l">
+      <a:lvl1pPr marR="0" lvl="0" algn="l" rtl="0">
         <a:lnSpc>
           <a:spcPct val="100000"/>
         </a:lnSpc>
@@ -9142,7 +9072,7 @@
           <a:srgbClr val="000000"/>
         </a:buClr>
         <a:buFont typeface="Arial"/>
-        <a:defRPr b="0" i="0" sz="1400" u="none" cap="none" strike="noStrike">
+        <a:defRPr sz="1400" b="0" i="0" u="none" strike="noStrike" cap="none">
           <a:solidFill>
             <a:srgbClr val="000000"/>
           </a:solidFill>
@@ -9152,7 +9082,7 @@
           <a:sym typeface="Arial"/>
         </a:defRPr>
       </a:lvl1pPr>
-      <a:lvl2pPr lvl="1" marR="0" rtl="0" algn="l">
+      <a:lvl2pPr marR="0" lvl="1" algn="l" rtl="0">
         <a:lnSpc>
           <a:spcPct val="100000"/>
         </a:lnSpc>
@@ -9166,7 +9096,7 @@
           <a:srgbClr val="000000"/>
         </a:buClr>
         <a:buFont typeface="Arial"/>
-        <a:defRPr b="0" i="0" sz="1400" u="none" cap="none" strike="noStrike">
+        <a:defRPr sz="1400" b="0" i="0" u="none" strike="noStrike" cap="none">
           <a:solidFill>
             <a:srgbClr val="000000"/>
           </a:solidFill>
@@ -9176,7 +9106,7 @@
           <a:sym typeface="Arial"/>
         </a:defRPr>
       </a:lvl2pPr>
-      <a:lvl3pPr lvl="2" marR="0" rtl="0" algn="l">
+      <a:lvl3pPr marR="0" lvl="2" algn="l" rtl="0">
         <a:lnSpc>
           <a:spcPct val="100000"/>
         </a:lnSpc>
@@ -9190,7 +9120,7 @@
           <a:srgbClr val="000000"/>
         </a:buClr>
         <a:buFont typeface="Arial"/>
-        <a:defRPr b="0" i="0" sz="1400" u="none" cap="none" strike="noStrike">
+        <a:defRPr sz="1400" b="0" i="0" u="none" strike="noStrike" cap="none">
           <a:solidFill>
             <a:srgbClr val="000000"/>
           </a:solidFill>
@@ -9200,7 +9130,7 @@
           <a:sym typeface="Arial"/>
         </a:defRPr>
       </a:lvl3pPr>
-      <a:lvl4pPr lvl="3" marR="0" rtl="0" algn="l">
+      <a:lvl4pPr marR="0" lvl="3" algn="l" rtl="0">
         <a:lnSpc>
           <a:spcPct val="100000"/>
         </a:lnSpc>
@@ -9214,7 +9144,7 @@
           <a:srgbClr val="000000"/>
         </a:buClr>
         <a:buFont typeface="Arial"/>
-        <a:defRPr b="0" i="0" sz="1400" u="none" cap="none" strike="noStrike">
+        <a:defRPr sz="1400" b="0" i="0" u="none" strike="noStrike" cap="none">
           <a:solidFill>
             <a:srgbClr val="000000"/>
           </a:solidFill>
@@ -9224,7 +9154,7 @@
           <a:sym typeface="Arial"/>
         </a:defRPr>
       </a:lvl4pPr>
-      <a:lvl5pPr lvl="4" marR="0" rtl="0" algn="l">
+      <a:lvl5pPr marR="0" lvl="4" algn="l" rtl="0">
         <a:lnSpc>
           <a:spcPct val="100000"/>
         </a:lnSpc>
@@ -9238,7 +9168,7 @@
           <a:srgbClr val="000000"/>
         </a:buClr>
         <a:buFont typeface="Arial"/>
-        <a:defRPr b="0" i="0" sz="1400" u="none" cap="none" strike="noStrike">
+        <a:defRPr sz="1400" b="0" i="0" u="none" strike="noStrike" cap="none">
           <a:solidFill>
             <a:srgbClr val="000000"/>
           </a:solidFill>
@@ -9248,7 +9178,7 @@
           <a:sym typeface="Arial"/>
         </a:defRPr>
       </a:lvl5pPr>
-      <a:lvl6pPr lvl="5" marR="0" rtl="0" algn="l">
+      <a:lvl6pPr marR="0" lvl="5" algn="l" rtl="0">
         <a:lnSpc>
           <a:spcPct val="100000"/>
         </a:lnSpc>
@@ -9262,7 +9192,7 @@
           <a:srgbClr val="000000"/>
         </a:buClr>
         <a:buFont typeface="Arial"/>
-        <a:defRPr b="0" i="0" sz="1400" u="none" cap="none" strike="noStrike">
+        <a:defRPr sz="1400" b="0" i="0" u="none" strike="noStrike" cap="none">
           <a:solidFill>
             <a:srgbClr val="000000"/>
           </a:solidFill>
@@ -9272,7 +9202,7 @@
           <a:sym typeface="Arial"/>
         </a:defRPr>
       </a:lvl6pPr>
-      <a:lvl7pPr lvl="6" marR="0" rtl="0" algn="l">
+      <a:lvl7pPr marR="0" lvl="6" algn="l" rtl="0">
         <a:lnSpc>
           <a:spcPct val="100000"/>
         </a:lnSpc>
@@ -9286,7 +9216,7 @@
           <a:srgbClr val="000000"/>
         </a:buClr>
         <a:buFont typeface="Arial"/>
-        <a:defRPr b="0" i="0" sz="1400" u="none" cap="none" strike="noStrike">
+        <a:defRPr sz="1400" b="0" i="0" u="none" strike="noStrike" cap="none">
           <a:solidFill>
             <a:srgbClr val="000000"/>
           </a:solidFill>
@@ -9296,7 +9226,7 @@
           <a:sym typeface="Arial"/>
         </a:defRPr>
       </a:lvl7pPr>
-      <a:lvl8pPr lvl="7" marR="0" rtl="0" algn="l">
+      <a:lvl8pPr marR="0" lvl="7" algn="l" rtl="0">
         <a:lnSpc>
           <a:spcPct val="100000"/>
         </a:lnSpc>
@@ -9310,7 +9240,7 @@
           <a:srgbClr val="000000"/>
         </a:buClr>
         <a:buFont typeface="Arial"/>
-        <a:defRPr b="0" i="0" sz="1400" u="none" cap="none" strike="noStrike">
+        <a:defRPr sz="1400" b="0" i="0" u="none" strike="noStrike" cap="none">
           <a:solidFill>
             <a:srgbClr val="000000"/>
           </a:solidFill>
@@ -9320,7 +9250,7 @@
           <a:sym typeface="Arial"/>
         </a:defRPr>
       </a:lvl8pPr>
-      <a:lvl9pPr lvl="8" marR="0" rtl="0" algn="l">
+      <a:lvl9pPr marR="0" lvl="8" algn="l" rtl="0">
         <a:lnSpc>
           <a:spcPct val="100000"/>
         </a:lnSpc>
@@ -9334,7 +9264,7 @@
           <a:srgbClr val="000000"/>
         </a:buClr>
         <a:buFont typeface="Arial"/>
-        <a:defRPr b="0" i="0" sz="1400" u="none" cap="none" strike="noStrike">
+        <a:defRPr sz="1400" b="0" i="0" u="none" strike="noStrike" cap="none">
           <a:solidFill>
             <a:srgbClr val="000000"/>
           </a:solidFill>
@@ -9350,11 +9280,11 @@
 </file>
 
 <file path=ppt/slides/slide1.xml><?xml version="1.0" encoding="utf-8"?>
-<p:sld xmlns:a="http://schemas.openxmlformats.org/drawingml/2006/main" xmlns:r="http://schemas.openxmlformats.org/officeDocument/2006/relationships" xmlns:mc="http://schemas.openxmlformats.org/markup-compatibility/2006" xmlns:mv="urn:schemas-microsoft-com:mac:vml" xmlns:p="http://schemas.openxmlformats.org/presentationml/2006/main" xmlns:c="http://schemas.openxmlformats.org/drawingml/2006/chart" xmlns:dgm="http://schemas.openxmlformats.org/drawingml/2006/diagram" xmlns:o="urn:schemas-microsoft-com:office:office" xmlns:v="urn:schemas-microsoft-com:vml" xmlns:pvml="urn:schemas-microsoft-com:office:powerpoint" xmlns:com="http://schemas.openxmlformats.org/drawingml/2006/compatibility" xmlns:p14="http://schemas.microsoft.com/office/powerpoint/2010/main" xmlns:p15="http://schemas.microsoft.com/office/powerpoint/2012/main">
+<p:sld xmlns:a="http://schemas.openxmlformats.org/drawingml/2006/main" xmlns:r="http://schemas.openxmlformats.org/officeDocument/2006/relationships" xmlns:p="http://schemas.openxmlformats.org/presentationml/2006/main">
   <p:cSld>
     <p:spTree>
       <p:nvGrpSpPr>
-        <p:cNvPr id="133" name="Shape 133"/>
+        <p:cNvPr id="1" name="Shape 133"/>
         <p:cNvGrpSpPr/>
         <p:nvPr/>
       </p:nvGrpSpPr>
@@ -9369,7 +9299,9 @@
       <p:sp>
         <p:nvSpPr>
           <p:cNvPr id="134" name="Google Shape;134;p13"/>
-          <p:cNvSpPr txBox="1"/>
+          <p:cNvSpPr txBox="1">
+            <a:spLocks noGrp="1"/>
+          </p:cNvSpPr>
           <p:nvPr>
             <p:ph type="ctrTitle"/>
           </p:nvPr>
@@ -9384,12 +9316,12 @@
           </a:prstGeom>
         </p:spPr>
         <p:txBody>
-          <a:bodyPr anchorCtr="0" anchor="t" bIns="91425" lIns="91425" spcFirstLastPara="1" rIns="91425" wrap="square" tIns="91425">
+          <a:bodyPr spcFirstLastPara="1" wrap="square" lIns="91425" tIns="91425" rIns="91425" bIns="91425" anchor="t" anchorCtr="0">
             <a:noAutofit/>
           </a:bodyPr>
           <a:lstStyle/>
           <a:p>
-            <a:pPr indent="0" lvl="0" marL="0" rtl="0" algn="l">
+            <a:pPr marL="0" lvl="0" indent="0" algn="l" rtl="0">
               <a:spcBef>
                 <a:spcPts val="0"/>
               </a:spcBef>
@@ -9409,9 +9341,11 @@
       <p:sp>
         <p:nvSpPr>
           <p:cNvPr id="135" name="Google Shape;135;p13"/>
-          <p:cNvSpPr txBox="1"/>
+          <p:cNvSpPr txBox="1">
+            <a:spLocks noGrp="1"/>
+          </p:cNvSpPr>
           <p:nvPr>
-            <p:ph idx="1" type="subTitle"/>
+            <p:ph type="subTitle" idx="1"/>
           </p:nvPr>
         </p:nvSpPr>
         <p:spPr>
@@ -9424,12 +9358,12 @@
           </a:prstGeom>
         </p:spPr>
         <p:txBody>
-          <a:bodyPr anchorCtr="0" anchor="t" bIns="91425" lIns="91425" spcFirstLastPara="1" rIns="91425" wrap="square" tIns="91425">
+          <a:bodyPr spcFirstLastPara="1" wrap="square" lIns="91425" tIns="91425" rIns="91425" bIns="91425" anchor="t" anchorCtr="0">
             <a:noAutofit/>
           </a:bodyPr>
           <a:lstStyle/>
           <a:p>
-            <a:pPr indent="0" lvl="0" marL="0" rtl="0" algn="r">
+            <a:pPr marL="0" lvl="0" indent="0" algn="r" rtl="0">
               <a:spcBef>
                 <a:spcPts val="0"/>
               </a:spcBef>
@@ -9465,11 +9399,11 @@
 </file>
 
 <file path=ppt/slides/slide2.xml><?xml version="1.0" encoding="utf-8"?>
-<p:sld xmlns:a="http://schemas.openxmlformats.org/drawingml/2006/main" xmlns:r="http://schemas.openxmlformats.org/officeDocument/2006/relationships" xmlns:mc="http://schemas.openxmlformats.org/markup-compatibility/2006" xmlns:mv="urn:schemas-microsoft-com:mac:vml" xmlns:p="http://schemas.openxmlformats.org/presentationml/2006/main" xmlns:c="http://schemas.openxmlformats.org/drawingml/2006/chart" xmlns:dgm="http://schemas.openxmlformats.org/drawingml/2006/diagram" xmlns:o="urn:schemas-microsoft-com:office:office" xmlns:v="urn:schemas-microsoft-com:vml" xmlns:pvml="urn:schemas-microsoft-com:office:powerpoint" xmlns:com="http://schemas.openxmlformats.org/drawingml/2006/compatibility" xmlns:p14="http://schemas.microsoft.com/office/powerpoint/2010/main" xmlns:p15="http://schemas.microsoft.com/office/powerpoint/2012/main">
+<p:sld xmlns:a="http://schemas.openxmlformats.org/drawingml/2006/main" xmlns:r="http://schemas.openxmlformats.org/officeDocument/2006/relationships" xmlns:p="http://schemas.openxmlformats.org/presentationml/2006/main">
   <p:cSld>
     <p:spTree>
       <p:nvGrpSpPr>
-        <p:cNvPr id="139" name="Shape 139"/>
+        <p:cNvPr id="1" name="Shape 139"/>
         <p:cNvGrpSpPr/>
         <p:nvPr/>
       </p:nvGrpSpPr>
@@ -9484,7 +9418,9 @@
       <p:sp>
         <p:nvSpPr>
           <p:cNvPr id="140" name="Google Shape;140;p14"/>
-          <p:cNvSpPr txBox="1"/>
+          <p:cNvSpPr txBox="1">
+            <a:spLocks noGrp="1"/>
+          </p:cNvSpPr>
           <p:nvPr>
             <p:ph type="title"/>
           </p:nvPr>
@@ -9499,12 +9435,12 @@
           </a:prstGeom>
         </p:spPr>
         <p:txBody>
-          <a:bodyPr anchorCtr="0" anchor="t" bIns="91425" lIns="91425" spcFirstLastPara="1" rIns="91425" wrap="square" tIns="91425">
+          <a:bodyPr spcFirstLastPara="1" wrap="square" lIns="91425" tIns="91425" rIns="91425" bIns="91425" anchor="t" anchorCtr="0">
             <a:noAutofit/>
           </a:bodyPr>
           <a:lstStyle/>
           <a:p>
-            <a:pPr indent="0" lvl="0" marL="0" rtl="0" algn="l">
+            <a:pPr marL="0" lvl="0" indent="0" algn="l" rtl="0">
               <a:spcBef>
                 <a:spcPts val="0"/>
               </a:spcBef>
@@ -9524,9 +9460,11 @@
       <p:sp>
         <p:nvSpPr>
           <p:cNvPr id="141" name="Google Shape;141;p14"/>
-          <p:cNvSpPr txBox="1"/>
+          <p:cNvSpPr txBox="1">
+            <a:spLocks noGrp="1"/>
+          </p:cNvSpPr>
           <p:nvPr>
-            <p:ph idx="1" type="body"/>
+            <p:ph type="body" idx="1"/>
           </p:nvPr>
         </p:nvSpPr>
         <p:spPr>
@@ -9539,12 +9477,12 @@
           </a:prstGeom>
         </p:spPr>
         <p:txBody>
-          <a:bodyPr anchorCtr="0" anchor="t" bIns="91425" lIns="91425" spcFirstLastPara="1" rIns="91425" wrap="square" tIns="91425">
+          <a:bodyPr spcFirstLastPara="1" wrap="square" lIns="91425" tIns="91425" rIns="91425" bIns="91425" anchor="t" anchorCtr="0">
             <a:noAutofit/>
           </a:bodyPr>
           <a:lstStyle/>
           <a:p>
-            <a:pPr indent="0" lvl="0" marL="0" rtl="0" algn="l">
+            <a:pPr marL="0" lvl="0" indent="0" algn="l" rtl="0">
               <a:spcBef>
                 <a:spcPts val="0"/>
               </a:spcBef>
@@ -9647,12 +9585,12 @@
           </a:ln>
         </p:spPr>
         <p:txBody>
-          <a:bodyPr anchorCtr="0" anchor="t" bIns="91425" lIns="91425" spcFirstLastPara="1" rIns="91425" wrap="square" tIns="91425">
+          <a:bodyPr spcFirstLastPara="1" wrap="square" lIns="91425" tIns="91425" rIns="91425" bIns="91425" anchor="t" anchorCtr="0">
             <a:noAutofit/>
           </a:bodyPr>
           <a:lstStyle/>
           <a:p>
-            <a:pPr indent="0" lvl="0" marL="0" rtl="0" algn="l">
+            <a:pPr marL="0" lvl="0" indent="0" algn="l" rtl="0">
               <a:spcBef>
                 <a:spcPts val="0"/>
               </a:spcBef>
@@ -9694,11 +9632,11 @@
 </file>
 
 <file path=ppt/slides/slide3.xml><?xml version="1.0" encoding="utf-8"?>
-<p:sld xmlns:a="http://schemas.openxmlformats.org/drawingml/2006/main" xmlns:r="http://schemas.openxmlformats.org/officeDocument/2006/relationships" xmlns:mc="http://schemas.openxmlformats.org/markup-compatibility/2006" xmlns:mv="urn:schemas-microsoft-com:mac:vml" xmlns:p="http://schemas.openxmlformats.org/presentationml/2006/main" xmlns:c="http://schemas.openxmlformats.org/drawingml/2006/chart" xmlns:dgm="http://schemas.openxmlformats.org/drawingml/2006/diagram" xmlns:o="urn:schemas-microsoft-com:office:office" xmlns:v="urn:schemas-microsoft-com:vml" xmlns:pvml="urn:schemas-microsoft-com:office:powerpoint" xmlns:com="http://schemas.openxmlformats.org/drawingml/2006/compatibility" xmlns:p14="http://schemas.microsoft.com/office/powerpoint/2010/main" xmlns:p15="http://schemas.microsoft.com/office/powerpoint/2012/main">
+<p:sld xmlns:a="http://schemas.openxmlformats.org/drawingml/2006/main" xmlns:r="http://schemas.openxmlformats.org/officeDocument/2006/relationships" xmlns:p="http://schemas.openxmlformats.org/presentationml/2006/main">
   <p:cSld>
     <p:spTree>
       <p:nvGrpSpPr>
-        <p:cNvPr id="148" name="Shape 148"/>
+        <p:cNvPr id="1" name="Shape 148"/>
         <p:cNvGrpSpPr/>
         <p:nvPr/>
       </p:nvGrpSpPr>
@@ -9713,7 +9651,9 @@
       <p:sp>
         <p:nvSpPr>
           <p:cNvPr id="149" name="Google Shape;149;p15"/>
-          <p:cNvSpPr txBox="1"/>
+          <p:cNvSpPr txBox="1">
+            <a:spLocks noGrp="1"/>
+          </p:cNvSpPr>
           <p:nvPr>
             <p:ph type="title"/>
           </p:nvPr>
@@ -9728,12 +9668,12 @@
           </a:prstGeom>
         </p:spPr>
         <p:txBody>
-          <a:bodyPr anchorCtr="0" anchor="t" bIns="91425" lIns="91425" spcFirstLastPara="1" rIns="91425" wrap="square" tIns="91425">
+          <a:bodyPr spcFirstLastPara="1" wrap="square" lIns="91425" tIns="91425" rIns="91425" bIns="91425" anchor="t" anchorCtr="0">
             <a:noAutofit/>
           </a:bodyPr>
           <a:lstStyle/>
           <a:p>
-            <a:pPr indent="0" lvl="0" marL="0" rtl="0" algn="l">
+            <a:pPr marL="0" lvl="0" indent="0" algn="l" rtl="0">
               <a:spcBef>
                 <a:spcPts val="0"/>
               </a:spcBef>
@@ -9753,9 +9693,11 @@
       <p:sp>
         <p:nvSpPr>
           <p:cNvPr id="150" name="Google Shape;150;p15"/>
-          <p:cNvSpPr txBox="1"/>
+          <p:cNvSpPr txBox="1">
+            <a:spLocks noGrp="1"/>
+          </p:cNvSpPr>
           <p:nvPr>
-            <p:ph idx="1" type="body"/>
+            <p:ph type="body" idx="1"/>
           </p:nvPr>
         </p:nvSpPr>
         <p:spPr>
@@ -9768,12 +9710,12 @@
           </a:prstGeom>
         </p:spPr>
         <p:txBody>
-          <a:bodyPr anchorCtr="0" anchor="t" bIns="91425" lIns="91425" spcFirstLastPara="1" rIns="91425" wrap="square" tIns="91425">
+          <a:bodyPr spcFirstLastPara="1" wrap="square" lIns="91425" tIns="91425" rIns="91425" bIns="91425" anchor="t" anchorCtr="0">
             <a:noAutofit/>
           </a:bodyPr>
           <a:lstStyle/>
           <a:p>
-            <a:pPr indent="0" lvl="0" marL="0" rtl="0" algn="l">
+            <a:pPr marL="0" lvl="0" indent="0" algn="l" rtl="0">
               <a:spcBef>
                 <a:spcPts val="0"/>
               </a:spcBef>
@@ -9799,7 +9741,7 @@
             </a:endParaRPr>
           </a:p>
           <a:p>
-            <a:pPr indent="0" lvl="0" marL="0" rtl="0" algn="l">
+            <a:pPr marL="0" lvl="0" indent="0" algn="l" rtl="0">
               <a:spcBef>
                 <a:spcPts val="1600"/>
               </a:spcBef>
@@ -9835,11 +9777,11 @@
 </file>
 
 <file path=ppt/slides/slide4.xml><?xml version="1.0" encoding="utf-8"?>
-<p:sld xmlns:a="http://schemas.openxmlformats.org/drawingml/2006/main" xmlns:r="http://schemas.openxmlformats.org/officeDocument/2006/relationships" xmlns:mc="http://schemas.openxmlformats.org/markup-compatibility/2006" xmlns:mv="urn:schemas-microsoft-com:mac:vml" xmlns:p="http://schemas.openxmlformats.org/presentationml/2006/main" xmlns:c="http://schemas.openxmlformats.org/drawingml/2006/chart" xmlns:dgm="http://schemas.openxmlformats.org/drawingml/2006/diagram" xmlns:o="urn:schemas-microsoft-com:office:office" xmlns:v="urn:schemas-microsoft-com:vml" xmlns:pvml="urn:schemas-microsoft-com:office:powerpoint" xmlns:com="http://schemas.openxmlformats.org/drawingml/2006/compatibility" xmlns:p14="http://schemas.microsoft.com/office/powerpoint/2010/main" xmlns:p15="http://schemas.microsoft.com/office/powerpoint/2012/main">
+<p:sld xmlns:a="http://schemas.openxmlformats.org/drawingml/2006/main" xmlns:r="http://schemas.openxmlformats.org/officeDocument/2006/relationships" xmlns:p="http://schemas.openxmlformats.org/presentationml/2006/main">
   <p:cSld>
     <p:spTree>
       <p:nvGrpSpPr>
-        <p:cNvPr id="154" name="Shape 154"/>
+        <p:cNvPr id="1" name="Shape 154"/>
         <p:cNvGrpSpPr/>
         <p:nvPr/>
       </p:nvGrpSpPr>
@@ -9854,7 +9796,9 @@
       <p:sp>
         <p:nvSpPr>
           <p:cNvPr id="155" name="Google Shape;155;p16"/>
-          <p:cNvSpPr txBox="1"/>
+          <p:cNvSpPr txBox="1">
+            <a:spLocks noGrp="1"/>
+          </p:cNvSpPr>
           <p:nvPr>
             <p:ph type="title"/>
           </p:nvPr>
@@ -9869,12 +9813,12 @@
           </a:prstGeom>
         </p:spPr>
         <p:txBody>
-          <a:bodyPr anchorCtr="0" anchor="ctr" bIns="91425" lIns="91425" spcFirstLastPara="1" rIns="91425" wrap="square" tIns="91425">
+          <a:bodyPr spcFirstLastPara="1" wrap="square" lIns="91425" tIns="91425" rIns="91425" bIns="91425" anchor="ctr" anchorCtr="0">
             <a:noAutofit/>
           </a:bodyPr>
           <a:lstStyle/>
           <a:p>
-            <a:pPr indent="0" lvl="0" marL="0" rtl="0" algn="l">
+            <a:pPr marL="0" lvl="0" indent="0" algn="l" rtl="0">
               <a:spcBef>
                 <a:spcPts val="0"/>
               </a:spcBef>
@@ -9900,11 +9844,11 @@
 </file>
 
 <file path=ppt/slides/slide5.xml><?xml version="1.0" encoding="utf-8"?>
-<p:sld xmlns:a="http://schemas.openxmlformats.org/drawingml/2006/main" xmlns:r="http://schemas.openxmlformats.org/officeDocument/2006/relationships" xmlns:mc="http://schemas.openxmlformats.org/markup-compatibility/2006" xmlns:mv="urn:schemas-microsoft-com:mac:vml" xmlns:p="http://schemas.openxmlformats.org/presentationml/2006/main" xmlns:c="http://schemas.openxmlformats.org/drawingml/2006/chart" xmlns:dgm="http://schemas.openxmlformats.org/drawingml/2006/diagram" xmlns:o="urn:schemas-microsoft-com:office:office" xmlns:v="urn:schemas-microsoft-com:vml" xmlns:pvml="urn:schemas-microsoft-com:office:powerpoint" xmlns:com="http://schemas.openxmlformats.org/drawingml/2006/compatibility" xmlns:p14="http://schemas.microsoft.com/office/powerpoint/2010/main" xmlns:p15="http://schemas.microsoft.com/office/powerpoint/2012/main">
+<p:sld xmlns:a="http://schemas.openxmlformats.org/drawingml/2006/main" xmlns:r="http://schemas.openxmlformats.org/officeDocument/2006/relationships" xmlns:p="http://schemas.openxmlformats.org/presentationml/2006/main">
   <p:cSld>
     <p:spTree>
       <p:nvGrpSpPr>
-        <p:cNvPr id="159" name="Shape 159"/>
+        <p:cNvPr id="1" name="Shape 159"/>
         <p:cNvGrpSpPr/>
         <p:nvPr/>
       </p:nvGrpSpPr>
@@ -9919,7 +9863,9 @@
       <p:sp>
         <p:nvSpPr>
           <p:cNvPr id="160" name="Google Shape;160;p17"/>
-          <p:cNvSpPr txBox="1"/>
+          <p:cNvSpPr txBox="1">
+            <a:spLocks noGrp="1"/>
+          </p:cNvSpPr>
           <p:nvPr>
             <p:ph type="title"/>
           </p:nvPr>
@@ -9934,12 +9880,12 @@
           </a:prstGeom>
         </p:spPr>
         <p:txBody>
-          <a:bodyPr anchorCtr="0" anchor="t" bIns="91425" lIns="91425" spcFirstLastPara="1" rIns="91425" wrap="square" tIns="91425">
+          <a:bodyPr spcFirstLastPara="1" wrap="square" lIns="91425" tIns="91425" rIns="91425" bIns="91425" anchor="t" anchorCtr="0">
             <a:noAutofit/>
           </a:bodyPr>
           <a:lstStyle/>
           <a:p>
-            <a:pPr indent="0" lvl="0" marL="0" rtl="0" algn="l">
+            <a:pPr marL="0" lvl="0" indent="0" algn="l" rtl="0">
               <a:spcBef>
                 <a:spcPts val="0"/>
               </a:spcBef>
@@ -9959,9 +9905,11 @@
       <p:sp>
         <p:nvSpPr>
           <p:cNvPr id="161" name="Google Shape;161;p17"/>
-          <p:cNvSpPr txBox="1"/>
+          <p:cNvSpPr txBox="1">
+            <a:spLocks noGrp="1"/>
+          </p:cNvSpPr>
           <p:nvPr>
-            <p:ph idx="1" type="body"/>
+            <p:ph type="body" idx="1"/>
           </p:nvPr>
         </p:nvSpPr>
         <p:spPr>
@@ -9974,12 +9922,12 @@
           </a:prstGeom>
         </p:spPr>
         <p:txBody>
-          <a:bodyPr anchorCtr="0" anchor="t" bIns="91425" lIns="91425" spcFirstLastPara="1" rIns="91425" wrap="square" tIns="91425">
+          <a:bodyPr spcFirstLastPara="1" wrap="square" lIns="91425" tIns="91425" rIns="91425" bIns="91425" anchor="t" anchorCtr="0">
             <a:noAutofit/>
           </a:bodyPr>
           <a:lstStyle/>
           <a:p>
-            <a:pPr indent="-311150" lvl="0" marL="457200" rtl="0" algn="l">
+            <a:pPr marL="146050" lvl="0" indent="0" algn="l" rtl="0">
               <a:spcBef>
                 <a:spcPts val="0"/>
               </a:spcBef>
@@ -9987,19 +9935,18 @@
                 <a:spcPts val="0"/>
               </a:spcAft>
               <a:buSzPts val="1300"/>
-              <a:buFont typeface="Roboto"/>
-              <a:buChar char="-"/>
+              <a:buNone/>
             </a:pPr>
             <a:r>
-              <a:rPr lang="ru">
+              <a:rPr lang="ru-RU" dirty="0" smtClean="0">
                 <a:latin typeface="Roboto"/>
                 <a:ea typeface="Roboto"/>
                 <a:cs typeface="Roboto"/>
                 <a:sym typeface="Roboto"/>
               </a:rPr>
-              <a:t>Обеспечить поддержку всех цветов/форм, доступных в DOT</a:t>
+              <a:t>Краткосрочная перспектива:</a:t>
             </a:r>
-            <a:endParaRPr>
+            <a:endParaRPr lang="en-US" dirty="0" smtClean="0">
               <a:latin typeface="Roboto"/>
               <a:ea typeface="Roboto"/>
               <a:cs typeface="Roboto"/>
@@ -10007,7 +9954,7 @@
             </a:endParaRPr>
           </a:p>
           <a:p>
-            <a:pPr indent="-311150" lvl="0" marL="457200" rtl="0" algn="l">
+            <a:pPr marL="457200" lvl="0" indent="-311150" algn="l" rtl="0">
               <a:spcBef>
                 <a:spcPts val="0"/>
               </a:spcBef>
@@ -10019,33 +9966,24 @@
               <a:buChar char="-"/>
             </a:pPr>
             <a:r>
-              <a:rPr lang="ru">
+              <a:rPr lang="ru" dirty="0" smtClean="0">
                 <a:latin typeface="Roboto"/>
                 <a:ea typeface="Roboto"/>
                 <a:cs typeface="Roboto"/>
                 <a:sym typeface="Roboto"/>
               </a:rPr>
-              <a:t>Добавить дополнительные </a:t>
+              <a:t>Обеспечить </a:t>
             </a:r>
             <a:r>
-              <a:rPr lang="ru">
+              <a:rPr lang="ru" dirty="0">
                 <a:latin typeface="Roboto"/>
                 <a:ea typeface="Roboto"/>
                 <a:cs typeface="Roboto"/>
                 <a:sym typeface="Roboto"/>
               </a:rPr>
-              <a:t>атрибуты</a:t>
+              <a:t>поддержку всех цветов/форм, доступных в DOT</a:t>
             </a:r>
-            <a:r>
-              <a:rPr lang="ru">
-                <a:latin typeface="Roboto"/>
-                <a:ea typeface="Roboto"/>
-                <a:cs typeface="Roboto"/>
-                <a:sym typeface="Roboto"/>
-              </a:rPr>
-              <a:t>, которые можно отобразить в Visio (цвет текста, размеры, фиксированное положение, градиенты и т.д.)</a:t>
-            </a:r>
-            <a:endParaRPr>
+            <a:endParaRPr dirty="0">
               <a:latin typeface="Roboto"/>
               <a:ea typeface="Roboto"/>
               <a:cs typeface="Roboto"/>
@@ -10053,7 +9991,7 @@
             </a:endParaRPr>
           </a:p>
           <a:p>
-            <a:pPr indent="-311150" lvl="0" marL="457200" rtl="0" algn="l">
+            <a:pPr marL="457200" lvl="0" indent="-311150" algn="l" rtl="0">
               <a:spcBef>
                 <a:spcPts val="0"/>
               </a:spcBef>
@@ -10065,15 +10003,193 @@
               <a:buChar char="-"/>
             </a:pPr>
             <a:r>
-              <a:rPr lang="ru">
+              <a:rPr lang="ru" dirty="0">
                 <a:latin typeface="Roboto"/>
                 <a:ea typeface="Roboto"/>
                 <a:cs typeface="Roboto"/>
                 <a:sym typeface="Roboto"/>
               </a:rPr>
-              <a:t>Написать недостающие документы для документации</a:t>
+              <a:t>Добавить дополнительные атрибуты, которые можно отобразить в Visio (цвет текста, размеры, фиксированное положение, градиенты и т.д</a:t>
             </a:r>
-            <a:endParaRPr>
+            <a:r>
+              <a:rPr lang="ru" dirty="0" smtClean="0">
+                <a:latin typeface="Roboto"/>
+                <a:ea typeface="Roboto"/>
+                <a:cs typeface="Roboto"/>
+                <a:sym typeface="Roboto"/>
+              </a:rPr>
+              <a:t>.)</a:t>
+            </a:r>
+          </a:p>
+          <a:p>
+            <a:pPr marL="457200" lvl="0" indent="-311150" algn="l" rtl="0">
+              <a:spcBef>
+                <a:spcPts val="0"/>
+              </a:spcBef>
+              <a:spcAft>
+                <a:spcPts val="0"/>
+              </a:spcAft>
+              <a:buSzPts val="1300"/>
+              <a:buFont typeface="Roboto"/>
+              <a:buChar char="-"/>
+            </a:pPr>
+            <a:r>
+              <a:rPr lang="ru" dirty="0" smtClean="0">
+                <a:latin typeface="Roboto"/>
+                <a:ea typeface="Roboto"/>
+                <a:cs typeface="Roboto"/>
+                <a:sym typeface="Roboto"/>
+              </a:rPr>
+              <a:t>Добавить окошко справки</a:t>
+            </a:r>
+            <a:endParaRPr dirty="0">
+              <a:latin typeface="Roboto"/>
+              <a:ea typeface="Roboto"/>
+              <a:cs typeface="Roboto"/>
+              <a:sym typeface="Roboto"/>
+            </a:endParaRPr>
+          </a:p>
+          <a:p>
+            <a:pPr marL="457200" lvl="0" indent="-311150" algn="l" rtl="0">
+              <a:spcBef>
+                <a:spcPts val="0"/>
+              </a:spcBef>
+              <a:spcAft>
+                <a:spcPts val="0"/>
+              </a:spcAft>
+              <a:buSzPts val="1300"/>
+              <a:buFont typeface="Roboto"/>
+              <a:buChar char="-"/>
+            </a:pPr>
+            <a:r>
+              <a:rPr lang="ru" dirty="0">
+                <a:latin typeface="Roboto"/>
+                <a:ea typeface="Roboto"/>
+                <a:cs typeface="Roboto"/>
+                <a:sym typeface="Roboto"/>
+              </a:rPr>
+              <a:t>Написать недостающие документы для </a:t>
+            </a:r>
+            <a:r>
+              <a:rPr lang="ru" dirty="0" smtClean="0">
+                <a:latin typeface="Roboto"/>
+                <a:ea typeface="Roboto"/>
+                <a:cs typeface="Roboto"/>
+                <a:sym typeface="Roboto"/>
+              </a:rPr>
+              <a:t>документации</a:t>
+            </a:r>
+          </a:p>
+          <a:p>
+            <a:pPr marL="146050" lvl="0" indent="0" algn="l" rtl="0">
+              <a:spcBef>
+                <a:spcPts val="0"/>
+              </a:spcBef>
+              <a:spcAft>
+                <a:spcPts val="0"/>
+              </a:spcAft>
+              <a:buSzPts val="1300"/>
+              <a:buNone/>
+            </a:pPr>
+            <a:r>
+              <a:rPr lang="ru" dirty="0" smtClean="0">
+                <a:latin typeface="Roboto"/>
+                <a:ea typeface="Roboto"/>
+                <a:cs typeface="Roboto"/>
+                <a:sym typeface="Roboto"/>
+              </a:rPr>
+              <a:t>Долгосрочная перспектива:</a:t>
+            </a:r>
+          </a:p>
+          <a:p>
+            <a:pPr lvl="0" algn="l" rtl="0">
+              <a:spcBef>
+                <a:spcPts val="0"/>
+              </a:spcBef>
+              <a:spcAft>
+                <a:spcPts val="0"/>
+              </a:spcAft>
+              <a:buSzPts val="1300"/>
+              <a:buFontTx/>
+              <a:buChar char="-"/>
+            </a:pPr>
+            <a:r>
+              <a:rPr lang="ru" dirty="0" smtClean="0">
+                <a:latin typeface="Roboto"/>
+                <a:ea typeface="Roboto"/>
+                <a:cs typeface="Roboto"/>
+                <a:sym typeface="Roboto"/>
+              </a:rPr>
+              <a:t>Обеспечить возможность экспорта графа из </a:t>
+            </a:r>
+            <a:r>
+              <a:rPr lang="en-US" dirty="0" smtClean="0">
+                <a:latin typeface="Roboto"/>
+                <a:ea typeface="Roboto"/>
+                <a:cs typeface="Roboto"/>
+                <a:sym typeface="Roboto"/>
+              </a:rPr>
+              <a:t>Visio</a:t>
+            </a:r>
+            <a:r>
+              <a:rPr lang="ru-RU" dirty="0" smtClean="0">
+                <a:latin typeface="Roboto"/>
+                <a:ea typeface="Roboto"/>
+                <a:cs typeface="Roboto"/>
+                <a:sym typeface="Roboto"/>
+              </a:rPr>
+              <a:t> обратно в файл</a:t>
+            </a:r>
+          </a:p>
+          <a:p>
+            <a:pPr lvl="0" algn="l" rtl="0">
+              <a:spcBef>
+                <a:spcPts val="0"/>
+              </a:spcBef>
+              <a:spcAft>
+                <a:spcPts val="0"/>
+              </a:spcAft>
+              <a:buSzPts val="1300"/>
+              <a:buFontTx/>
+              <a:buChar char="-"/>
+            </a:pPr>
+            <a:r>
+              <a:rPr lang="ru-RU" dirty="0" smtClean="0">
+                <a:latin typeface="Roboto"/>
+                <a:ea typeface="Roboto"/>
+                <a:cs typeface="Roboto"/>
+                <a:sym typeface="Roboto"/>
+              </a:rPr>
+              <a:t>Дописать </a:t>
+            </a:r>
+            <a:r>
+              <a:rPr lang="ru-RU" dirty="0" err="1" smtClean="0">
+                <a:latin typeface="Roboto"/>
+                <a:ea typeface="Roboto"/>
+                <a:cs typeface="Roboto"/>
+                <a:sym typeface="Roboto"/>
+              </a:rPr>
+              <a:t>парсер</a:t>
+            </a:r>
+            <a:r>
+              <a:rPr lang="ru-RU" dirty="0" smtClean="0">
+                <a:latin typeface="Roboto"/>
+                <a:ea typeface="Roboto"/>
+                <a:cs typeface="Roboto"/>
+                <a:sym typeface="Roboto"/>
+              </a:rPr>
+              <a:t>, чтоб не жаловался на использование ранее не </a:t>
+            </a:r>
+            <a:r>
+              <a:rPr lang="ru-RU" smtClean="0">
+                <a:latin typeface="Roboto"/>
+                <a:ea typeface="Roboto"/>
+                <a:cs typeface="Roboto"/>
+                <a:sym typeface="Roboto"/>
+              </a:rPr>
+              <a:t>объявленных вершин</a:t>
+            </a:r>
+            <a:endParaRPr dirty="0">
               <a:latin typeface="Roboto"/>
               <a:ea typeface="Roboto"/>
               <a:cs typeface="Roboto"/>
@@ -10091,7 +10207,7 @@
 </file>
 
 <file path=ppt/theme/theme1.xml><?xml version="1.0" encoding="utf-8"?>
-<a:theme xmlns:a="http://schemas.openxmlformats.org/drawingml/2006/main" xmlns:r="http://schemas.openxmlformats.org/officeDocument/2006/relationships" name="Focus">
+<a:theme xmlns:a="http://schemas.openxmlformats.org/drawingml/2006/main" name="Focus">
   <a:themeElements>
     <a:clrScheme name="Focus">
       <a:dk1>
@@ -10366,11 +10482,13 @@
       </a:bgFillStyleLst>
     </a:fmtScheme>
   </a:themeElements>
+  <a:objectDefaults/>
+  <a:extraClrSchemeLst/>
 </a:theme>
 </file>
 
 <file path=ppt/theme/theme2.xml><?xml version="1.0" encoding="utf-8"?>
-<a:theme xmlns:a="http://schemas.openxmlformats.org/drawingml/2006/main" xmlns:r="http://schemas.openxmlformats.org/officeDocument/2006/relationships">
+<a:theme xmlns:a="http://schemas.openxmlformats.org/drawingml/2006/main">
   <a:themeElements>
     <a:clrScheme name="Default">
       <a:dk1>
@@ -10645,5 +10763,7 @@
       </a:bgFillStyleLst>
     </a:fmtScheme>
   </a:themeElements>
+  <a:objectDefaults/>
+  <a:extraClrSchemeLst/>
 </a:theme>
 </file>
--- a/misc/22 апреля.pptx
+++ b/misc/22 апреля.pptx
@@ -18,21 +18,21 @@
   <p:notesSz cx="6858000" cy="9144000"/>
   <p:embeddedFontLst>
     <p:embeddedFont>
-      <p:font typeface="Roboto" panose="020B0604020202020204" charset="0"/>
+      <p:font typeface="Montserrat" panose="020B0604020202020204" charset="-52"/>
       <p:regular r:id="rId8"/>
       <p:bold r:id="rId9"/>
       <p:italic r:id="rId10"/>
       <p:boldItalic r:id="rId11"/>
     </p:embeddedFont>
     <p:embeddedFont>
-      <p:font typeface="Montserrat" panose="020B0604020202020204" charset="-52"/>
+      <p:font typeface="Lato" panose="020B0604020202020204" charset="0"/>
       <p:regular r:id="rId12"/>
       <p:bold r:id="rId13"/>
       <p:italic r:id="rId14"/>
       <p:boldItalic r:id="rId15"/>
     </p:embeddedFont>
     <p:embeddedFont>
-      <p:font typeface="Lato" panose="020B0604020202020204" charset="0"/>
+      <p:font typeface="Roboto" panose="020B0604020202020204" charset="0"/>
       <p:regular r:id="rId16"/>
       <p:bold r:id="rId17"/>
       <p:italic r:id="rId18"/>
@@ -9725,15 +9725,132 @@
               <a:buNone/>
             </a:pPr>
             <a:r>
-              <a:rPr lang="ru" sz="1800">
+              <a:rPr lang="ru" sz="1800" dirty="0">
                 <a:latin typeface="Roboto"/>
                 <a:ea typeface="Roboto"/>
                 <a:cs typeface="Roboto"/>
                 <a:sym typeface="Roboto"/>
               </a:rPr>
-              <a:t>Расширение для Microsoft Visio - VSTO (C#)</a:t>
+              <a:t>Расширение для Microsoft Visio </a:t>
             </a:r>
-            <a:endParaRPr sz="1800">
+            <a:r>
+              <a:rPr lang="ru" sz="1800" dirty="0" smtClean="0">
+                <a:latin typeface="Roboto"/>
+                <a:ea typeface="Roboto"/>
+                <a:cs typeface="Roboto"/>
+                <a:sym typeface="Roboto"/>
+              </a:rPr>
+              <a:t>написано при помощи инструмента V</a:t>
+            </a:r>
+            <a:r>
+              <a:rPr lang="en-US" sz="1800" dirty="0" err="1" smtClean="0">
+                <a:latin typeface="Roboto"/>
+                <a:ea typeface="Roboto"/>
+                <a:cs typeface="Roboto"/>
+                <a:sym typeface="Roboto"/>
+              </a:rPr>
+              <a:t>isual</a:t>
+            </a:r>
+            <a:r>
+              <a:rPr lang="en-US" sz="1800" dirty="0" smtClean="0">
+                <a:latin typeface="Roboto"/>
+                <a:ea typeface="Roboto"/>
+                <a:cs typeface="Roboto"/>
+                <a:sym typeface="Roboto"/>
+              </a:rPr>
+              <a:t> </a:t>
+            </a:r>
+            <a:r>
+              <a:rPr lang="ru" sz="1800" dirty="0" smtClean="0">
+                <a:latin typeface="Roboto"/>
+                <a:ea typeface="Roboto"/>
+                <a:cs typeface="Roboto"/>
+                <a:sym typeface="Roboto"/>
+              </a:rPr>
+              <a:t>S</a:t>
+            </a:r>
+            <a:r>
+              <a:rPr lang="en-US" sz="1800" dirty="0" err="1" smtClean="0">
+                <a:latin typeface="Roboto"/>
+                <a:ea typeface="Roboto"/>
+                <a:cs typeface="Roboto"/>
+                <a:sym typeface="Roboto"/>
+              </a:rPr>
+              <a:t>tudio</a:t>
+            </a:r>
+            <a:r>
+              <a:rPr lang="en-US" sz="1800" dirty="0" smtClean="0">
+                <a:latin typeface="Roboto"/>
+                <a:ea typeface="Roboto"/>
+                <a:cs typeface="Roboto"/>
+                <a:sym typeface="Roboto"/>
+              </a:rPr>
+              <a:t> </a:t>
+            </a:r>
+            <a:r>
+              <a:rPr lang="ru" sz="1800" dirty="0" smtClean="0">
+                <a:latin typeface="Roboto"/>
+                <a:ea typeface="Roboto"/>
+                <a:cs typeface="Roboto"/>
+                <a:sym typeface="Roboto"/>
+              </a:rPr>
+              <a:t>T</a:t>
+            </a:r>
+            <a:r>
+              <a:rPr lang="en-US" sz="1800" dirty="0" err="1" smtClean="0">
+                <a:latin typeface="Roboto"/>
+                <a:ea typeface="Roboto"/>
+                <a:cs typeface="Roboto"/>
+                <a:sym typeface="Roboto"/>
+              </a:rPr>
+              <a:t>ools</a:t>
+            </a:r>
+            <a:r>
+              <a:rPr lang="en-US" sz="1800" dirty="0" smtClean="0">
+                <a:latin typeface="Roboto"/>
+                <a:ea typeface="Roboto"/>
+                <a:cs typeface="Roboto"/>
+                <a:sym typeface="Roboto"/>
+              </a:rPr>
+              <a:t> for </a:t>
+            </a:r>
+            <a:r>
+              <a:rPr lang="ru" sz="1800" dirty="0" smtClean="0">
+                <a:latin typeface="Roboto"/>
+                <a:ea typeface="Roboto"/>
+                <a:cs typeface="Roboto"/>
+                <a:sym typeface="Roboto"/>
+              </a:rPr>
+              <a:t>O</a:t>
+            </a:r>
+            <a:r>
+              <a:rPr lang="en-US" sz="1800" dirty="0" err="1" smtClean="0">
+                <a:latin typeface="Roboto"/>
+                <a:ea typeface="Roboto"/>
+                <a:cs typeface="Roboto"/>
+                <a:sym typeface="Roboto"/>
+              </a:rPr>
+              <a:t>ffice</a:t>
+            </a:r>
+            <a:r>
+              <a:rPr lang="ru" sz="1800" dirty="0" smtClean="0">
+                <a:latin typeface="Roboto"/>
+                <a:ea typeface="Roboto"/>
+                <a:cs typeface="Roboto"/>
+                <a:sym typeface="Roboto"/>
+              </a:rPr>
+              <a:t> </a:t>
+            </a:r>
+            <a:r>
+              <a:rPr lang="ru" sz="1800" dirty="0">
+                <a:latin typeface="Roboto"/>
+                <a:ea typeface="Roboto"/>
+                <a:cs typeface="Roboto"/>
+                <a:sym typeface="Roboto"/>
+              </a:rPr>
+              <a:t>(C#)</a:t>
+            </a:r>
+            <a:endParaRPr sz="1800" dirty="0">
               <a:latin typeface="Roboto"/>
               <a:ea typeface="Roboto"/>
               <a:cs typeface="Roboto"/>
@@ -9751,15 +9868,24 @@
               <a:buNone/>
             </a:pPr>
             <a:r>
-              <a:rPr lang="ru" sz="1800">
+              <a:rPr lang="ru" sz="1800" dirty="0">
                 <a:latin typeface="Roboto"/>
                 <a:ea typeface="Roboto"/>
                 <a:cs typeface="Roboto"/>
                 <a:sym typeface="Roboto"/>
               </a:rPr>
-              <a:t>Чтение DOT файла - Graphviz4Net + ANTLR</a:t>
+              <a:t>Чтение DOT файла </a:t>
             </a:r>
-            <a:endParaRPr sz="1800">
+            <a:r>
+              <a:rPr lang="ru" sz="1800" dirty="0" smtClean="0">
+                <a:latin typeface="Roboto"/>
+                <a:ea typeface="Roboto"/>
+                <a:cs typeface="Roboto"/>
+                <a:sym typeface="Roboto"/>
+              </a:rPr>
+              <a:t>осуществляется при помощи библиотеки Graphviz4Net, включающей в себя парсер ANTLR</a:t>
+            </a:r>
+            <a:endParaRPr sz="1800" dirty="0">
               <a:latin typeface="Roboto"/>
               <a:ea typeface="Roboto"/>
               <a:cs typeface="Roboto"/>
@@ -9944,7 +10070,16 @@
                 <a:cs typeface="Roboto"/>
                 <a:sym typeface="Roboto"/>
               </a:rPr>
-              <a:t>Краткосрочная перспектива:</a:t>
+              <a:t>Краткосрочная </a:t>
+            </a:r>
+            <a:r>
+              <a:rPr lang="ru-RU" dirty="0" smtClean="0">
+                <a:latin typeface="Roboto"/>
+                <a:ea typeface="Roboto"/>
+                <a:cs typeface="Roboto"/>
+                <a:sym typeface="Roboto"/>
+              </a:rPr>
+              <a:t>перспектива (до защиты):</a:t>
             </a:r>
             <a:endParaRPr lang="en-US" dirty="0" smtClean="0">
               <a:latin typeface="Roboto"/>
@@ -10178,16 +10313,7 @@
                 <a:cs typeface="Roboto"/>
                 <a:sym typeface="Roboto"/>
               </a:rPr>
-              <a:t>, чтоб не жаловался на использование ранее не </a:t>
-            </a:r>
-            <a:r>
-              <a:rPr lang="ru-RU" smtClean="0">
-                <a:latin typeface="Roboto"/>
-                <a:ea typeface="Roboto"/>
-                <a:cs typeface="Roboto"/>
-                <a:sym typeface="Roboto"/>
-              </a:rPr>
-              <a:t>объявленных вершин</a:t>
+              <a:t>, чтоб не жаловался на использование ранее не объявленных вершин</a:t>
             </a:r>
             <a:endParaRPr dirty="0">
               <a:latin typeface="Roboto"/>
